--- a/Stargazer.pptx
+++ b/Stargazer.pptx
@@ -20,8 +20,8 @@
     <p:sldId id="285" r:id="rId11"/>
     <p:sldId id="279" r:id="rId12"/>
     <p:sldId id="261" r:id="rId13"/>
-    <p:sldId id="264" r:id="rId14"/>
-    <p:sldId id="265" r:id="rId15"/>
+    <p:sldId id="265" r:id="rId14"/>
+    <p:sldId id="288" r:id="rId15"/>
     <p:sldId id="266" r:id="rId16"/>
     <p:sldId id="268" r:id="rId17"/>
     <p:sldId id="269" r:id="rId18"/>
@@ -217,7 +217,7 @@
             <a:fld id="{2AAFEF68-1DE9-47A7-9FE3-8BA9D24E7EE3}" type="datetimeFigureOut">
               <a:rPr lang="en-US" smtClean="0"/>
               <a:pPr/>
-              <a:t>11/29/2009</a:t>
+              <a:t>12/1/2009</a:t>
             </a:fld>
             <a:endParaRPr lang="en-CA"/>
           </a:p>
@@ -1176,6 +1176,88 @@
           </a:bodyPr>
           <a:lstStyle/>
           <a:p>
+            <a:endParaRPr lang="en-US" dirty="0"/>
+          </a:p>
+        </p:txBody>
+      </p:sp>
+      <p:sp>
+        <p:nvSpPr>
+          <p:cNvPr id="4" name="Slide Number Placeholder 3"/>
+          <p:cNvSpPr>
+            <a:spLocks noGrp="1"/>
+          </p:cNvSpPr>
+          <p:nvPr>
+            <p:ph type="sldNum" sz="quarter" idx="10"/>
+          </p:nvPr>
+        </p:nvSpPr>
+        <p:spPr/>
+        <p:txBody>
+          <a:bodyPr/>
+          <a:lstStyle/>
+          <a:p>
+            <a:fld id="{64EF572D-EF5B-479C-89C5-F647D7191839}" type="slidenum">
+              <a:rPr lang="en-CA" smtClean="0"/>
+              <a:pPr/>
+              <a:t>14</a:t>
+            </a:fld>
+            <a:endParaRPr lang="en-CA"/>
+          </a:p>
+        </p:txBody>
+      </p:sp>
+    </p:spTree>
+  </p:cSld>
+  <p:clrMapOvr>
+    <a:masterClrMapping/>
+  </p:clrMapOvr>
+</p:notes>
+</file>
+
+<file path=ppt/notesSlides/notesSlide7.xml><?xml version="1.0" encoding="utf-8"?>
+<p:notes xmlns:a="http://schemas.openxmlformats.org/drawingml/2006/main" xmlns:r="http://schemas.openxmlformats.org/officeDocument/2006/relationships" xmlns:p="http://schemas.openxmlformats.org/presentationml/2006/main">
+  <p:cSld>
+    <p:spTree>
+      <p:nvGrpSpPr>
+        <p:cNvPr id="1" name=""/>
+        <p:cNvGrpSpPr/>
+        <p:nvPr/>
+      </p:nvGrpSpPr>
+      <p:grpSpPr>
+        <a:xfrm>
+          <a:off x="0" y="0"/>
+          <a:ext cx="0" cy="0"/>
+          <a:chOff x="0" y="0"/>
+          <a:chExt cx="0" cy="0"/>
+        </a:xfrm>
+      </p:grpSpPr>
+      <p:sp>
+        <p:nvSpPr>
+          <p:cNvPr id="2" name="Slide Image Placeholder 1"/>
+          <p:cNvSpPr>
+            <a:spLocks noGrp="1" noRot="1" noChangeAspect="1"/>
+          </p:cNvSpPr>
+          <p:nvPr>
+            <p:ph type="sldImg"/>
+          </p:nvPr>
+        </p:nvSpPr>
+        <p:spPr/>
+      </p:sp>
+      <p:sp>
+        <p:nvSpPr>
+          <p:cNvPr id="3" name="Notes Placeholder 2"/>
+          <p:cNvSpPr>
+            <a:spLocks noGrp="1"/>
+          </p:cNvSpPr>
+          <p:nvPr>
+            <p:ph type="body" idx="1"/>
+          </p:nvPr>
+        </p:nvSpPr>
+        <p:spPr/>
+        <p:txBody>
+          <a:bodyPr>
+            <a:normAutofit/>
+          </a:bodyPr>
+          <a:lstStyle/>
+          <a:p>
             <a:r>
               <a:rPr lang="en-US" sz="1200" kern="1200" dirty="0" smtClean="0">
                 <a:solidFill>
@@ -1236,7 +1318,7 @@
 </p:notes>
 </file>
 
-<file path=ppt/notesSlides/notesSlide7.xml><?xml version="1.0" encoding="utf-8"?>
+<file path=ppt/notesSlides/notesSlide8.xml><?xml version="1.0" encoding="utf-8"?>
 <p:notes xmlns:a="http://schemas.openxmlformats.org/drawingml/2006/main" xmlns:r="http://schemas.openxmlformats.org/officeDocument/2006/relationships" xmlns:p="http://schemas.openxmlformats.org/presentationml/2006/main">
   <p:cSld>
     <p:spTree>
@@ -1566,7 +1648,7 @@
             <a:fld id="{471E1C79-A119-44DE-84CD-391F73B5F415}" type="datetimeFigureOut">
               <a:rPr lang="en-US" smtClean="0"/>
               <a:pPr/>
-              <a:t>11/29/2009</a:t>
+              <a:t>12/1/2009</a:t>
             </a:fld>
             <a:endParaRPr lang="en-CA"/>
           </a:p>
@@ -1733,7 +1815,7 @@
             <a:fld id="{471E1C79-A119-44DE-84CD-391F73B5F415}" type="datetimeFigureOut">
               <a:rPr lang="en-US" smtClean="0"/>
               <a:pPr/>
-              <a:t>11/29/2009</a:t>
+              <a:t>12/1/2009</a:t>
             </a:fld>
             <a:endParaRPr lang="en-CA"/>
           </a:p>
@@ -1910,7 +1992,7 @@
             <a:fld id="{471E1C79-A119-44DE-84CD-391F73B5F415}" type="datetimeFigureOut">
               <a:rPr lang="en-US" smtClean="0"/>
               <a:pPr/>
-              <a:t>11/29/2009</a:t>
+              <a:t>12/1/2009</a:t>
             </a:fld>
             <a:endParaRPr lang="en-CA"/>
           </a:p>
@@ -2077,7 +2159,7 @@
             <a:fld id="{471E1C79-A119-44DE-84CD-391F73B5F415}" type="datetimeFigureOut">
               <a:rPr lang="en-US" smtClean="0"/>
               <a:pPr/>
-              <a:t>11/29/2009</a:t>
+              <a:t>12/1/2009</a:t>
             </a:fld>
             <a:endParaRPr lang="en-CA"/>
           </a:p>
@@ -2320,7 +2402,7 @@
             <a:fld id="{471E1C79-A119-44DE-84CD-391F73B5F415}" type="datetimeFigureOut">
               <a:rPr lang="en-US" smtClean="0"/>
               <a:pPr/>
-              <a:t>11/29/2009</a:t>
+              <a:t>12/1/2009</a:t>
             </a:fld>
             <a:endParaRPr lang="en-CA"/>
           </a:p>
@@ -2605,7 +2687,7 @@
             <a:fld id="{471E1C79-A119-44DE-84CD-391F73B5F415}" type="datetimeFigureOut">
               <a:rPr lang="en-US" smtClean="0"/>
               <a:pPr/>
-              <a:t>11/29/2009</a:t>
+              <a:t>12/1/2009</a:t>
             </a:fld>
             <a:endParaRPr lang="en-CA"/>
           </a:p>
@@ -3024,7 +3106,7 @@
             <a:fld id="{471E1C79-A119-44DE-84CD-391F73B5F415}" type="datetimeFigureOut">
               <a:rPr lang="en-US" smtClean="0"/>
               <a:pPr/>
-              <a:t>11/29/2009</a:t>
+              <a:t>12/1/2009</a:t>
             </a:fld>
             <a:endParaRPr lang="en-CA"/>
           </a:p>
@@ -3139,7 +3221,7 @@
             <a:fld id="{471E1C79-A119-44DE-84CD-391F73B5F415}" type="datetimeFigureOut">
               <a:rPr lang="en-US" smtClean="0"/>
               <a:pPr/>
-              <a:t>11/29/2009</a:t>
+              <a:t>12/1/2009</a:t>
             </a:fld>
             <a:endParaRPr lang="en-CA"/>
           </a:p>
@@ -3231,7 +3313,7 @@
             <a:fld id="{471E1C79-A119-44DE-84CD-391F73B5F415}" type="datetimeFigureOut">
               <a:rPr lang="en-US" smtClean="0"/>
               <a:pPr/>
-              <a:t>11/29/2009</a:t>
+              <a:t>12/1/2009</a:t>
             </a:fld>
             <a:endParaRPr lang="en-CA"/>
           </a:p>
@@ -3505,7 +3587,7 @@
             <a:fld id="{471E1C79-A119-44DE-84CD-391F73B5F415}" type="datetimeFigureOut">
               <a:rPr lang="en-US" smtClean="0"/>
               <a:pPr/>
-              <a:t>11/29/2009</a:t>
+              <a:t>12/1/2009</a:t>
             </a:fld>
             <a:endParaRPr lang="en-CA"/>
           </a:p>
@@ -3755,7 +3837,7 @@
             <a:fld id="{471E1C79-A119-44DE-84CD-391F73B5F415}" type="datetimeFigureOut">
               <a:rPr lang="en-US" smtClean="0"/>
               <a:pPr/>
-              <a:t>11/29/2009</a:t>
+              <a:t>12/1/2009</a:t>
             </a:fld>
             <a:endParaRPr lang="en-CA"/>
           </a:p>
@@ -3974,7 +4056,7 @@
             <a:fld id="{471E1C79-A119-44DE-84CD-391F73B5F415}" type="datetimeFigureOut">
               <a:rPr lang="en-US" smtClean="0"/>
               <a:pPr/>
-              <a:t>11/29/2009</a:t>
+              <a:t>12/1/2009</a:t>
             </a:fld>
             <a:endParaRPr lang="en-CA"/>
           </a:p>
@@ -4605,11 +4687,7 @@
             </a:r>
             <a:r>
               <a:rPr lang="en-US" dirty="0" smtClean="0"/>
-              <a:t> architecture</a:t>
-            </a:r>
-            <a:r>
-              <a:rPr lang="en-US" dirty="0" smtClean="0"/>
-              <a:t>.</a:t>
+              <a:t> architecture.</a:t>
             </a:r>
           </a:p>
           <a:p>
@@ -4621,15 +4699,7 @@
           <a:p>
             <a:r>
               <a:rPr lang="en-US" dirty="0" smtClean="0"/>
-              <a:t>Convention </a:t>
-            </a:r>
-            <a:r>
-              <a:rPr lang="en-US" dirty="0" smtClean="0"/>
-              <a:t>O</a:t>
-            </a:r>
-            <a:r>
-              <a:rPr lang="en-US" dirty="0" smtClean="0"/>
-              <a:t>ver Configuration</a:t>
+              <a:t>Convention Over Configuration</a:t>
             </a:r>
             <a:endParaRPr lang="en-CA" dirty="0"/>
           </a:p>
@@ -4720,11 +4790,7 @@
           <a:p>
             <a:r>
               <a:rPr lang="en-US" dirty="0" smtClean="0"/>
-              <a:t>Used “Git”. </a:t>
-            </a:r>
-            <a:r>
-              <a:rPr lang="en-US" dirty="0" smtClean="0"/>
-              <a:t>Why?</a:t>
+              <a:t>Used “Git”. Why?</a:t>
             </a:r>
           </a:p>
           <a:p>
@@ -4793,13 +4859,7 @@
               <a:rPr lang="en-US" dirty="0" smtClean="0">
                 <a:hlinkClick r:id="rId3"/>
               </a:rPr>
-              <a:t>http://</a:t>
-            </a:r>
-            <a:r>
-              <a:rPr lang="en-US" dirty="0" smtClean="0">
-                <a:hlinkClick r:id="rId3"/>
-              </a:rPr>
-              <a:t>github.com/RedTeamCOSC470/Stargazer</a:t>
+              <a:t>http://github.com/RedTeamCOSC470/Stargazer</a:t>
             </a:r>
             <a:r>
               <a:rPr lang="en-US" dirty="0" smtClean="0"/>
@@ -4952,40 +5012,40 @@
           <a:p>
             <a:r>
               <a:rPr lang="en-US" dirty="0" smtClean="0"/>
-              <a:t>Design</a:t>
+              <a:t>Use Class Diagram</a:t>
             </a:r>
             <a:endParaRPr lang="en-CA" dirty="0"/>
           </a:p>
         </p:txBody>
       </p:sp>
-      <p:sp>
-        <p:nvSpPr>
-          <p:cNvPr id="3" name="Content Placeholder 2"/>
-          <p:cNvSpPr>
-            <a:spLocks noGrp="1"/>
-          </p:cNvSpPr>
+      <p:pic>
+        <p:nvPicPr>
+          <p:cNvPr id="1026" name="Picture 2" descr="C:\Documents and Settings\Robert Grmek\rails\documentation\Stargazer_UseCase.gif"/>
+          <p:cNvPicPr>
+            <a:picLocks noGrp="1" noChangeAspect="1" noChangeArrowheads="1"/>
+          </p:cNvPicPr>
           <p:nvPr>
             <p:ph idx="1"/>
           </p:nvPr>
-        </p:nvSpPr>
-        <p:spPr>
-          <a:solidFill>
-            <a:srgbClr val="000000"/>
-          </a:solidFill>
-          <a:ln>
-            <a:solidFill>
-              <a:schemeClr val="accent1"/>
-            </a:solidFill>
-          </a:ln>
+        </p:nvPicPr>
+        <p:blipFill>
+          <a:blip r:embed="rId2"/>
+          <a:srcRect/>
+          <a:stretch>
+            <a:fillRect/>
+          </a:stretch>
+        </p:blipFill>
+        <p:spPr bwMode="auto">
+          <a:xfrm>
+            <a:off x="2143108" y="1603664"/>
+            <a:ext cx="4930422" cy="5035456"/>
+          </a:xfrm>
+          <a:prstGeom prst="rect">
+            <a:avLst/>
+          </a:prstGeom>
+          <a:noFill/>
         </p:spPr>
-        <p:txBody>
-          <a:bodyPr/>
-          <a:lstStyle/>
-          <a:p>
-            <a:endParaRPr lang="en-CA" dirty="0"/>
-          </a:p>
-        </p:txBody>
-      </p:sp>
+      </p:pic>
     </p:spTree>
   </p:cSld>
   <p:clrMapOvr>
@@ -5037,25 +5097,39 @@
           <a:p>
             <a:r>
               <a:rPr lang="en-US" dirty="0" smtClean="0"/>
-              <a:t>Class Diagram</a:t>
+              <a:t>Use Class Diagram</a:t>
             </a:r>
             <a:endParaRPr lang="en-CA" dirty="0"/>
           </a:p>
         </p:txBody>
       </p:sp>
-      <p:sp>
-        <p:nvSpPr>
-          <p:cNvPr id="3" name="Content Placeholder 2"/>
-          <p:cNvSpPr>
-            <a:spLocks noGrp="1"/>
-          </p:cNvSpPr>
+      <p:pic>
+        <p:nvPicPr>
+          <p:cNvPr id="6" name="Picture 2" descr="C:\Documents and Settings\Robert Grmek\rails\documentation\Stargazer_Web_Models.png"/>
+          <p:cNvPicPr>
+            <a:picLocks noGrp="1" noChangeAspect="1" noChangeArrowheads="1"/>
+          </p:cNvPicPr>
           <p:nvPr>
             <p:ph idx="1"/>
           </p:nvPr>
-        </p:nvSpPr>
-        <p:spPr>
+        </p:nvPicPr>
+        <p:blipFill>
+          <a:blip r:embed="rId3"/>
+          <a:srcRect/>
+          <a:stretch>
+            <a:fillRect/>
+          </a:stretch>
+        </p:blipFill>
+        <p:spPr bwMode="auto">
+          <a:xfrm>
+            <a:off x="357158" y="2500306"/>
+            <a:ext cx="8348377" cy="2214578"/>
+          </a:xfrm>
+          <a:prstGeom prst="rect">
+            <a:avLst/>
+          </a:prstGeom>
           <a:solidFill>
-            <a:srgbClr val="000000"/>
+            <a:schemeClr val="bg1"/>
           </a:solidFill>
           <a:ln>
             <a:solidFill>
@@ -5063,14 +5137,7 @@
             </a:solidFill>
           </a:ln>
         </p:spPr>
-        <p:txBody>
-          <a:bodyPr/>
-          <a:lstStyle/>
-          <a:p>
-            <a:endParaRPr lang="en-CA" dirty="0"/>
-          </a:p>
-        </p:txBody>
-      </p:sp>
+      </p:pic>
     </p:spTree>
   </p:cSld>
   <p:clrMapOvr>
@@ -5219,13 +5286,8 @@
             </a:pPr>
             <a:r>
               <a:rPr lang="en-US" dirty="0" smtClean="0"/>
-              <a:t>	# make sure schedule cannot be before present </a:t>
-            </a:r>
-            <a:r>
-              <a:rPr lang="en-US" dirty="0" smtClean="0"/>
-              <a:t>time</a:t>
-            </a:r>
-            <a:endParaRPr lang="en-US" dirty="0" smtClean="0"/>
+              <a:t>	# make sure schedule cannot be before present time</a:t>
+            </a:r>
           </a:p>
           <a:p>
             <a:pPr>
@@ -5676,11 +5738,7 @@
             </a:pPr>
             <a:r>
               <a:rPr lang="en-US" dirty="0" smtClean="0"/>
-              <a:t>    </a:t>
-            </a:r>
-            <a:r>
-              <a:rPr lang="en-US" dirty="0" smtClean="0"/>
-              <a:t>	@</a:t>
+              <a:t>    	@</a:t>
             </a:r>
             <a:r>
               <a:rPr lang="en-US" dirty="0" err="1" smtClean="0"/>
@@ -5697,11 +5755,7 @@
             </a:pPr>
             <a:r>
               <a:rPr lang="en-US" dirty="0" smtClean="0"/>
-              <a:t>    </a:t>
-            </a:r>
-            <a:r>
-              <a:rPr lang="en-US" dirty="0" smtClean="0"/>
-              <a:t>	@</a:t>
+              <a:t>    	@</a:t>
             </a:r>
             <a:r>
               <a:rPr lang="en-US" dirty="0" err="1" smtClean="0"/>
@@ -5750,11 +5804,7 @@
             </a:pPr>
             <a:r>
               <a:rPr lang="en-US" dirty="0" smtClean="0"/>
-              <a:t>    </a:t>
-            </a:r>
-            <a:r>
-              <a:rPr lang="en-US" dirty="0" smtClean="0"/>
-              <a:t>	@</a:t>
+              <a:t>    	@</a:t>
             </a:r>
             <a:r>
               <a:rPr lang="en-US" dirty="0" err="1" smtClean="0"/>
@@ -5771,15 +5821,7 @@
             </a:pPr>
             <a:r>
               <a:rPr lang="en-US" dirty="0" smtClean="0"/>
-              <a:t>    </a:t>
-            </a:r>
-            <a:r>
-              <a:rPr lang="en-US" dirty="0" smtClean="0"/>
-              <a:t>	assert </a:t>
-            </a:r>
-            <a:r>
-              <a:rPr lang="en-US" dirty="0" smtClean="0"/>
-              <a:t>!@</a:t>
+              <a:t>    	assert !@</a:t>
             </a:r>
             <a:r>
               <a:rPr lang="en-US" dirty="0" err="1" smtClean="0"/>
@@ -5796,11 +5838,7 @@
             </a:pPr>
             <a:r>
               <a:rPr lang="en-US" dirty="0" smtClean="0"/>
-              <a:t>  </a:t>
-            </a:r>
-            <a:r>
-              <a:rPr lang="en-US" dirty="0" smtClean="0"/>
-              <a:t>end</a:t>
+              <a:t>  end</a:t>
             </a:r>
           </a:p>
           <a:p>
@@ -5991,24 +6029,14 @@
           <a:p>
             <a:r>
               <a:rPr lang="en-US" dirty="0" smtClean="0"/>
-              <a:t>Iteration 1: </a:t>
-            </a:r>
-            <a:r>
-              <a:rPr lang="en-US" dirty="0" smtClean="0"/>
-              <a:t>Inception</a:t>
-            </a:r>
-            <a:endParaRPr lang="en-US" dirty="0" smtClean="0"/>
-          </a:p>
-          <a:p>
-            <a:r>
-              <a:rPr lang="en-US" dirty="0" smtClean="0"/>
-              <a:t>Iteration 2: SPIKE </a:t>
-            </a:r>
-            <a:r>
-              <a:rPr lang="en-US" dirty="0" smtClean="0"/>
-              <a:t>project</a:t>
-            </a:r>
-            <a:endParaRPr lang="en-US" dirty="0" smtClean="0"/>
+              <a:t>Iteration 1: Inception</a:t>
+            </a:r>
+          </a:p>
+          <a:p>
+            <a:r>
+              <a:rPr lang="en-US" dirty="0" smtClean="0"/>
+              <a:t>Iteration 2: SPIKE project</a:t>
+            </a:r>
           </a:p>
           <a:p>
             <a:r>
@@ -6033,11 +6061,7 @@
             </a:r>
             <a:r>
               <a:rPr lang="en-US" dirty="0" smtClean="0"/>
-              <a:t> </a:t>
-            </a:r>
-            <a:r>
-              <a:rPr lang="en-US" dirty="0" smtClean="0"/>
-              <a:t>Release</a:t>
+              <a:t> Release</a:t>
             </a:r>
           </a:p>
           <a:p>
@@ -7920,11 +7944,7 @@
           <a:p>
             <a:r>
               <a:rPr lang="en-US" dirty="0" smtClean="0"/>
-              <a:t>Time spent: (1 unit = 15 minutes</a:t>
-            </a:r>
-            <a:r>
-              <a:rPr lang="en-US" dirty="0" smtClean="0"/>
-              <a:t>)</a:t>
+              <a:t>Time spent: (1 unit = 15 minutes)</a:t>
             </a:r>
           </a:p>
           <a:p>
@@ -7932,7 +7952,6 @@
               <a:rPr lang="en-US" dirty="0" smtClean="0"/>
               <a:t>Total time: </a:t>
             </a:r>
-            <a:endParaRPr lang="en-US" dirty="0" smtClean="0"/>
           </a:p>
           <a:p>
             <a:endParaRPr lang="en-US" dirty="0"/>
@@ -7940,24 +7959,15 @@
           <a:p>
             <a:r>
               <a:rPr lang="en-US" dirty="0" smtClean="0"/>
-              <a:t>Coding</a:t>
-            </a:r>
-            <a:r>
-              <a:rPr lang="en-US" dirty="0" smtClean="0"/>
-              <a:t>:</a:t>
+              <a:t>Coding:</a:t>
             </a:r>
           </a:p>
           <a:p>
             <a:pPr lvl="1"/>
             <a:r>
               <a:rPr lang="en-US" dirty="0" smtClean="0"/>
-              <a:t>Models: </a:t>
-            </a:r>
-            <a:r>
-              <a:rPr lang="en-US" dirty="0" smtClean="0"/>
-              <a:t>4</a:t>
-            </a:r>
-            <a:endParaRPr lang="en-US" dirty="0" smtClean="0"/>
+              <a:t>Models: 4</a:t>
+            </a:r>
           </a:p>
           <a:p>
             <a:pPr lvl="1"/>
@@ -7965,28 +7975,19 @@
               <a:rPr lang="en-US" dirty="0" smtClean="0"/>
               <a:t>Views:  26</a:t>
             </a:r>
-            <a:endParaRPr lang="en-US" dirty="0" smtClean="0"/>
           </a:p>
           <a:p>
             <a:pPr lvl="1"/>
             <a:r>
               <a:rPr lang="en-US" dirty="0" smtClean="0"/>
-              <a:t>Controllers: </a:t>
-            </a:r>
-            <a:r>
-              <a:rPr lang="en-US" dirty="0" smtClean="0"/>
-              <a:t>6</a:t>
+              <a:t>Controllers: 6</a:t>
             </a:r>
             <a:endParaRPr lang="en-US" dirty="0"/>
           </a:p>
           <a:p>
             <a:r>
               <a:rPr lang="en-US" dirty="0" smtClean="0"/>
-              <a:t>Tests</a:t>
-            </a:r>
-            <a:r>
-              <a:rPr lang="en-US" dirty="0" smtClean="0"/>
-              <a:t>:</a:t>
+              <a:t>Tests:</a:t>
             </a:r>
           </a:p>
           <a:p>
@@ -8009,7 +8010,6 @@
               <a:rPr lang="en-US" dirty="0" smtClean="0"/>
               <a:t>Assertions: 29</a:t>
             </a:r>
-            <a:endParaRPr lang="en-US" dirty="0" smtClean="0"/>
           </a:p>
           <a:p>
             <a:endParaRPr lang="en-US" dirty="0"/>
@@ -8244,11 +8244,7 @@
           <a:p>
             <a:r>
               <a:rPr lang="en-US" dirty="0" smtClean="0"/>
-              <a:t>Technological difficulties: trouble communicating with </a:t>
-            </a:r>
-            <a:r>
-              <a:rPr lang="en-US" dirty="0" smtClean="0"/>
-              <a:t>telescope through Java programs</a:t>
+              <a:t>Technological difficulties: trouble communicating with telescope through Java programs</a:t>
             </a:r>
             <a:endParaRPr lang="en-CA" dirty="0"/>
           </a:p>
@@ -8739,13 +8735,8 @@
           <a:p>
             <a:r>
               <a:rPr lang="en-US" dirty="0" smtClean="0"/>
-              <a:t>Astronomy is a hobby of theirs, so they own and operate several </a:t>
-            </a:r>
-            <a:r>
-              <a:rPr lang="en-US" dirty="0" smtClean="0"/>
-              <a:t>telescopes.</a:t>
-            </a:r>
-            <a:endParaRPr lang="en-US" dirty="0" smtClean="0"/>
+              <a:t>Astronomy is a hobby of theirs, so they own and operate several telescopes.</a:t>
+            </a:r>
           </a:p>
           <a:p>
             <a:endParaRPr lang="en-US" dirty="0"/>
@@ -8753,7 +8744,7 @@
           <a:p>
             <a:r>
               <a:rPr lang="en-US" dirty="0" smtClean="0"/>
-              <a:t>As of now, Sasha and Nan (our customers), use an almost completely manual process for achieving their goals of finding new celestial objects. </a:t>
+              <a:t>As of now, Sasha and Nan (our customers), use a manual process for achieving their goals of positioning the telescope and finding new celestial objects. </a:t>
             </a:r>
             <a:endParaRPr lang="en-CA" dirty="0"/>
           </a:p>
@@ -8926,7 +8917,7 @@
           <a:p>
             <a:r>
               <a:rPr lang="en-US" dirty="0" smtClean="0"/>
-              <a:t>Design Improvement</a:t>
+              <a:t>Design improvement</a:t>
             </a:r>
           </a:p>
           <a:p>
@@ -9178,11 +9169,7 @@
             </a:r>
             <a:r>
               <a:rPr lang="en-US" dirty="0" smtClean="0"/>
-              <a:t>, </a:t>
-            </a:r>
-            <a:r>
-              <a:rPr lang="en-US" dirty="0" smtClean="0"/>
-              <a:t>Rational Rose, </a:t>
+              <a:t>, Rational Rose, </a:t>
             </a:r>
             <a:r>
               <a:rPr lang="en-US" dirty="0" err="1" smtClean="0"/>
@@ -9323,7 +9310,6 @@
               <a:rPr lang="en-US" dirty="0" smtClean="0"/>
               <a:t>Language: Ruby</a:t>
             </a:r>
-            <a:endParaRPr lang="en-US" dirty="0" smtClean="0"/>
           </a:p>
           <a:p>
             <a:r>

--- a/Stargazer.pptx
+++ b/Stargazer.pptx
@@ -5,7 +5,7 @@
     <p:sldMasterId id="2147483684" r:id="rId1"/>
   </p:sldMasterIdLst>
   <p:notesMasterIdLst>
-    <p:notesMasterId r:id="rId27"/>
+    <p:notesMasterId r:id="rId29"/>
   </p:notesMasterIdLst>
   <p:sldIdLst>
     <p:sldId id="256" r:id="rId2"/>
@@ -13,26 +13,28 @@
     <p:sldId id="260" r:id="rId4"/>
     <p:sldId id="282" r:id="rId5"/>
     <p:sldId id="259" r:id="rId6"/>
-    <p:sldId id="258" r:id="rId7"/>
-    <p:sldId id="262" r:id="rId8"/>
-    <p:sldId id="284" r:id="rId9"/>
-    <p:sldId id="286" r:id="rId10"/>
-    <p:sldId id="285" r:id="rId11"/>
-    <p:sldId id="279" r:id="rId12"/>
-    <p:sldId id="261" r:id="rId13"/>
-    <p:sldId id="265" r:id="rId14"/>
-    <p:sldId id="288" r:id="rId15"/>
-    <p:sldId id="266" r:id="rId16"/>
-    <p:sldId id="268" r:id="rId17"/>
-    <p:sldId id="269" r:id="rId18"/>
-    <p:sldId id="270" r:id="rId19"/>
-    <p:sldId id="280" r:id="rId20"/>
-    <p:sldId id="281" r:id="rId21"/>
-    <p:sldId id="272" r:id="rId22"/>
-    <p:sldId id="283" r:id="rId23"/>
-    <p:sldId id="278" r:id="rId24"/>
-    <p:sldId id="273" r:id="rId25"/>
-    <p:sldId id="276" r:id="rId26"/>
+    <p:sldId id="291" r:id="rId7"/>
+    <p:sldId id="292" r:id="rId8"/>
+    <p:sldId id="289" r:id="rId9"/>
+    <p:sldId id="293" r:id="rId10"/>
+    <p:sldId id="294" r:id="rId11"/>
+    <p:sldId id="286" r:id="rId12"/>
+    <p:sldId id="285" r:id="rId13"/>
+    <p:sldId id="279" r:id="rId14"/>
+    <p:sldId id="261" r:id="rId15"/>
+    <p:sldId id="265" r:id="rId16"/>
+    <p:sldId id="288" r:id="rId17"/>
+    <p:sldId id="295" r:id="rId18"/>
+    <p:sldId id="266" r:id="rId19"/>
+    <p:sldId id="268" r:id="rId20"/>
+    <p:sldId id="269" r:id="rId21"/>
+    <p:sldId id="280" r:id="rId22"/>
+    <p:sldId id="281" r:id="rId23"/>
+    <p:sldId id="272" r:id="rId24"/>
+    <p:sldId id="283" r:id="rId25"/>
+    <p:sldId id="278" r:id="rId26"/>
+    <p:sldId id="273" r:id="rId27"/>
+    <p:sldId id="276" r:id="rId28"/>
   </p:sldIdLst>
   <p:sldSz cx="9144000" cy="6858000" type="screen4x3"/>
   <p:notesSz cx="6858000" cy="9144000"/>
@@ -217,7 +219,7 @@
             <a:fld id="{2AAFEF68-1DE9-47A7-9FE3-8BA9D24E7EE3}" type="datetimeFigureOut">
               <a:rPr lang="en-US" smtClean="0"/>
               <a:pPr/>
-              <a:t>12/1/2009</a:t>
+              <a:t>12/2/2009</a:t>
             </a:fld>
             <a:endParaRPr lang="en-CA"/>
           </a:p>
@@ -665,6 +667,350 @@
 </p:notes>
 </file>
 
+<file path=ppt/notesSlides/notesSlide10.xml><?xml version="1.0" encoding="utf-8"?>
+<p:notes xmlns:a="http://schemas.openxmlformats.org/drawingml/2006/main" xmlns:r="http://schemas.openxmlformats.org/officeDocument/2006/relationships" xmlns:p="http://schemas.openxmlformats.org/presentationml/2006/main">
+  <p:cSld>
+    <p:spTree>
+      <p:nvGrpSpPr>
+        <p:cNvPr id="1" name=""/>
+        <p:cNvGrpSpPr/>
+        <p:nvPr/>
+      </p:nvGrpSpPr>
+      <p:grpSpPr>
+        <a:xfrm>
+          <a:off x="0" y="0"/>
+          <a:ext cx="0" cy="0"/>
+          <a:chOff x="0" y="0"/>
+          <a:chExt cx="0" cy="0"/>
+        </a:xfrm>
+      </p:grpSpPr>
+      <p:sp>
+        <p:nvSpPr>
+          <p:cNvPr id="2" name="Slide Image Placeholder 1"/>
+          <p:cNvSpPr>
+            <a:spLocks noGrp="1" noRot="1" noChangeAspect="1"/>
+          </p:cNvSpPr>
+          <p:nvPr>
+            <p:ph type="sldImg"/>
+          </p:nvPr>
+        </p:nvSpPr>
+        <p:spPr/>
+      </p:sp>
+      <p:sp>
+        <p:nvSpPr>
+          <p:cNvPr id="3" name="Notes Placeholder 2"/>
+          <p:cNvSpPr>
+            <a:spLocks noGrp="1"/>
+          </p:cNvSpPr>
+          <p:nvPr>
+            <p:ph type="body" idx="1"/>
+          </p:nvPr>
+        </p:nvSpPr>
+        <p:spPr/>
+        <p:txBody>
+          <a:bodyPr>
+            <a:normAutofit/>
+          </a:bodyPr>
+          <a:lstStyle/>
+          <a:p>
+            <a:r>
+              <a:rPr lang="en-US" dirty="0" smtClean="0"/>
+              <a:t>To </a:t>
+            </a:r>
+            <a:r>
+              <a:rPr lang="en-US" smtClean="0"/>
+              <a:t>be added</a:t>
+            </a:r>
+            <a:endParaRPr lang="en-US" dirty="0"/>
+          </a:p>
+        </p:txBody>
+      </p:sp>
+      <p:sp>
+        <p:nvSpPr>
+          <p:cNvPr id="4" name="Slide Number Placeholder 3"/>
+          <p:cNvSpPr>
+            <a:spLocks noGrp="1"/>
+          </p:cNvSpPr>
+          <p:nvPr>
+            <p:ph type="sldNum" sz="quarter" idx="10"/>
+          </p:nvPr>
+        </p:nvSpPr>
+        <p:spPr/>
+        <p:txBody>
+          <a:bodyPr/>
+          <a:lstStyle/>
+          <a:p>
+            <a:fld id="{64EF572D-EF5B-479C-89C5-F647D7191839}" type="slidenum">
+              <a:rPr lang="en-CA" smtClean="0"/>
+              <a:pPr/>
+              <a:t>17</a:t>
+            </a:fld>
+            <a:endParaRPr lang="en-CA"/>
+          </a:p>
+        </p:txBody>
+      </p:sp>
+    </p:spTree>
+  </p:cSld>
+  <p:clrMapOvr>
+    <a:masterClrMapping/>
+  </p:clrMapOvr>
+</p:notes>
+</file>
+
+<file path=ppt/notesSlides/notesSlide11.xml><?xml version="1.0" encoding="utf-8"?>
+<p:notes xmlns:a="http://schemas.openxmlformats.org/drawingml/2006/main" xmlns:r="http://schemas.openxmlformats.org/officeDocument/2006/relationships" xmlns:p="http://schemas.openxmlformats.org/presentationml/2006/main">
+  <p:cSld>
+    <p:spTree>
+      <p:nvGrpSpPr>
+        <p:cNvPr id="1" name=""/>
+        <p:cNvGrpSpPr/>
+        <p:nvPr/>
+      </p:nvGrpSpPr>
+      <p:grpSpPr>
+        <a:xfrm>
+          <a:off x="0" y="0"/>
+          <a:ext cx="0" cy="0"/>
+          <a:chOff x="0" y="0"/>
+          <a:chExt cx="0" cy="0"/>
+        </a:xfrm>
+      </p:grpSpPr>
+      <p:sp>
+        <p:nvSpPr>
+          <p:cNvPr id="2" name="Slide Image Placeholder 1"/>
+          <p:cNvSpPr>
+            <a:spLocks noGrp="1" noRot="1" noChangeAspect="1"/>
+          </p:cNvSpPr>
+          <p:nvPr>
+            <p:ph type="sldImg"/>
+          </p:nvPr>
+        </p:nvSpPr>
+        <p:spPr/>
+      </p:sp>
+      <p:sp>
+        <p:nvSpPr>
+          <p:cNvPr id="3" name="Notes Placeholder 2"/>
+          <p:cNvSpPr>
+            <a:spLocks noGrp="1"/>
+          </p:cNvSpPr>
+          <p:nvPr>
+            <p:ph type="body" idx="1"/>
+          </p:nvPr>
+        </p:nvSpPr>
+        <p:spPr/>
+        <p:txBody>
+          <a:bodyPr>
+            <a:normAutofit/>
+          </a:bodyPr>
+          <a:lstStyle/>
+          <a:p>
+            <a:r>
+              <a:rPr lang="en-US" sz="1200" kern="1200" dirty="0" smtClean="0">
+                <a:solidFill>
+                  <a:schemeClr val="tx1"/>
+                </a:solidFill>
+                <a:latin typeface="+mn-lt"/>
+                <a:ea typeface="+mn-ea"/>
+                <a:cs typeface="+mn-cs"/>
+              </a:rPr>
+              <a:t>Probabilities can be: low, moderate, high.</a:t>
+            </a:r>
+          </a:p>
+          <a:p>
+            <a:r>
+              <a:rPr lang="en-US" sz="1200" kern="1200" smtClean="0">
+                <a:solidFill>
+                  <a:schemeClr val="tx1"/>
+                </a:solidFill>
+                <a:latin typeface="+mn-lt"/>
+                <a:ea typeface="+mn-ea"/>
+                <a:cs typeface="+mn-cs"/>
+              </a:rPr>
+              <a:t>Effects can be: tolerable, serious and catastrophic</a:t>
+            </a:r>
+            <a:endParaRPr lang="en-US"/>
+          </a:p>
+        </p:txBody>
+      </p:sp>
+      <p:sp>
+        <p:nvSpPr>
+          <p:cNvPr id="4" name="Slide Number Placeholder 3"/>
+          <p:cNvSpPr>
+            <a:spLocks noGrp="1"/>
+          </p:cNvSpPr>
+          <p:nvPr>
+            <p:ph type="sldNum" sz="quarter" idx="10"/>
+          </p:nvPr>
+        </p:nvSpPr>
+        <p:spPr/>
+        <p:txBody>
+          <a:bodyPr/>
+          <a:lstStyle/>
+          <a:p>
+            <a:fld id="{64EF572D-EF5B-479C-89C5-F647D7191839}" type="slidenum">
+              <a:rPr lang="en-CA" smtClean="0"/>
+              <a:pPr/>
+              <a:t>22</a:t>
+            </a:fld>
+            <a:endParaRPr lang="en-CA"/>
+          </a:p>
+        </p:txBody>
+      </p:sp>
+    </p:spTree>
+  </p:cSld>
+  <p:clrMapOvr>
+    <a:masterClrMapping/>
+  </p:clrMapOvr>
+</p:notes>
+</file>
+
+<file path=ppt/notesSlides/notesSlide12.xml><?xml version="1.0" encoding="utf-8"?>
+<p:notes xmlns:a="http://schemas.openxmlformats.org/drawingml/2006/main" xmlns:r="http://schemas.openxmlformats.org/officeDocument/2006/relationships" xmlns:p="http://schemas.openxmlformats.org/presentationml/2006/main">
+  <p:cSld>
+    <p:spTree>
+      <p:nvGrpSpPr>
+        <p:cNvPr id="1" name=""/>
+        <p:cNvGrpSpPr/>
+        <p:nvPr/>
+      </p:nvGrpSpPr>
+      <p:grpSpPr>
+        <a:xfrm>
+          <a:off x="0" y="0"/>
+          <a:ext cx="0" cy="0"/>
+          <a:chOff x="0" y="0"/>
+          <a:chExt cx="0" cy="0"/>
+        </a:xfrm>
+      </p:grpSpPr>
+      <p:sp>
+        <p:nvSpPr>
+          <p:cNvPr id="2" name="Slide Image Placeholder 1"/>
+          <p:cNvSpPr>
+            <a:spLocks noGrp="1" noRot="1" noChangeAspect="1"/>
+          </p:cNvSpPr>
+          <p:nvPr>
+            <p:ph type="sldImg"/>
+          </p:nvPr>
+        </p:nvSpPr>
+        <p:spPr/>
+      </p:sp>
+      <p:sp>
+        <p:nvSpPr>
+          <p:cNvPr id="3" name="Notes Placeholder 2"/>
+          <p:cNvSpPr>
+            <a:spLocks noGrp="1"/>
+          </p:cNvSpPr>
+          <p:nvPr>
+            <p:ph type="body" idx="1"/>
+          </p:nvPr>
+        </p:nvSpPr>
+        <p:spPr/>
+        <p:txBody>
+          <a:bodyPr>
+            <a:normAutofit/>
+          </a:bodyPr>
+          <a:lstStyle/>
+          <a:p>
+            <a:r>
+              <a:rPr lang="en-US" dirty="0" smtClean="0"/>
+              <a:t>Web App:</a:t>
+            </a:r>
+          </a:p>
+          <a:p>
+            <a:r>
+              <a:rPr lang="en-US" dirty="0" smtClean="0"/>
+              <a:t>Show using different browsers</a:t>
+            </a:r>
+          </a:p>
+          <a:p>
+            <a:r>
+              <a:rPr lang="en-US" dirty="0" smtClean="0"/>
+              <a:t>Show using PC and handheld devices</a:t>
+            </a:r>
+          </a:p>
+          <a:p>
+            <a:endParaRPr lang="en-US" dirty="0" smtClean="0"/>
+          </a:p>
+          <a:p>
+            <a:r>
+              <a:rPr lang="en-US" dirty="0" smtClean="0"/>
+              <a:t>Also DEMO:</a:t>
+            </a:r>
+          </a:p>
+          <a:p>
+            <a:pPr>
+              <a:buFont typeface="Arial" charset="0"/>
+              <a:buChar char="•"/>
+            </a:pPr>
+            <a:r>
+              <a:rPr lang="en-US" baseline="0" dirty="0" smtClean="0"/>
+              <a:t>Meade </a:t>
+            </a:r>
+            <a:r>
+              <a:rPr lang="en-US" baseline="0" dirty="0" err="1" smtClean="0"/>
+              <a:t>Autostars</a:t>
+            </a:r>
+            <a:r>
+              <a:rPr lang="en-US" baseline="0" dirty="0" smtClean="0"/>
+              <a:t> program</a:t>
+            </a:r>
+          </a:p>
+          <a:p>
+            <a:pPr>
+              <a:buFont typeface="Arial" charset="0"/>
+              <a:buChar char="•"/>
+            </a:pPr>
+            <a:r>
+              <a:rPr lang="en-US" baseline="0" dirty="0" smtClean="0"/>
+              <a:t>Winstars2</a:t>
+            </a:r>
+          </a:p>
+          <a:p>
+            <a:pPr>
+              <a:buFont typeface="Arial" charset="0"/>
+              <a:buChar char="•"/>
+            </a:pPr>
+            <a:r>
+              <a:rPr lang="en-US" baseline="0" dirty="0" smtClean="0"/>
+              <a:t>Hardware (telescope)</a:t>
+            </a:r>
+            <a:endParaRPr lang="en-CA" dirty="0" smtClean="0"/>
+          </a:p>
+          <a:p>
+            <a:endParaRPr lang="en-US" dirty="0"/>
+          </a:p>
+        </p:txBody>
+      </p:sp>
+      <p:sp>
+        <p:nvSpPr>
+          <p:cNvPr id="4" name="Slide Number Placeholder 3"/>
+          <p:cNvSpPr>
+            <a:spLocks noGrp="1"/>
+          </p:cNvSpPr>
+          <p:nvPr>
+            <p:ph type="sldNum" sz="quarter" idx="10"/>
+          </p:nvPr>
+        </p:nvSpPr>
+        <p:spPr/>
+        <p:txBody>
+          <a:bodyPr/>
+          <a:lstStyle/>
+          <a:p>
+            <a:fld id="{64EF572D-EF5B-479C-89C5-F647D7191839}" type="slidenum">
+              <a:rPr lang="en-CA" smtClean="0"/>
+              <a:pPr/>
+              <a:t>26</a:t>
+            </a:fld>
+            <a:endParaRPr lang="en-CA"/>
+          </a:p>
+        </p:txBody>
+      </p:sp>
+    </p:spTree>
+  </p:cSld>
+  <p:clrMapOvr>
+    <a:masterClrMapping/>
+  </p:clrMapOvr>
+</p:notes>
+</file>
+
 <file path=ppt/notesSlides/notesSlide2.xml><?xml version="1.0" encoding="utf-8"?>
 <p:notes xmlns:a="http://schemas.openxmlformats.org/drawingml/2006/main" xmlns:r="http://schemas.openxmlformats.org/officeDocument/2006/relationships" xmlns:p="http://schemas.openxmlformats.org/presentationml/2006/main">
   <p:cSld>
@@ -711,7 +1057,19 @@
           </a:bodyPr>
           <a:lstStyle/>
           <a:p>
-            <a:endParaRPr lang="en-CA" dirty="0"/>
+            <a:r>
+              <a:rPr lang="en-US" dirty="0" smtClean="0"/>
+              <a:t>Show </a:t>
+            </a:r>
+            <a:r>
+              <a:rPr lang="en-US" dirty="0" err="1" smtClean="0"/>
+              <a:t>youtube</a:t>
+            </a:r>
+            <a:r>
+              <a:rPr lang="en-US" baseline="0" dirty="0" smtClean="0"/>
+              <a:t> video</a:t>
+            </a:r>
+            <a:endParaRPr lang="en-US" dirty="0"/>
           </a:p>
         </p:txBody>
       </p:sp>
@@ -733,7 +1091,7 @@
             <a:fld id="{64EF572D-EF5B-479C-89C5-F647D7191839}" type="slidenum">
               <a:rPr lang="en-CA" smtClean="0"/>
               <a:pPr/>
-              <a:t>6</a:t>
+              <a:t>5</a:t>
             </a:fld>
             <a:endParaRPr lang="en-CA"/>
           </a:p>
@@ -823,7 +1181,7 @@
             <a:fld id="{64EF572D-EF5B-479C-89C5-F647D7191839}" type="slidenum">
               <a:rPr lang="en-CA" smtClean="0"/>
               <a:pPr/>
-              <a:t>7</a:t>
+              <a:t>6</a:t>
             </a:fld>
             <a:endParaRPr lang="en-CA"/>
           </a:p>
@@ -879,109 +1237,34 @@
         <p:spPr/>
         <p:txBody>
           <a:bodyPr>
-            <a:normAutofit fontScale="92500" lnSpcReduction="20000"/>
+            <a:normAutofit/>
           </a:bodyPr>
           <a:lstStyle/>
           <a:p>
             <a:r>
               <a:rPr lang="en-US" dirty="0" smtClean="0"/>
-              <a:t>http://guides.rubyonrails.org/getting_started.html</a:t>
-            </a:r>
-          </a:p>
-          <a:p>
-            <a:endParaRPr lang="en-US" dirty="0" smtClean="0"/>
-          </a:p>
-          <a:p>
-            <a:r>
-              <a:rPr lang="en-US" dirty="0" smtClean="0"/>
-              <a:t>The Rails philosophy includes several guiding principles:</a:t>
-            </a:r>
-          </a:p>
-          <a:p>
-            <a:r>
-              <a:rPr lang="en-US" dirty="0" smtClean="0"/>
-              <a:t>DRY – “Don’t Repeat Yourself” – suggests that writing the same code over and over again is a bad thing.</a:t>
-            </a:r>
-          </a:p>
-          <a:p>
-            <a:r>
-              <a:rPr lang="en-US" dirty="0" smtClean="0"/>
-              <a:t>Convention Over Configuration – means that Rails makes assumptions about what you want to do and how you’re going to do it, rather than letting you tweak every little thing through endless configuration files.</a:t>
-            </a:r>
-          </a:p>
-          <a:p>
-            <a:r>
-              <a:rPr lang="en-US" dirty="0" smtClean="0"/>
-              <a:t>REST is the best pattern for web applications – organizing your application around resources and standard HTTP verbs is the fastest way to go.</a:t>
-            </a:r>
-          </a:p>
-          <a:p>
-            <a:endParaRPr lang="en-US" dirty="0" smtClean="0"/>
-          </a:p>
-          <a:p>
-            <a:r>
-              <a:rPr lang="en-US" dirty="0" smtClean="0"/>
-              <a:t>Rails is organized around the Model, View, Controller architecture, usually just called MVC. MVC benefits include:</a:t>
-            </a:r>
-          </a:p>
-          <a:p>
-            <a:r>
-              <a:rPr lang="en-US" dirty="0" smtClean="0"/>
-              <a:t>Isolation of business logic from the user interface</a:t>
-            </a:r>
-          </a:p>
-          <a:p>
-            <a:r>
-              <a:rPr lang="en-US" dirty="0" smtClean="0"/>
-              <a:t>Ease of keeping code DRY</a:t>
-            </a:r>
-          </a:p>
-          <a:p>
-            <a:r>
-              <a:rPr lang="en-US" dirty="0" smtClean="0"/>
-              <a:t>Making it clear where different types of code belong for easier maintenance</a:t>
-            </a:r>
-          </a:p>
-          <a:p>
-            <a:endParaRPr lang="en-US" dirty="0" smtClean="0"/>
-          </a:p>
-          <a:p>
-            <a:r>
-              <a:rPr lang="en-US" b="1" dirty="0" smtClean="0"/>
-              <a:t>2.1.1 Models</a:t>
-            </a:r>
-          </a:p>
-          <a:p>
-            <a:r>
-              <a:rPr lang="en-US" dirty="0" smtClean="0"/>
-              <a:t>A model represents the information (data) of the application and the rules to manipulate that data. In the case of Rails, models are primarily used for managing the rules of interaction with a corresponding database table. In most cases, one table in your database will correspond to one model in your application. The bulk of your application’s business logic will be concentrated in the models.</a:t>
-            </a:r>
-          </a:p>
-          <a:p>
-            <a:r>
-              <a:rPr lang="en-US" b="1" dirty="0" smtClean="0"/>
-              <a:t>2.1.2 Views</a:t>
-            </a:r>
-          </a:p>
-          <a:p>
-            <a:r>
-              <a:rPr lang="en-US" dirty="0" smtClean="0"/>
-              <a:t>Views represent the user interface of your application. In Rails, views are often HTML files with embedded Ruby code that performs tasks related solely to the presentation of the data. Views handle the job of providing data to the web browser or other tool that is used to make requests from your application.</a:t>
-            </a:r>
-          </a:p>
-          <a:p>
-            <a:r>
-              <a:rPr lang="en-US" b="1" dirty="0" smtClean="0"/>
-              <a:t>2.1.3 Controllers</a:t>
-            </a:r>
-          </a:p>
-          <a:p>
-            <a:r>
-              <a:rPr lang="en-US" dirty="0" smtClean="0"/>
-              <a:t>Controllers provide the “glue” between models and views. In Rails, controllers are responsible for processing the incoming requests from the web browser, interrogating the models for data, and passing that data on to the views for presentation.</a:t>
-            </a:r>
-          </a:p>
-          <a:p>
+              <a:t>Show </a:t>
+            </a:r>
+            <a:r>
+              <a:rPr lang="en-US" dirty="0" err="1" smtClean="0"/>
+              <a:t>meade</a:t>
+            </a:r>
+            <a:r>
+              <a:rPr lang="en-US" dirty="0" smtClean="0"/>
+              <a:t> </a:t>
+            </a:r>
+            <a:r>
+              <a:rPr lang="en-US" dirty="0" err="1" smtClean="0"/>
+              <a:t>autostars</a:t>
+            </a:r>
+            <a:r>
+              <a:rPr lang="en-US" dirty="0" smtClean="0"/>
+              <a:t> program and winstar2</a:t>
+            </a:r>
+            <a:r>
+              <a:rPr lang="en-US" baseline="0" dirty="0" smtClean="0"/>
+              <a:t> program</a:t>
+            </a:r>
             <a:endParaRPr lang="en-US" dirty="0"/>
           </a:p>
         </p:txBody>
@@ -1004,7 +1287,7 @@
             <a:fld id="{64EF572D-EF5B-479C-89C5-F647D7191839}" type="slidenum">
               <a:rPr lang="en-CA" smtClean="0"/>
               <a:pPr/>
-              <a:t>10</a:t>
+              <a:t>8</a:t>
             </a:fld>
             <a:endParaRPr lang="en-CA"/>
           </a:p>
@@ -1064,36 +1347,6 @@
           </a:bodyPr>
           <a:lstStyle/>
           <a:p>
-            <a:r>
-              <a:rPr lang="en-US" dirty="0" smtClean="0"/>
-              <a:t>Note: </a:t>
-            </a:r>
-          </a:p>
-          <a:p>
-            <a:pPr>
-              <a:buFontTx/>
-              <a:buChar char="-"/>
-            </a:pPr>
-            <a:r>
-              <a:rPr lang="en-US" dirty="0" smtClean="0"/>
-              <a:t> users may also</a:t>
-            </a:r>
-            <a:r>
-              <a:rPr lang="en-US" baseline="0" dirty="0" smtClean="0"/>
-              <a:t> connect to the web application via HTTPS</a:t>
-            </a:r>
-          </a:p>
-          <a:p>
-            <a:pPr>
-              <a:buFontTx/>
-              <a:buChar char="-"/>
-            </a:pPr>
-            <a:r>
-              <a:rPr lang="en-US" baseline="0" dirty="0" smtClean="0"/>
-              <a:t> application which controls the telescope and camera may be written in C#</a:t>
-            </a:r>
-          </a:p>
-          <a:p>
             <a:endParaRPr lang="en-CA" dirty="0"/>
           </a:p>
         </p:txBody>
@@ -1116,7 +1369,7 @@
             <a:fld id="{64EF572D-EF5B-479C-89C5-F647D7191839}" type="slidenum">
               <a:rPr lang="en-CA" smtClean="0"/>
               <a:pPr/>
-              <a:t>12</a:t>
+              <a:t>9</a:t>
             </a:fld>
             <a:endParaRPr lang="en-CA"/>
           </a:p>
@@ -1176,7 +1429,7 @@
           </a:bodyPr>
           <a:lstStyle/>
           <a:p>
-            <a:endParaRPr lang="en-US" dirty="0"/>
+            <a:endParaRPr lang="en-CA" dirty="0"/>
           </a:p>
         </p:txBody>
       </p:sp>
@@ -1198,7 +1451,7 @@
             <a:fld id="{64EF572D-EF5B-479C-89C5-F647D7191839}" type="slidenum">
               <a:rPr lang="en-CA" smtClean="0"/>
               <a:pPr/>
-              <a:t>14</a:t>
+              <a:t>10</a:t>
             </a:fld>
             <a:endParaRPr lang="en-CA"/>
           </a:p>
@@ -1254,35 +1507,110 @@
         <p:spPr/>
         <p:txBody>
           <a:bodyPr>
-            <a:normAutofit/>
+            <a:normAutofit fontScale="92500" lnSpcReduction="20000"/>
           </a:bodyPr>
           <a:lstStyle/>
           <a:p>
             <a:r>
-              <a:rPr lang="en-US" sz="1200" kern="1200" dirty="0" smtClean="0">
-                <a:solidFill>
-                  <a:schemeClr val="tx1"/>
-                </a:solidFill>
-                <a:latin typeface="+mn-lt"/>
-                <a:ea typeface="+mn-ea"/>
-                <a:cs typeface="+mn-cs"/>
-              </a:rPr>
-              <a:t>Probabilities can be: low, moderate, high.</a:t>
-            </a:r>
-          </a:p>
-          <a:p>
-            <a:r>
-              <a:rPr lang="en-US" sz="1200" kern="1200" smtClean="0">
-                <a:solidFill>
-                  <a:schemeClr val="tx1"/>
-                </a:solidFill>
-                <a:latin typeface="+mn-lt"/>
-                <a:ea typeface="+mn-ea"/>
-                <a:cs typeface="+mn-cs"/>
-              </a:rPr>
-              <a:t>Effects can be: tolerable, serious and catastrophic</a:t>
-            </a:r>
-            <a:endParaRPr lang="en-US"/>
+              <a:rPr lang="en-US" dirty="0" smtClean="0"/>
+              <a:t>http://guides.rubyonrails.org/getting_started.html</a:t>
+            </a:r>
+          </a:p>
+          <a:p>
+            <a:endParaRPr lang="en-US" dirty="0" smtClean="0"/>
+          </a:p>
+          <a:p>
+            <a:r>
+              <a:rPr lang="en-US" dirty="0" smtClean="0"/>
+              <a:t>The Rails philosophy includes several guiding principles:</a:t>
+            </a:r>
+          </a:p>
+          <a:p>
+            <a:r>
+              <a:rPr lang="en-US" dirty="0" smtClean="0"/>
+              <a:t>DRY – “Don’t Repeat Yourself” – suggests that writing the same code over and over again is a bad thing.</a:t>
+            </a:r>
+          </a:p>
+          <a:p>
+            <a:r>
+              <a:rPr lang="en-US" dirty="0" smtClean="0"/>
+              <a:t>Convention Over Configuration – means that Rails makes assumptions about what you want to do and how you’re going to do it, rather than letting you tweak every little thing through endless configuration files.</a:t>
+            </a:r>
+          </a:p>
+          <a:p>
+            <a:r>
+              <a:rPr lang="en-US" dirty="0" smtClean="0"/>
+              <a:t>REST is the best pattern for web applications – organizing your application around resources and standard HTTP verbs is the fastest way to go.</a:t>
+            </a:r>
+          </a:p>
+          <a:p>
+            <a:endParaRPr lang="en-US" dirty="0" smtClean="0"/>
+          </a:p>
+          <a:p>
+            <a:r>
+              <a:rPr lang="en-US" dirty="0" smtClean="0"/>
+              <a:t>Rails is organized around the Model, View, Controller architecture, usually just called MVC. MVC benefits include:</a:t>
+            </a:r>
+          </a:p>
+          <a:p>
+            <a:r>
+              <a:rPr lang="en-US" dirty="0" smtClean="0"/>
+              <a:t>Isolation of business logic from the user interface</a:t>
+            </a:r>
+          </a:p>
+          <a:p>
+            <a:r>
+              <a:rPr lang="en-US" dirty="0" smtClean="0"/>
+              <a:t>Ease of keeping code DRY</a:t>
+            </a:r>
+          </a:p>
+          <a:p>
+            <a:r>
+              <a:rPr lang="en-US" dirty="0" smtClean="0"/>
+              <a:t>Making it clear where different types of code belong for easier maintenance</a:t>
+            </a:r>
+          </a:p>
+          <a:p>
+            <a:endParaRPr lang="en-US" dirty="0" smtClean="0"/>
+          </a:p>
+          <a:p>
+            <a:r>
+              <a:rPr lang="en-US" b="1" dirty="0" smtClean="0"/>
+              <a:t>2.1.1 Models</a:t>
+            </a:r>
+          </a:p>
+          <a:p>
+            <a:r>
+              <a:rPr lang="en-US" dirty="0" smtClean="0"/>
+              <a:t>A model represents the information (data) of the application and the rules to manipulate that data. In the case of Rails, models are primarily used for managing the rules of interaction with a corresponding database table. In most cases, one table in your database will correspond to one model in your application. The bulk of your application’s business logic will be concentrated in the models.</a:t>
+            </a:r>
+          </a:p>
+          <a:p>
+            <a:r>
+              <a:rPr lang="en-US" b="1" dirty="0" smtClean="0"/>
+              <a:t>2.1.2 Views</a:t>
+            </a:r>
+          </a:p>
+          <a:p>
+            <a:r>
+              <a:rPr lang="en-US" dirty="0" smtClean="0"/>
+              <a:t>Views represent the user interface of your application. In Rails, views are often HTML files with embedded Ruby code that performs tasks related solely to the presentation of the data. Views handle the job of providing data to the web browser or other tool that is used to make requests from your application.</a:t>
+            </a:r>
+          </a:p>
+          <a:p>
+            <a:r>
+              <a:rPr lang="en-US" b="1" dirty="0" smtClean="0"/>
+              <a:t>2.1.3 Controllers</a:t>
+            </a:r>
+          </a:p>
+          <a:p>
+            <a:r>
+              <a:rPr lang="en-US" dirty="0" smtClean="0"/>
+              <a:t>Controllers provide the “glue” between models and views. In Rails, controllers are responsible for processing the incoming requests from the web browser, interrogating the models for data, and passing that data on to the views for presentation.</a:t>
+            </a:r>
+          </a:p>
+          <a:p>
+            <a:endParaRPr lang="en-US" dirty="0"/>
           </a:p>
         </p:txBody>
       </p:sp>
@@ -1304,7 +1632,7 @@
             <a:fld id="{64EF572D-EF5B-479C-89C5-F647D7191839}" type="slidenum">
               <a:rPr lang="en-CA" smtClean="0"/>
               <a:pPr/>
-              <a:t>20</a:t>
+              <a:t>12</a:t>
             </a:fld>
             <a:endParaRPr lang="en-CA"/>
           </a:p>
@@ -1366,71 +1694,35 @@
           <a:p>
             <a:r>
               <a:rPr lang="en-US" dirty="0" smtClean="0"/>
-              <a:t>Web App:</a:t>
-            </a:r>
-          </a:p>
-          <a:p>
-            <a:r>
-              <a:rPr lang="en-US" dirty="0" smtClean="0"/>
-              <a:t>Show using different browsers</a:t>
-            </a:r>
-          </a:p>
-          <a:p>
-            <a:r>
-              <a:rPr lang="en-US" dirty="0" smtClean="0"/>
-              <a:t>Show using PC and handheld devices</a:t>
-            </a:r>
-          </a:p>
-          <a:p>
-            <a:endParaRPr lang="en-US" dirty="0" smtClean="0"/>
-          </a:p>
-          <a:p>
-            <a:r>
-              <a:rPr lang="en-US" dirty="0" smtClean="0"/>
-              <a:t>Also DEMO:</a:t>
+              <a:t>Note: </a:t>
             </a:r>
           </a:p>
           <a:p>
             <a:pPr>
-              <a:buFont typeface="Arial" charset="0"/>
-              <a:buChar char="•"/>
+              <a:buFontTx/>
+              <a:buChar char="-"/>
             </a:pPr>
             <a:r>
+              <a:rPr lang="en-US" dirty="0" smtClean="0"/>
+              <a:t> users may also</a:t>
+            </a:r>
+            <a:r>
               <a:rPr lang="en-US" baseline="0" dirty="0" smtClean="0"/>
-              <a:t>Meade </a:t>
-            </a:r>
-            <a:r>
-              <a:rPr lang="en-US" baseline="0" dirty="0" err="1" smtClean="0"/>
-              <a:t>Autostars</a:t>
-            </a:r>
+              <a:t> connect to the web application via HTTPS</a:t>
+            </a:r>
+          </a:p>
+          <a:p>
+            <a:pPr>
+              <a:buFontTx/>
+              <a:buChar char="-"/>
+            </a:pPr>
             <a:r>
               <a:rPr lang="en-US" baseline="0" dirty="0" smtClean="0"/>
-              <a:t> program</a:t>
-            </a:r>
-          </a:p>
-          <a:p>
-            <a:pPr>
-              <a:buFont typeface="Arial" charset="0"/>
-              <a:buChar char="•"/>
-            </a:pPr>
-            <a:r>
-              <a:rPr lang="en-US" baseline="0" dirty="0" smtClean="0"/>
-              <a:t>Winstars2</a:t>
-            </a:r>
-          </a:p>
-          <a:p>
-            <a:pPr>
-              <a:buFont typeface="Arial" charset="0"/>
-              <a:buChar char="•"/>
-            </a:pPr>
-            <a:r>
-              <a:rPr lang="en-US" baseline="0" dirty="0" smtClean="0"/>
-              <a:t>Hardware (telescope)</a:t>
-            </a:r>
-            <a:endParaRPr lang="en-CA" dirty="0" smtClean="0"/>
-          </a:p>
-          <a:p>
-            <a:endParaRPr lang="en-US" dirty="0"/>
+              <a:t> application which controls the telescope and camera may be written in C#</a:t>
+            </a:r>
+          </a:p>
+          <a:p>
+            <a:endParaRPr lang="en-CA" dirty="0"/>
           </a:p>
         </p:txBody>
       </p:sp>
@@ -1452,7 +1744,89 @@
             <a:fld id="{64EF572D-EF5B-479C-89C5-F647D7191839}" type="slidenum">
               <a:rPr lang="en-CA" smtClean="0"/>
               <a:pPr/>
-              <a:t>24</a:t>
+              <a:t>14</a:t>
+            </a:fld>
+            <a:endParaRPr lang="en-CA"/>
+          </a:p>
+        </p:txBody>
+      </p:sp>
+    </p:spTree>
+  </p:cSld>
+  <p:clrMapOvr>
+    <a:masterClrMapping/>
+  </p:clrMapOvr>
+</p:notes>
+</file>
+
+<file path=ppt/notesSlides/notesSlide9.xml><?xml version="1.0" encoding="utf-8"?>
+<p:notes xmlns:a="http://schemas.openxmlformats.org/drawingml/2006/main" xmlns:r="http://schemas.openxmlformats.org/officeDocument/2006/relationships" xmlns:p="http://schemas.openxmlformats.org/presentationml/2006/main">
+  <p:cSld>
+    <p:spTree>
+      <p:nvGrpSpPr>
+        <p:cNvPr id="1" name=""/>
+        <p:cNvGrpSpPr/>
+        <p:nvPr/>
+      </p:nvGrpSpPr>
+      <p:grpSpPr>
+        <a:xfrm>
+          <a:off x="0" y="0"/>
+          <a:ext cx="0" cy="0"/>
+          <a:chOff x="0" y="0"/>
+          <a:chExt cx="0" cy="0"/>
+        </a:xfrm>
+      </p:grpSpPr>
+      <p:sp>
+        <p:nvSpPr>
+          <p:cNvPr id="2" name="Slide Image Placeholder 1"/>
+          <p:cNvSpPr>
+            <a:spLocks noGrp="1" noRot="1" noChangeAspect="1"/>
+          </p:cNvSpPr>
+          <p:nvPr>
+            <p:ph type="sldImg"/>
+          </p:nvPr>
+        </p:nvSpPr>
+        <p:spPr/>
+      </p:sp>
+      <p:sp>
+        <p:nvSpPr>
+          <p:cNvPr id="3" name="Notes Placeholder 2"/>
+          <p:cNvSpPr>
+            <a:spLocks noGrp="1"/>
+          </p:cNvSpPr>
+          <p:nvPr>
+            <p:ph type="body" idx="1"/>
+          </p:nvPr>
+        </p:nvSpPr>
+        <p:spPr/>
+        <p:txBody>
+          <a:bodyPr>
+            <a:normAutofit/>
+          </a:bodyPr>
+          <a:lstStyle/>
+          <a:p>
+            <a:endParaRPr lang="en-US" dirty="0"/>
+          </a:p>
+        </p:txBody>
+      </p:sp>
+      <p:sp>
+        <p:nvSpPr>
+          <p:cNvPr id="4" name="Slide Number Placeholder 3"/>
+          <p:cNvSpPr>
+            <a:spLocks noGrp="1"/>
+          </p:cNvSpPr>
+          <p:nvPr>
+            <p:ph type="sldNum" sz="quarter" idx="10"/>
+          </p:nvPr>
+        </p:nvSpPr>
+        <p:spPr/>
+        <p:txBody>
+          <a:bodyPr/>
+          <a:lstStyle/>
+          <a:p>
+            <a:fld id="{64EF572D-EF5B-479C-89C5-F647D7191839}" type="slidenum">
+              <a:rPr lang="en-CA" smtClean="0"/>
+              <a:pPr/>
+              <a:t>16</a:t>
             </a:fld>
             <a:endParaRPr lang="en-CA"/>
           </a:p>
@@ -1648,7 +2022,7 @@
             <a:fld id="{471E1C79-A119-44DE-84CD-391F73B5F415}" type="datetimeFigureOut">
               <a:rPr lang="en-US" smtClean="0"/>
               <a:pPr/>
-              <a:t>12/1/2009</a:t>
+              <a:t>12/2/2009</a:t>
             </a:fld>
             <a:endParaRPr lang="en-CA"/>
           </a:p>
@@ -1815,7 +2189,7 @@
             <a:fld id="{471E1C79-A119-44DE-84CD-391F73B5F415}" type="datetimeFigureOut">
               <a:rPr lang="en-US" smtClean="0"/>
               <a:pPr/>
-              <a:t>12/1/2009</a:t>
+              <a:t>12/2/2009</a:t>
             </a:fld>
             <a:endParaRPr lang="en-CA"/>
           </a:p>
@@ -1992,7 +2366,7 @@
             <a:fld id="{471E1C79-A119-44DE-84CD-391F73B5F415}" type="datetimeFigureOut">
               <a:rPr lang="en-US" smtClean="0"/>
               <a:pPr/>
-              <a:t>12/1/2009</a:t>
+              <a:t>12/2/2009</a:t>
             </a:fld>
             <a:endParaRPr lang="en-CA"/>
           </a:p>
@@ -2159,7 +2533,7 @@
             <a:fld id="{471E1C79-A119-44DE-84CD-391F73B5F415}" type="datetimeFigureOut">
               <a:rPr lang="en-US" smtClean="0"/>
               <a:pPr/>
-              <a:t>12/1/2009</a:t>
+              <a:t>12/2/2009</a:t>
             </a:fld>
             <a:endParaRPr lang="en-CA"/>
           </a:p>
@@ -2402,7 +2776,7 @@
             <a:fld id="{471E1C79-A119-44DE-84CD-391F73B5F415}" type="datetimeFigureOut">
               <a:rPr lang="en-US" smtClean="0"/>
               <a:pPr/>
-              <a:t>12/1/2009</a:t>
+              <a:t>12/2/2009</a:t>
             </a:fld>
             <a:endParaRPr lang="en-CA"/>
           </a:p>
@@ -2687,7 +3061,7 @@
             <a:fld id="{471E1C79-A119-44DE-84CD-391F73B5F415}" type="datetimeFigureOut">
               <a:rPr lang="en-US" smtClean="0"/>
               <a:pPr/>
-              <a:t>12/1/2009</a:t>
+              <a:t>12/2/2009</a:t>
             </a:fld>
             <a:endParaRPr lang="en-CA"/>
           </a:p>
@@ -3106,7 +3480,7 @@
             <a:fld id="{471E1C79-A119-44DE-84CD-391F73B5F415}" type="datetimeFigureOut">
               <a:rPr lang="en-US" smtClean="0"/>
               <a:pPr/>
-              <a:t>12/1/2009</a:t>
+              <a:t>12/2/2009</a:t>
             </a:fld>
             <a:endParaRPr lang="en-CA"/>
           </a:p>
@@ -3221,7 +3595,7 @@
             <a:fld id="{471E1C79-A119-44DE-84CD-391F73B5F415}" type="datetimeFigureOut">
               <a:rPr lang="en-US" smtClean="0"/>
               <a:pPr/>
-              <a:t>12/1/2009</a:t>
+              <a:t>12/2/2009</a:t>
             </a:fld>
             <a:endParaRPr lang="en-CA"/>
           </a:p>
@@ -3313,7 +3687,7 @@
             <a:fld id="{471E1C79-A119-44DE-84CD-391F73B5F415}" type="datetimeFigureOut">
               <a:rPr lang="en-US" smtClean="0"/>
               <a:pPr/>
-              <a:t>12/1/2009</a:t>
+              <a:t>12/2/2009</a:t>
             </a:fld>
             <a:endParaRPr lang="en-CA"/>
           </a:p>
@@ -3587,7 +3961,7 @@
             <a:fld id="{471E1C79-A119-44DE-84CD-391F73B5F415}" type="datetimeFigureOut">
               <a:rPr lang="en-US" smtClean="0"/>
               <a:pPr/>
-              <a:t>12/1/2009</a:t>
+              <a:t>12/2/2009</a:t>
             </a:fld>
             <a:endParaRPr lang="en-CA"/>
           </a:p>
@@ -3837,7 +4211,7 @@
             <a:fld id="{471E1C79-A119-44DE-84CD-391F73B5F415}" type="datetimeFigureOut">
               <a:rPr lang="en-US" smtClean="0"/>
               <a:pPr/>
-              <a:t>12/1/2009</a:t>
+              <a:t>12/2/2009</a:t>
             </a:fld>
             <a:endParaRPr lang="en-CA"/>
           </a:p>
@@ -4056,7 +4430,7 @@
             <a:fld id="{471E1C79-A119-44DE-84CD-391F73B5F415}" type="datetimeFigureOut">
               <a:rPr lang="en-US" smtClean="0"/>
               <a:pPr/>
-              <a:t>12/1/2009</a:t>
+              <a:t>12/2/2009</a:t>
             </a:fld>
             <a:endParaRPr lang="en-CA"/>
           </a:p>
@@ -4621,14 +4995,32 @@
               <a:schemeClr val="accent1"/>
             </a:solidFill>
           </a:ln>
+          <a:effectLst>
+            <a:glow rad="63500">
+              <a:schemeClr val="accent1">
+                <a:satMod val="175000"/>
+                <a:alpha val="40000"/>
+              </a:schemeClr>
+            </a:glow>
+          </a:effectLst>
         </p:spPr>
         <p:txBody>
-          <a:bodyPr/>
-          <a:lstStyle/>
-          <a:p>
-            <a:r>
-              <a:rPr lang="en-US" dirty="0" smtClean="0"/>
-              <a:t>Ruby on Rails</a:t>
+          <a:bodyPr>
+            <a:normAutofit fontScale="90000"/>
+          </a:bodyPr>
+          <a:lstStyle/>
+          <a:p>
+            <a:r>
+              <a:rPr lang="en-US" dirty="0" err="1" smtClean="0"/>
+              <a:t>Xtreme</a:t>
+            </a:r>
+            <a:r>
+              <a:rPr lang="en-US" dirty="0" smtClean="0"/>
+              <a:t> </a:t>
+            </a:r>
+            <a:r>
+              <a:rPr lang="en-US" dirty="0" smtClean="0"/>
+              <a:t>Programming SPIKE + Demo</a:t>
             </a:r>
             <a:endParaRPr lang="en-CA" dirty="0"/>
           </a:p>
@@ -4645,6 +5037,10 @@
           </p:nvPr>
         </p:nvSpPr>
         <p:spPr>
+          <a:xfrm>
+            <a:off x="457200" y="1600201"/>
+            <a:ext cx="8229600" cy="4472006"/>
+          </a:xfrm>
           <a:solidFill>
             <a:srgbClr val="000000"/>
           </a:solidFill>
@@ -4653,6 +5049,17 @@
               <a:schemeClr val="accent1"/>
             </a:solidFill>
           </a:ln>
+          <a:effectLst>
+            <a:glow rad="63500">
+              <a:schemeClr val="accent1">
+                <a:satMod val="175000"/>
+                <a:alpha val="40000"/>
+              </a:schemeClr>
+            </a:glow>
+            <a:outerShdw blurRad="107950" dist="12700" dir="5400000" algn="ctr">
+              <a:srgbClr val="000000"/>
+            </a:outerShdw>
+          </a:effectLst>
         </p:spPr>
         <p:txBody>
           <a:bodyPr>
@@ -4662,44 +5069,33 @@
           <a:p>
             <a:r>
               <a:rPr lang="en-US" dirty="0" smtClean="0"/>
-              <a:t>Framework for fast generation of web applications.</a:t>
-            </a:r>
-            <a:endParaRPr lang="en-US" dirty="0"/>
-          </a:p>
-          <a:p>
-            <a:r>
-              <a:rPr lang="en-US" dirty="0" smtClean="0"/>
-              <a:t>Comparatively easy to learn.</a:t>
-            </a:r>
-            <a:endParaRPr lang="en-US" dirty="0"/>
-          </a:p>
-          <a:p>
-            <a:r>
-              <a:rPr lang="en-US" dirty="0" smtClean="0"/>
-              <a:t>Enforces software patterns such as Model-View-Controller.</a:t>
-            </a:r>
-            <a:endParaRPr lang="en-US" dirty="0"/>
-          </a:p>
-          <a:p>
-            <a:r>
-              <a:rPr lang="en-US" dirty="0" err="1" smtClean="0"/>
-              <a:t>RESTful</a:t>
-            </a:r>
-            <a:r>
-              <a:rPr lang="en-US" dirty="0" smtClean="0"/>
-              <a:t> architecture.</a:t>
-            </a:r>
-          </a:p>
-          <a:p>
-            <a:r>
-              <a:rPr lang="en-US" dirty="0" smtClean="0"/>
-              <a:t>“DRY” code.</a:t>
-            </a:r>
-          </a:p>
-          <a:p>
-            <a:r>
-              <a:rPr lang="en-US" dirty="0" smtClean="0"/>
-              <a:t>Convention Over Configuration</a:t>
+              <a:t>In order to learn the fundamentals of XP, we had a 6.5 week SPIKE project whos</a:t>
+            </a:r>
+            <a:r>
+              <a:rPr lang="en-US" dirty="0" smtClean="0"/>
+              <a:t>e goal is to emulate a board game called DVONN.</a:t>
+            </a:r>
+          </a:p>
+          <a:p>
+            <a:endParaRPr lang="en-US" dirty="0" smtClean="0"/>
+          </a:p>
+          <a:p>
+            <a:r>
+              <a:rPr lang="en-US" dirty="0" smtClean="0"/>
+              <a:t>Written in Java using the SWING package.</a:t>
+            </a:r>
+          </a:p>
+          <a:p>
+            <a:endParaRPr lang="en-US" dirty="0" smtClean="0"/>
+          </a:p>
+          <a:p>
+            <a:r>
+              <a:rPr lang="en-US" dirty="0" smtClean="0"/>
+              <a:t>For more information on the game, see</a:t>
+            </a:r>
+            <a:r>
+              <a:rPr lang="en-US" dirty="0" smtClean="0"/>
+              <a:t>:  http://www.gipf.com/dvonn/index.html</a:t>
             </a:r>
             <a:endParaRPr lang="en-CA" dirty="0"/>
           </a:p>
@@ -4710,6 +5106,13 @@
   <p:clrMapOvr>
     <a:masterClrMapping/>
   </p:clrMapOvr>
+  <p:timing>
+    <p:tnLst>
+      <p:par>
+        <p:cTn id="1" dur="indefinite" restart="never" nodeType="tmRoot"/>
+      </p:par>
+    </p:tnLst>
+  </p:timing>
 </p:sld>
 </file>
 
@@ -4756,7 +5159,7 @@
           <a:p>
             <a:r>
               <a:rPr lang="en-US" dirty="0" smtClean="0"/>
-              <a:t>Versioning Control</a:t>
+              <a:t>Web Application Components</a:t>
             </a:r>
             <a:endParaRPr lang="en-CA" dirty="0"/>
           </a:p>
@@ -4784,86 +5187,47 @@
         </p:spPr>
         <p:txBody>
           <a:bodyPr>
-            <a:normAutofit fontScale="92500" lnSpcReduction="10000"/>
+            <a:normAutofit/>
           </a:bodyPr>
           <a:lstStyle/>
           <a:p>
             <a:r>
               <a:rPr lang="en-US" dirty="0" smtClean="0"/>
-              <a:t>Used “Git”. Why?</a:t>
-            </a:r>
-          </a:p>
-          <a:p>
-            <a:pPr lvl="1"/>
-            <a:r>
-              <a:rPr lang="en-US" dirty="0" smtClean="0"/>
-              <a:t>See: </a:t>
-            </a:r>
-            <a:r>
-              <a:rPr lang="en-US" dirty="0" smtClean="0">
-                <a:hlinkClick r:id="rId2"/>
-              </a:rPr>
-              <a:t>http://whygitisbetterthanx.com/</a:t>
-            </a:r>
-            <a:endParaRPr lang="en-US" dirty="0" smtClean="0"/>
-          </a:p>
-          <a:p>
-            <a:pPr lvl="2"/>
-            <a:r>
-              <a:rPr lang="en-US" dirty="0" smtClean="0"/>
-              <a:t>Fast</a:t>
-            </a:r>
-          </a:p>
-          <a:p>
-            <a:pPr lvl="2"/>
-            <a:r>
-              <a:rPr lang="en-US" dirty="0" smtClean="0"/>
-              <a:t>Small</a:t>
-            </a:r>
-          </a:p>
-          <a:p>
-            <a:pPr lvl="2"/>
-            <a:r>
-              <a:rPr lang="en-US" dirty="0" smtClean="0"/>
-              <a:t>Local</a:t>
-            </a:r>
-          </a:p>
-          <a:p>
-            <a:pPr lvl="2"/>
-            <a:r>
-              <a:rPr lang="en-US" dirty="0" smtClean="0"/>
-              <a:t>Easy to learn</a:t>
-            </a:r>
-          </a:p>
-          <a:p>
-            <a:pPr lvl="2"/>
-            <a:r>
-              <a:rPr lang="en-US" dirty="0" smtClean="0"/>
-              <a:t>Distributed</a:t>
-            </a:r>
-            <a:endParaRPr lang="en-US" dirty="0"/>
-          </a:p>
-          <a:p>
-            <a:endParaRPr lang="en-US" dirty="0" smtClean="0"/>
-          </a:p>
-          <a:p>
+              <a:t>Framework: Ruby on Rails</a:t>
+            </a:r>
+          </a:p>
+          <a:p>
+            <a:r>
+              <a:rPr lang="en-US" dirty="0" smtClean="0"/>
+              <a:t>Language: Ruby</a:t>
+            </a:r>
+          </a:p>
+          <a:p>
+            <a:r>
+              <a:rPr lang="en-US" dirty="0" smtClean="0"/>
+              <a:t>Presentation: CSS</a:t>
+            </a:r>
+          </a:p>
+          <a:p>
+            <a:r>
+              <a:rPr lang="en-US" dirty="0" smtClean="0"/>
+              <a:t>Operating System: Fedora 11</a:t>
+            </a:r>
+          </a:p>
+          <a:p>
+            <a:r>
+              <a:rPr lang="en-US" dirty="0" smtClean="0"/>
+              <a:t>Web Server: Apache2 (Mongrel for development)</a:t>
+            </a:r>
+          </a:p>
+          <a:p>
+            <a:r>
+              <a:rPr lang="en-US" dirty="0" smtClean="0"/>
+              <a:t>Database: </a:t>
+            </a:r>
             <a:r>
               <a:rPr lang="en-US" dirty="0" err="1" smtClean="0"/>
-              <a:t>GitHub</a:t>
-            </a:r>
-            <a:r>
-              <a:rPr lang="en-US" dirty="0" smtClean="0"/>
-              <a:t> account, see: </a:t>
-            </a:r>
-            <a:r>
-              <a:rPr lang="en-US" dirty="0" smtClean="0">
-                <a:hlinkClick r:id="rId3"/>
-              </a:rPr>
-              <a:t>http://github.com/RedTeamCOSC470/Stargazer</a:t>
-            </a:r>
-            <a:r>
-              <a:rPr lang="en-US" dirty="0" smtClean="0"/>
-              <a:t> </a:t>
+              <a:t>SQLite</a:t>
             </a:r>
             <a:endParaRPr lang="en-CA" dirty="0"/>
           </a:p>
@@ -4878,6 +5242,309 @@
 </file>
 
 <file path=ppt/slides/slide12.xml><?xml version="1.0" encoding="utf-8"?>
+<p:sld xmlns:a="http://schemas.openxmlformats.org/drawingml/2006/main" xmlns:r="http://schemas.openxmlformats.org/officeDocument/2006/relationships" xmlns:p="http://schemas.openxmlformats.org/presentationml/2006/main">
+  <p:cSld>
+    <p:spTree>
+      <p:nvGrpSpPr>
+        <p:cNvPr id="1" name=""/>
+        <p:cNvGrpSpPr/>
+        <p:nvPr/>
+      </p:nvGrpSpPr>
+      <p:grpSpPr>
+        <a:xfrm>
+          <a:off x="0" y="0"/>
+          <a:ext cx="0" cy="0"/>
+          <a:chOff x="0" y="0"/>
+          <a:chExt cx="0" cy="0"/>
+        </a:xfrm>
+      </p:grpSpPr>
+      <p:sp>
+        <p:nvSpPr>
+          <p:cNvPr id="2" name="Title 1"/>
+          <p:cNvSpPr>
+            <a:spLocks noGrp="1"/>
+          </p:cNvSpPr>
+          <p:nvPr>
+            <p:ph type="title"/>
+          </p:nvPr>
+        </p:nvSpPr>
+        <p:spPr>
+          <a:solidFill>
+            <a:srgbClr val="000000"/>
+          </a:solidFill>
+          <a:ln>
+            <a:solidFill>
+              <a:schemeClr val="accent1"/>
+            </a:solidFill>
+          </a:ln>
+        </p:spPr>
+        <p:txBody>
+          <a:bodyPr/>
+          <a:lstStyle/>
+          <a:p>
+            <a:r>
+              <a:rPr lang="en-US" dirty="0" smtClean="0"/>
+              <a:t>Ruby on Rails</a:t>
+            </a:r>
+            <a:endParaRPr lang="en-CA" dirty="0"/>
+          </a:p>
+        </p:txBody>
+      </p:sp>
+      <p:sp>
+        <p:nvSpPr>
+          <p:cNvPr id="3" name="Content Placeholder 2"/>
+          <p:cNvSpPr>
+            <a:spLocks noGrp="1"/>
+          </p:cNvSpPr>
+          <p:nvPr>
+            <p:ph idx="1"/>
+          </p:nvPr>
+        </p:nvSpPr>
+        <p:spPr>
+          <a:solidFill>
+            <a:srgbClr val="000000"/>
+          </a:solidFill>
+          <a:ln>
+            <a:solidFill>
+              <a:schemeClr val="accent1"/>
+            </a:solidFill>
+          </a:ln>
+        </p:spPr>
+        <p:txBody>
+          <a:bodyPr>
+            <a:normAutofit/>
+          </a:bodyPr>
+          <a:lstStyle/>
+          <a:p>
+            <a:r>
+              <a:rPr lang="en-US" dirty="0" smtClean="0"/>
+              <a:t>Framework for fast generation of web applications.</a:t>
+            </a:r>
+            <a:endParaRPr lang="en-US" dirty="0"/>
+          </a:p>
+          <a:p>
+            <a:r>
+              <a:rPr lang="en-US" dirty="0" smtClean="0"/>
+              <a:t>Comparatively easy to learn.</a:t>
+            </a:r>
+            <a:endParaRPr lang="en-US" dirty="0"/>
+          </a:p>
+          <a:p>
+            <a:r>
+              <a:rPr lang="en-US" dirty="0" smtClean="0"/>
+              <a:t>Enforces software patterns such as Model-View-Controller.</a:t>
+            </a:r>
+            <a:endParaRPr lang="en-US" dirty="0"/>
+          </a:p>
+          <a:p>
+            <a:r>
+              <a:rPr lang="en-US" dirty="0" err="1" smtClean="0"/>
+              <a:t>RESTful</a:t>
+            </a:r>
+            <a:r>
+              <a:rPr lang="en-US" dirty="0" smtClean="0"/>
+              <a:t> architecture.</a:t>
+            </a:r>
+          </a:p>
+          <a:p>
+            <a:r>
+              <a:rPr lang="en-US" dirty="0" smtClean="0"/>
+              <a:t>“DRY” code.</a:t>
+            </a:r>
+          </a:p>
+          <a:p>
+            <a:r>
+              <a:rPr lang="en-US" dirty="0" smtClean="0"/>
+              <a:t>Convention Over Configuration</a:t>
+            </a:r>
+            <a:endParaRPr lang="en-CA" dirty="0"/>
+          </a:p>
+        </p:txBody>
+      </p:sp>
+    </p:spTree>
+  </p:cSld>
+  <p:clrMapOvr>
+    <a:masterClrMapping/>
+  </p:clrMapOvr>
+</p:sld>
+</file>
+
+<file path=ppt/slides/slide13.xml><?xml version="1.0" encoding="utf-8"?>
+<p:sld xmlns:a="http://schemas.openxmlformats.org/drawingml/2006/main" xmlns:r="http://schemas.openxmlformats.org/officeDocument/2006/relationships" xmlns:p="http://schemas.openxmlformats.org/presentationml/2006/main">
+  <p:cSld>
+    <p:spTree>
+      <p:nvGrpSpPr>
+        <p:cNvPr id="1" name=""/>
+        <p:cNvGrpSpPr/>
+        <p:nvPr/>
+      </p:nvGrpSpPr>
+      <p:grpSpPr>
+        <a:xfrm>
+          <a:off x="0" y="0"/>
+          <a:ext cx="0" cy="0"/>
+          <a:chOff x="0" y="0"/>
+          <a:chExt cx="0" cy="0"/>
+        </a:xfrm>
+      </p:grpSpPr>
+      <p:sp>
+        <p:nvSpPr>
+          <p:cNvPr id="2" name="Title 1"/>
+          <p:cNvSpPr>
+            <a:spLocks noGrp="1"/>
+          </p:cNvSpPr>
+          <p:nvPr>
+            <p:ph type="title"/>
+          </p:nvPr>
+        </p:nvSpPr>
+        <p:spPr>
+          <a:solidFill>
+            <a:srgbClr val="000000"/>
+          </a:solidFill>
+          <a:ln>
+            <a:solidFill>
+              <a:schemeClr val="accent1"/>
+            </a:solidFill>
+          </a:ln>
+        </p:spPr>
+        <p:txBody>
+          <a:bodyPr/>
+          <a:lstStyle/>
+          <a:p>
+            <a:r>
+              <a:rPr lang="en-US" dirty="0" smtClean="0"/>
+              <a:t>Versioning Control</a:t>
+            </a:r>
+            <a:endParaRPr lang="en-CA" dirty="0"/>
+          </a:p>
+        </p:txBody>
+      </p:sp>
+      <p:sp>
+        <p:nvSpPr>
+          <p:cNvPr id="3" name="Content Placeholder 2"/>
+          <p:cNvSpPr>
+            <a:spLocks noGrp="1"/>
+          </p:cNvSpPr>
+          <p:nvPr>
+            <p:ph idx="1"/>
+          </p:nvPr>
+        </p:nvSpPr>
+        <p:spPr>
+          <a:solidFill>
+            <a:srgbClr val="000000"/>
+          </a:solidFill>
+          <a:ln>
+            <a:solidFill>
+              <a:schemeClr val="accent1"/>
+            </a:solidFill>
+          </a:ln>
+        </p:spPr>
+        <p:txBody>
+          <a:bodyPr>
+            <a:normAutofit fontScale="92500" lnSpcReduction="10000"/>
+          </a:bodyPr>
+          <a:lstStyle/>
+          <a:p>
+            <a:r>
+              <a:rPr lang="en-US" dirty="0" smtClean="0"/>
+              <a:t>Used “Git”. Why?</a:t>
+            </a:r>
+          </a:p>
+          <a:p>
+            <a:pPr lvl="1"/>
+            <a:r>
+              <a:rPr lang="en-US" dirty="0" smtClean="0"/>
+              <a:t>See: </a:t>
+            </a:r>
+            <a:r>
+              <a:rPr lang="en-US" dirty="0" smtClean="0">
+                <a:hlinkClick r:id="rId2"/>
+              </a:rPr>
+              <a:t>http://whygitisbetterthanx.com/</a:t>
+            </a:r>
+            <a:endParaRPr lang="en-US" dirty="0" smtClean="0"/>
+          </a:p>
+          <a:p>
+            <a:pPr lvl="2"/>
+            <a:r>
+              <a:rPr lang="en-US" dirty="0" smtClean="0"/>
+              <a:t>Fast</a:t>
+            </a:r>
+          </a:p>
+          <a:p>
+            <a:pPr lvl="2"/>
+            <a:r>
+              <a:rPr lang="en-US" dirty="0" smtClean="0"/>
+              <a:t>Small</a:t>
+            </a:r>
+          </a:p>
+          <a:p>
+            <a:pPr lvl="2"/>
+            <a:r>
+              <a:rPr lang="en-US" dirty="0" smtClean="0"/>
+              <a:t>Local</a:t>
+            </a:r>
+          </a:p>
+          <a:p>
+            <a:pPr lvl="2"/>
+            <a:r>
+              <a:rPr lang="en-US" dirty="0" smtClean="0"/>
+              <a:t>Easy to learn</a:t>
+            </a:r>
+          </a:p>
+          <a:p>
+            <a:pPr lvl="2"/>
+            <a:r>
+              <a:rPr lang="en-US" dirty="0" smtClean="0"/>
+              <a:t>Distributed</a:t>
+            </a:r>
+            <a:endParaRPr lang="en-US" dirty="0"/>
+          </a:p>
+          <a:p>
+            <a:endParaRPr lang="en-US" dirty="0" smtClean="0"/>
+          </a:p>
+          <a:p>
+            <a:r>
+              <a:rPr lang="en-US" dirty="0" err="1" smtClean="0"/>
+              <a:t>GitHub</a:t>
+            </a:r>
+            <a:r>
+              <a:rPr lang="en-US" dirty="0" smtClean="0"/>
+              <a:t> account, see: </a:t>
+            </a:r>
+            <a:r>
+              <a:rPr lang="en-US" dirty="0" smtClean="0">
+                <a:solidFill>
+                  <a:srgbClr val="FF0000"/>
+                </a:solidFill>
+                <a:hlinkClick r:id="rId3"/>
+              </a:rPr>
+              <a:t>http://github.com/RedTeamCOSC470/Stargazer</a:t>
+            </a:r>
+            <a:r>
+              <a:rPr lang="en-US" dirty="0" smtClean="0">
+                <a:solidFill>
+                  <a:srgbClr val="FF0000"/>
+                </a:solidFill>
+              </a:rPr>
+              <a:t> </a:t>
+            </a:r>
+            <a:endParaRPr lang="en-CA" dirty="0">
+              <a:solidFill>
+                <a:srgbClr val="FF0000"/>
+              </a:solidFill>
+            </a:endParaRPr>
+          </a:p>
+        </p:txBody>
+      </p:sp>
+    </p:spTree>
+  </p:cSld>
+  <p:clrMapOvr>
+    <a:masterClrMapping/>
+  </p:clrMapOvr>
+</p:sld>
+</file>
+
+<file path=ppt/slides/slide14.xml><?xml version="1.0" encoding="utf-8"?>
 <p:sld xmlns:a="http://schemas.openxmlformats.org/drawingml/2006/main" xmlns:r="http://schemas.openxmlformats.org/officeDocument/2006/relationships" xmlns:p="http://schemas.openxmlformats.org/presentationml/2006/main">
   <p:cSld>
     <p:spTree>
@@ -4969,7 +5636,7 @@
 </p:sld>
 </file>
 
-<file path=ppt/slides/slide13.xml><?xml version="1.0" encoding="utf-8"?>
+<file path=ppt/slides/slide15.xml><?xml version="1.0" encoding="utf-8"?>
 <p:sld xmlns:a="http://schemas.openxmlformats.org/drawingml/2006/main" xmlns:r="http://schemas.openxmlformats.org/officeDocument/2006/relationships" xmlns:p="http://schemas.openxmlformats.org/presentationml/2006/main">
   <p:cSld>
     <p:spTree>
@@ -5012,7 +5679,7 @@
           <a:p>
             <a:r>
               <a:rPr lang="en-US" dirty="0" smtClean="0"/>
-              <a:t>Use Class Diagram</a:t>
+              <a:t>Use Case Diagram</a:t>
             </a:r>
             <a:endParaRPr lang="en-CA" dirty="0"/>
           </a:p>
@@ -5054,7 +5721,7 @@
 </p:sld>
 </file>
 
-<file path=ppt/slides/slide14.xml><?xml version="1.0" encoding="utf-8"?>
+<file path=ppt/slides/slide16.xml><?xml version="1.0" encoding="utf-8"?>
 <p:sld xmlns:a="http://schemas.openxmlformats.org/drawingml/2006/main" xmlns:r="http://schemas.openxmlformats.org/officeDocument/2006/relationships" xmlns:p="http://schemas.openxmlformats.org/presentationml/2006/main">
   <p:cSld>
     <p:spTree>
@@ -5097,7 +5764,7 @@
           <a:p>
             <a:r>
               <a:rPr lang="en-US" dirty="0" smtClean="0"/>
-              <a:t>Use Class Diagram</a:t>
+              <a:t>Domain Model</a:t>
             </a:r>
             <a:endParaRPr lang="en-CA" dirty="0"/>
           </a:p>
@@ -5146,382 +5813,6 @@
 </p:sld>
 </file>
 
-<file path=ppt/slides/slide15.xml><?xml version="1.0" encoding="utf-8"?>
-<p:sld xmlns:a="http://schemas.openxmlformats.org/drawingml/2006/main" xmlns:r="http://schemas.openxmlformats.org/officeDocument/2006/relationships" xmlns:p="http://schemas.openxmlformats.org/presentationml/2006/main">
-  <p:cSld>
-    <p:spTree>
-      <p:nvGrpSpPr>
-        <p:cNvPr id="1" name=""/>
-        <p:cNvGrpSpPr/>
-        <p:nvPr/>
-      </p:nvGrpSpPr>
-      <p:grpSpPr>
-        <a:xfrm>
-          <a:off x="0" y="0"/>
-          <a:ext cx="0" cy="0"/>
-          <a:chOff x="0" y="0"/>
-          <a:chExt cx="0" cy="0"/>
-        </a:xfrm>
-      </p:grpSpPr>
-      <p:sp>
-        <p:nvSpPr>
-          <p:cNvPr id="2" name="Title 1"/>
-          <p:cNvSpPr>
-            <a:spLocks noGrp="1"/>
-          </p:cNvSpPr>
-          <p:nvPr>
-            <p:ph type="title"/>
-          </p:nvPr>
-        </p:nvSpPr>
-        <p:spPr>
-          <a:solidFill>
-            <a:srgbClr val="000000"/>
-          </a:solidFill>
-          <a:ln>
-            <a:solidFill>
-              <a:schemeClr val="accent1"/>
-            </a:solidFill>
-          </a:ln>
-        </p:spPr>
-        <p:txBody>
-          <a:bodyPr/>
-          <a:lstStyle/>
-          <a:p>
-            <a:r>
-              <a:rPr lang="en-US" dirty="0" smtClean="0"/>
-              <a:t>Example: Ruby Code</a:t>
-            </a:r>
-            <a:endParaRPr lang="en-CA" dirty="0"/>
-          </a:p>
-        </p:txBody>
-      </p:sp>
-      <p:sp>
-        <p:nvSpPr>
-          <p:cNvPr id="3" name="Content Placeholder 2"/>
-          <p:cNvSpPr>
-            <a:spLocks noGrp="1"/>
-          </p:cNvSpPr>
-          <p:nvPr>
-            <p:ph idx="1"/>
-          </p:nvPr>
-        </p:nvSpPr>
-        <p:spPr>
-          <a:solidFill>
-            <a:srgbClr val="000000"/>
-          </a:solidFill>
-          <a:ln>
-            <a:solidFill>
-              <a:schemeClr val="accent1"/>
-            </a:solidFill>
-          </a:ln>
-        </p:spPr>
-        <p:txBody>
-          <a:bodyPr>
-            <a:normAutofit fontScale="70000" lnSpcReduction="20000"/>
-          </a:bodyPr>
-          <a:lstStyle/>
-          <a:p>
-            <a:pPr>
-              <a:buNone/>
-            </a:pPr>
-            <a:r>
-              <a:rPr lang="en-US" dirty="0" smtClean="0"/>
-              <a:t>class Schedule &lt; </a:t>
-            </a:r>
-            <a:r>
-              <a:rPr lang="en-US" dirty="0" err="1" smtClean="0"/>
-              <a:t>ActiveRecord</a:t>
-            </a:r>
-            <a:r>
-              <a:rPr lang="en-US" dirty="0" smtClean="0"/>
-              <a:t>::Base</a:t>
-            </a:r>
-          </a:p>
-          <a:p>
-            <a:pPr>
-              <a:buNone/>
-            </a:pPr>
-            <a:r>
-              <a:rPr lang="en-US" dirty="0" smtClean="0"/>
-              <a:t>	</a:t>
-            </a:r>
-            <a:r>
-              <a:rPr lang="en-US" dirty="0" err="1" smtClean="0"/>
-              <a:t>belongs_to</a:t>
-            </a:r>
-            <a:r>
-              <a:rPr lang="en-US" dirty="0" smtClean="0"/>
-              <a:t> :user</a:t>
-            </a:r>
-          </a:p>
-          <a:p>
-            <a:pPr>
-              <a:buNone/>
-            </a:pPr>
-            <a:r>
-              <a:rPr lang="en-US" dirty="0" smtClean="0"/>
-              <a:t>	</a:t>
-            </a:r>
-            <a:r>
-              <a:rPr lang="en-US" dirty="0" err="1" smtClean="0"/>
-              <a:t>has_many</a:t>
-            </a:r>
-            <a:r>
-              <a:rPr lang="en-US" dirty="0" smtClean="0"/>
-              <a:t> :images</a:t>
-            </a:r>
-          </a:p>
-          <a:p>
-            <a:pPr>
-              <a:buNone/>
-            </a:pPr>
-            <a:r>
-              <a:rPr lang="en-US" dirty="0" smtClean="0"/>
-              <a:t>	</a:t>
-            </a:r>
-          </a:p>
-          <a:p>
-            <a:pPr>
-              <a:buNone/>
-            </a:pPr>
-            <a:r>
-              <a:rPr lang="en-US" dirty="0" smtClean="0"/>
-              <a:t>	# make sure schedule cannot be before present time</a:t>
-            </a:r>
-          </a:p>
-          <a:p>
-            <a:pPr>
-              <a:buNone/>
-            </a:pPr>
-            <a:r>
-              <a:rPr lang="en-US" dirty="0" smtClean="0"/>
-              <a:t>	</a:t>
-            </a:r>
-            <a:r>
-              <a:rPr lang="en-US" dirty="0" err="1" smtClean="0"/>
-              <a:t>validates_datetime</a:t>
-            </a:r>
-            <a:r>
-              <a:rPr lang="en-US" dirty="0" smtClean="0"/>
-              <a:t> :</a:t>
-            </a:r>
-            <a:r>
-              <a:rPr lang="en-US" dirty="0" err="1" smtClean="0"/>
-              <a:t>start_time</a:t>
-            </a:r>
-            <a:r>
-              <a:rPr lang="en-US" dirty="0" smtClean="0"/>
-              <a:t>, :after =&gt; lambda { </a:t>
-            </a:r>
-            <a:r>
-              <a:rPr lang="en-US" dirty="0" err="1" smtClean="0"/>
-              <a:t>Time.now</a:t>
-            </a:r>
-            <a:r>
-              <a:rPr lang="en-US" dirty="0" smtClean="0"/>
-              <a:t> }, :</a:t>
-            </a:r>
-            <a:r>
-              <a:rPr lang="en-US" dirty="0" err="1" smtClean="0"/>
-              <a:t>after_message</a:t>
-            </a:r>
-            <a:r>
-              <a:rPr lang="en-US" dirty="0" smtClean="0"/>
-              <a:t> =&gt; "must be in the future"</a:t>
-            </a:r>
-          </a:p>
-          <a:p>
-            <a:pPr>
-              <a:buNone/>
-            </a:pPr>
-            <a:r>
-              <a:rPr lang="en-US" dirty="0" smtClean="0"/>
-              <a:t>	</a:t>
-            </a:r>
-          </a:p>
-          <a:p>
-            <a:pPr>
-              <a:buNone/>
-            </a:pPr>
-            <a:r>
-              <a:rPr lang="en-US" dirty="0" smtClean="0"/>
-              <a:t>	# make some fields required</a:t>
-            </a:r>
-          </a:p>
-          <a:p>
-            <a:pPr>
-              <a:buNone/>
-            </a:pPr>
-            <a:r>
-              <a:rPr lang="en-US" dirty="0" smtClean="0"/>
-              <a:t>	</a:t>
-            </a:r>
-            <a:r>
-              <a:rPr lang="en-US" dirty="0" err="1" smtClean="0"/>
-              <a:t>validates_presence_of</a:t>
-            </a:r>
-            <a:r>
-              <a:rPr lang="en-US" dirty="0" smtClean="0"/>
-              <a:t> :exposure, :declination, :</a:t>
-            </a:r>
-            <a:r>
-              <a:rPr lang="en-US" dirty="0" err="1" smtClean="0"/>
-              <a:t>right_ascension</a:t>
-            </a:r>
-            <a:endParaRPr lang="en-US" dirty="0" smtClean="0"/>
-          </a:p>
-          <a:p>
-            <a:pPr>
-              <a:buNone/>
-            </a:pPr>
-            <a:endParaRPr lang="en-US" dirty="0" smtClean="0"/>
-          </a:p>
-          <a:p>
-            <a:pPr>
-              <a:buNone/>
-            </a:pPr>
-            <a:r>
-              <a:rPr lang="en-US" dirty="0" smtClean="0"/>
-              <a:t>end</a:t>
-            </a:r>
-            <a:endParaRPr lang="en-CA" dirty="0"/>
-          </a:p>
-        </p:txBody>
-      </p:sp>
-    </p:spTree>
-  </p:cSld>
-  <p:clrMapOvr>
-    <a:masterClrMapping/>
-  </p:clrMapOvr>
-</p:sld>
-</file>
-
-<file path=ppt/slides/slide16.xml><?xml version="1.0" encoding="utf-8"?>
-<p:sld xmlns:a="http://schemas.openxmlformats.org/drawingml/2006/main" xmlns:r="http://schemas.openxmlformats.org/officeDocument/2006/relationships" xmlns:p="http://schemas.openxmlformats.org/presentationml/2006/main">
-  <p:cSld>
-    <p:spTree>
-      <p:nvGrpSpPr>
-        <p:cNvPr id="1" name=""/>
-        <p:cNvGrpSpPr/>
-        <p:nvPr/>
-      </p:nvGrpSpPr>
-      <p:grpSpPr>
-        <a:xfrm>
-          <a:off x="0" y="0"/>
-          <a:ext cx="0" cy="0"/>
-          <a:chOff x="0" y="0"/>
-          <a:chExt cx="0" cy="0"/>
-        </a:xfrm>
-      </p:grpSpPr>
-      <p:sp>
-        <p:nvSpPr>
-          <p:cNvPr id="2" name="Title 1"/>
-          <p:cNvSpPr>
-            <a:spLocks noGrp="1"/>
-          </p:cNvSpPr>
-          <p:nvPr>
-            <p:ph type="title"/>
-          </p:nvPr>
-        </p:nvSpPr>
-        <p:spPr>
-          <a:solidFill>
-            <a:srgbClr val="000000"/>
-          </a:solidFill>
-          <a:ln>
-            <a:solidFill>
-              <a:schemeClr val="accent1"/>
-            </a:solidFill>
-          </a:ln>
-        </p:spPr>
-        <p:txBody>
-          <a:bodyPr/>
-          <a:lstStyle/>
-          <a:p>
-            <a:r>
-              <a:rPr lang="en-US" dirty="0" smtClean="0"/>
-              <a:t>Testing</a:t>
-            </a:r>
-            <a:endParaRPr lang="en-CA" dirty="0"/>
-          </a:p>
-        </p:txBody>
-      </p:sp>
-      <p:sp>
-        <p:nvSpPr>
-          <p:cNvPr id="3" name="Content Placeholder 2"/>
-          <p:cNvSpPr>
-            <a:spLocks noGrp="1"/>
-          </p:cNvSpPr>
-          <p:nvPr>
-            <p:ph idx="1"/>
-          </p:nvPr>
-        </p:nvSpPr>
-        <p:spPr>
-          <a:solidFill>
-            <a:srgbClr val="000000"/>
-          </a:solidFill>
-          <a:ln>
-            <a:solidFill>
-              <a:schemeClr val="accent1"/>
-            </a:solidFill>
-          </a:ln>
-        </p:spPr>
-        <p:txBody>
-          <a:bodyPr>
-            <a:normAutofit/>
-          </a:bodyPr>
-          <a:lstStyle/>
-          <a:p>
-            <a:r>
-              <a:rPr lang="en-US" dirty="0" smtClean="0"/>
-              <a:t>Unit tests:</a:t>
-            </a:r>
-          </a:p>
-          <a:p>
-            <a:pPr lvl="1"/>
-            <a:r>
-              <a:rPr lang="en-US" dirty="0" smtClean="0"/>
-              <a:t>“Black box” tests to ensure functionality </a:t>
-            </a:r>
-            <a:r>
-              <a:rPr lang="en-US" dirty="0" err="1" smtClean="0"/>
-              <a:t>correctnessTest</a:t>
-            </a:r>
-            <a:r>
-              <a:rPr lang="en-US" dirty="0" smtClean="0"/>
-              <a:t> suite is used to run all unit tests whenever new code is added to the system</a:t>
-            </a:r>
-          </a:p>
-          <a:p>
-            <a:pPr lvl="1"/>
-            <a:r>
-              <a:rPr lang="en-US" dirty="0" smtClean="0"/>
-              <a:t>All tests must pass after the new code is added</a:t>
-            </a:r>
-          </a:p>
-          <a:p>
-            <a:r>
-              <a:rPr lang="en-US" dirty="0" smtClean="0"/>
-              <a:t>Acceptance tests:</a:t>
-            </a:r>
-          </a:p>
-          <a:p>
-            <a:pPr lvl="1"/>
-            <a:r>
-              <a:rPr lang="en-US" dirty="0" smtClean="0"/>
-              <a:t>“White box” tests used to ensure business “fit” of the system</a:t>
-            </a:r>
-            <a:endParaRPr lang="en-CA" dirty="0"/>
-          </a:p>
-        </p:txBody>
-      </p:sp>
-    </p:spTree>
-  </p:cSld>
-  <p:clrMapOvr>
-    <a:masterClrMapping/>
-  </p:clrMapOvr>
-</p:sld>
-</file>
-
 <file path=ppt/slides/slide17.xml><?xml version="1.0" encoding="utf-8"?>
 <p:sld xmlns:a="http://schemas.openxmlformats.org/drawingml/2006/main" xmlns:r="http://schemas.openxmlformats.org/officeDocument/2006/relationships" xmlns:p="http://schemas.openxmlformats.org/presentationml/2006/main">
   <p:cSld>
@@ -5565,7 +5856,7 @@
           <a:p>
             <a:r>
               <a:rPr lang="en-US" dirty="0" smtClean="0"/>
-              <a:t>Example: Unit Test + Demo</a:t>
+              <a:t>SSD: Create New Schedule</a:t>
             </a:r>
             <a:endParaRPr lang="en-CA" dirty="0"/>
           </a:p>
@@ -5573,7 +5864,7 @@
       </p:sp>
       <p:sp>
         <p:nvSpPr>
-          <p:cNvPr id="3" name="Content Placeholder 2"/>
+          <p:cNvPr id="4" name="Content Placeholder 3"/>
           <p:cNvSpPr>
             <a:spLocks noGrp="1"/>
           </p:cNvSpPr>
@@ -5581,281 +5872,12 @@
             <p:ph idx="1"/>
           </p:nvPr>
         </p:nvSpPr>
-        <p:spPr>
-          <a:solidFill>
-            <a:srgbClr val="000000"/>
-          </a:solidFill>
-          <a:ln>
-            <a:solidFill>
-              <a:schemeClr val="accent1"/>
-            </a:solidFill>
-          </a:ln>
-        </p:spPr>
-        <p:txBody>
-          <a:bodyPr>
-            <a:normAutofit fontScale="47500" lnSpcReduction="20000"/>
-          </a:bodyPr>
-          <a:lstStyle/>
-          <a:p>
-            <a:pPr>
-              <a:buNone/>
-            </a:pPr>
-            <a:r>
-              <a:rPr lang="en-US" dirty="0" smtClean="0"/>
-              <a:t>require '</a:t>
-            </a:r>
-            <a:r>
-              <a:rPr lang="en-US" dirty="0" err="1" smtClean="0"/>
-              <a:t>test_helper</a:t>
-            </a:r>
-            <a:r>
-              <a:rPr lang="en-US" dirty="0" smtClean="0"/>
-              <a:t>'</a:t>
-            </a:r>
-          </a:p>
-          <a:p>
-            <a:pPr>
-              <a:buNone/>
-            </a:pPr>
-            <a:endParaRPr lang="en-US" dirty="0" smtClean="0"/>
-          </a:p>
-          <a:p>
-            <a:pPr>
-              <a:buNone/>
-            </a:pPr>
-            <a:r>
-              <a:rPr lang="en-US" dirty="0" smtClean="0"/>
-              <a:t>class </a:t>
-            </a:r>
-            <a:r>
-              <a:rPr lang="en-US" dirty="0" err="1" smtClean="0"/>
-              <a:t>UserTest</a:t>
-            </a:r>
-            <a:r>
-              <a:rPr lang="en-US" dirty="0" smtClean="0"/>
-              <a:t> &lt; </a:t>
-            </a:r>
-            <a:r>
-              <a:rPr lang="en-US" dirty="0" err="1" smtClean="0"/>
-              <a:t>ActiveSupport</a:t>
-            </a:r>
-            <a:r>
-              <a:rPr lang="en-US" dirty="0" smtClean="0"/>
-              <a:t>::</a:t>
-            </a:r>
-            <a:r>
-              <a:rPr lang="en-US" dirty="0" err="1" smtClean="0"/>
-              <a:t>TestCase</a:t>
-            </a:r>
-            <a:endParaRPr lang="en-US" dirty="0" smtClean="0"/>
-          </a:p>
-          <a:p>
-            <a:pPr>
-              <a:buNone/>
-            </a:pPr>
-            <a:r>
-              <a:rPr lang="en-US" dirty="0" smtClean="0"/>
-              <a:t>	</a:t>
-            </a:r>
-          </a:p>
-          <a:p>
-            <a:pPr>
-              <a:buNone/>
-            </a:pPr>
-            <a:r>
-              <a:rPr lang="en-US" dirty="0" smtClean="0"/>
-              <a:t>  # create a user with necessary, correct input values for the following tests</a:t>
-            </a:r>
-          </a:p>
-          <a:p>
-            <a:pPr>
-              <a:buNone/>
-            </a:pPr>
-            <a:r>
-              <a:rPr lang="en-US" dirty="0" smtClean="0"/>
-              <a:t>  def setup</a:t>
-            </a:r>
-          </a:p>
-          <a:p>
-            <a:pPr>
-              <a:buNone/>
-            </a:pPr>
-            <a:r>
-              <a:rPr lang="en-US" dirty="0" smtClean="0"/>
-              <a:t>  	@user = </a:t>
-            </a:r>
-            <a:r>
-              <a:rPr lang="en-US" dirty="0" err="1" smtClean="0"/>
-              <a:t>User.new</a:t>
-            </a:r>
-            <a:endParaRPr lang="en-US" dirty="0" smtClean="0"/>
-          </a:p>
-          <a:p>
-            <a:pPr>
-              <a:buNone/>
-            </a:pPr>
-            <a:r>
-              <a:rPr lang="en-US" dirty="0" smtClean="0"/>
-              <a:t>  	@</a:t>
-            </a:r>
-            <a:r>
-              <a:rPr lang="en-US" dirty="0" err="1" smtClean="0"/>
-              <a:t>user.username</a:t>
-            </a:r>
-            <a:r>
-              <a:rPr lang="en-US" dirty="0" smtClean="0"/>
-              <a:t> = "</a:t>
-            </a:r>
-            <a:r>
-              <a:rPr lang="en-US" dirty="0" err="1" smtClean="0"/>
-              <a:t>unit_test</a:t>
-            </a:r>
-            <a:r>
-              <a:rPr lang="en-US" dirty="0" smtClean="0"/>
-              <a:t>"</a:t>
-            </a:r>
-          </a:p>
-          <a:p>
-            <a:pPr>
-              <a:buNone/>
-            </a:pPr>
-            <a:r>
-              <a:rPr lang="en-US" dirty="0" smtClean="0"/>
-              <a:t>  	@</a:t>
-            </a:r>
-            <a:r>
-              <a:rPr lang="en-US" dirty="0" err="1" smtClean="0"/>
-              <a:t>user.email</a:t>
-            </a:r>
-            <a:r>
-              <a:rPr lang="en-US" dirty="0" smtClean="0"/>
-              <a:t> = "unit@test.com"</a:t>
-            </a:r>
-          </a:p>
-          <a:p>
-            <a:pPr>
-              <a:buNone/>
-            </a:pPr>
-            <a:r>
-              <a:rPr lang="en-US" dirty="0" smtClean="0"/>
-              <a:t>    	@</a:t>
-            </a:r>
-            <a:r>
-              <a:rPr lang="en-US" dirty="0" err="1" smtClean="0"/>
-              <a:t>user.password</a:t>
-            </a:r>
-            <a:r>
-              <a:rPr lang="en-US" dirty="0" smtClean="0"/>
-              <a:t> = "test"</a:t>
-            </a:r>
-          </a:p>
-          <a:p>
-            <a:pPr>
-              <a:buNone/>
-            </a:pPr>
-            <a:r>
-              <a:rPr lang="en-US" dirty="0" smtClean="0"/>
-              <a:t>    	@</a:t>
-            </a:r>
-            <a:r>
-              <a:rPr lang="en-US" dirty="0" err="1" smtClean="0"/>
-              <a:t>user.password_confirmation</a:t>
-            </a:r>
-            <a:r>
-              <a:rPr lang="en-US" dirty="0" smtClean="0"/>
-              <a:t> = "test"</a:t>
-            </a:r>
-          </a:p>
-          <a:p>
-            <a:pPr>
-              <a:buNone/>
-            </a:pPr>
-            <a:r>
-              <a:rPr lang="en-US" dirty="0" smtClean="0"/>
-              <a:t>  end</a:t>
-            </a:r>
-          </a:p>
-          <a:p>
-            <a:pPr>
-              <a:buNone/>
-            </a:pPr>
-            <a:r>
-              <a:rPr lang="en-US" dirty="0" smtClean="0"/>
-              <a:t>  </a:t>
-            </a:r>
-          </a:p>
-          <a:p>
-            <a:pPr>
-              <a:buNone/>
-            </a:pPr>
-            <a:r>
-              <a:rPr lang="en-US" dirty="0" smtClean="0"/>
-              <a:t>  def </a:t>
-            </a:r>
-            <a:r>
-              <a:rPr lang="en-US" dirty="0" err="1" smtClean="0"/>
-              <a:t>test_username_cannot_be_null</a:t>
-            </a:r>
-            <a:endParaRPr lang="en-US" dirty="0" smtClean="0"/>
-          </a:p>
-          <a:p>
-            <a:pPr>
-              <a:buNone/>
-            </a:pPr>
-            <a:r>
-              <a:rPr lang="en-US" dirty="0" smtClean="0"/>
-              <a:t>    	@</a:t>
-            </a:r>
-            <a:r>
-              <a:rPr lang="en-US" dirty="0" err="1" smtClean="0"/>
-              <a:t>user.username</a:t>
-            </a:r>
-            <a:r>
-              <a:rPr lang="en-US" dirty="0" smtClean="0"/>
-              <a:t> = ""</a:t>
-            </a:r>
-          </a:p>
-          <a:p>
-            <a:pPr>
-              <a:buNone/>
-            </a:pPr>
-            <a:r>
-              <a:rPr lang="en-US" dirty="0" smtClean="0"/>
-              <a:t>    	assert !@</a:t>
-            </a:r>
-            <a:r>
-              <a:rPr lang="en-US" dirty="0" err="1" smtClean="0"/>
-              <a:t>user.save</a:t>
-            </a:r>
-            <a:r>
-              <a:rPr lang="en-US" dirty="0" smtClean="0"/>
-              <a:t>  </a:t>
-            </a:r>
-          </a:p>
-          <a:p>
-            <a:pPr>
-              <a:buNone/>
-            </a:pPr>
-            <a:r>
-              <a:rPr lang="en-US" dirty="0" smtClean="0"/>
-              <a:t>  end</a:t>
-            </a:r>
-          </a:p>
-          <a:p>
-            <a:pPr>
-              <a:buNone/>
-            </a:pPr>
-            <a:endParaRPr lang="en-US" dirty="0" smtClean="0"/>
-          </a:p>
-          <a:p>
-            <a:pPr>
-              <a:buNone/>
-            </a:pPr>
-            <a:r>
-              <a:rPr lang="en-US" dirty="0" smtClean="0"/>
-              <a:t>end</a:t>
-            </a:r>
-            <a:endParaRPr lang="en-CA" dirty="0"/>
+        <p:spPr/>
+        <p:txBody>
+          <a:bodyPr/>
+          <a:lstStyle/>
+          <a:p>
+            <a:endParaRPr lang="en-US"/>
           </a:p>
         </p:txBody>
       </p:sp>
@@ -5905,14 +5927,12 @@
           </a:ln>
         </p:spPr>
         <p:txBody>
-          <a:bodyPr>
-            <a:normAutofit/>
-          </a:bodyPr>
-          <a:lstStyle/>
-          <a:p>
-            <a:r>
-              <a:rPr lang="en-US" dirty="0" smtClean="0"/>
-              <a:t>Example User Acceptance Test</a:t>
+          <a:bodyPr/>
+          <a:lstStyle/>
+          <a:p>
+            <a:r>
+              <a:rPr lang="en-US" dirty="0" smtClean="0"/>
+              <a:t>Example: Ruby Code</a:t>
             </a:r>
             <a:endParaRPr lang="en-CA" dirty="0"/>
           </a:p>
@@ -5939,9 +5959,174 @@
           </a:ln>
         </p:spPr>
         <p:txBody>
-          <a:bodyPr/>
-          <a:lstStyle/>
-          <a:p>
+          <a:bodyPr>
+            <a:normAutofit fontScale="70000" lnSpcReduction="20000"/>
+          </a:bodyPr>
+          <a:lstStyle/>
+          <a:p>
+            <a:pPr>
+              <a:buNone/>
+            </a:pPr>
+            <a:r>
+              <a:rPr lang="en-US" dirty="0" smtClean="0"/>
+              <a:t>class Schedule &lt; </a:t>
+            </a:r>
+            <a:r>
+              <a:rPr lang="en-US" dirty="0" err="1" smtClean="0"/>
+              <a:t>ActiveRecord</a:t>
+            </a:r>
+            <a:r>
+              <a:rPr lang="en-US" dirty="0" smtClean="0"/>
+              <a:t>::Base</a:t>
+            </a:r>
+          </a:p>
+          <a:p>
+            <a:pPr>
+              <a:buNone/>
+            </a:pPr>
+            <a:r>
+              <a:rPr lang="en-US" dirty="0" smtClean="0"/>
+              <a:t>	</a:t>
+            </a:r>
+            <a:r>
+              <a:rPr lang="en-US" dirty="0" err="1" smtClean="0"/>
+              <a:t>belongs_to</a:t>
+            </a:r>
+            <a:r>
+              <a:rPr lang="en-US" dirty="0" smtClean="0"/>
+              <a:t> :user</a:t>
+            </a:r>
+          </a:p>
+          <a:p>
+            <a:pPr>
+              <a:buNone/>
+            </a:pPr>
+            <a:r>
+              <a:rPr lang="en-US" dirty="0" smtClean="0"/>
+              <a:t>	</a:t>
+            </a:r>
+            <a:r>
+              <a:rPr lang="en-US" dirty="0" err="1" smtClean="0"/>
+              <a:t>has_many</a:t>
+            </a:r>
+            <a:r>
+              <a:rPr lang="en-US" dirty="0" smtClean="0"/>
+              <a:t> :images</a:t>
+            </a:r>
+          </a:p>
+          <a:p>
+            <a:pPr>
+              <a:buNone/>
+            </a:pPr>
+            <a:r>
+              <a:rPr lang="en-US" dirty="0" smtClean="0"/>
+              <a:t>	</a:t>
+            </a:r>
+          </a:p>
+          <a:p>
+            <a:pPr>
+              <a:buNone/>
+            </a:pPr>
+            <a:r>
+              <a:rPr lang="en-US" dirty="0" smtClean="0"/>
+              <a:t>	# make sure schedule cannot be before present time</a:t>
+            </a:r>
+          </a:p>
+          <a:p>
+            <a:pPr>
+              <a:buNone/>
+            </a:pPr>
+            <a:r>
+              <a:rPr lang="en-US" dirty="0" smtClean="0"/>
+              <a:t>	</a:t>
+            </a:r>
+            <a:r>
+              <a:rPr lang="en-US" dirty="0" err="1" smtClean="0"/>
+              <a:t>validates_datetime</a:t>
+            </a:r>
+            <a:r>
+              <a:rPr lang="en-US" dirty="0" smtClean="0"/>
+              <a:t> :</a:t>
+            </a:r>
+            <a:r>
+              <a:rPr lang="en-US" dirty="0" err="1" smtClean="0"/>
+              <a:t>start_time</a:t>
+            </a:r>
+            <a:r>
+              <a:rPr lang="en-US" dirty="0" smtClean="0"/>
+              <a:t>, :after =&gt; lambda { </a:t>
+            </a:r>
+            <a:r>
+              <a:rPr lang="en-US" dirty="0" err="1" smtClean="0"/>
+              <a:t>Time.now</a:t>
+            </a:r>
+            <a:r>
+              <a:rPr lang="en-US" dirty="0" smtClean="0"/>
+              <a:t> }, :</a:t>
+            </a:r>
+            <a:r>
+              <a:rPr lang="en-US" dirty="0" err="1" smtClean="0"/>
+              <a:t>after_message</a:t>
+            </a:r>
+            <a:r>
+              <a:rPr lang="en-US" dirty="0" smtClean="0"/>
+              <a:t> =&gt; "must be in the future"</a:t>
+            </a:r>
+          </a:p>
+          <a:p>
+            <a:pPr>
+              <a:buNone/>
+            </a:pPr>
+            <a:r>
+              <a:rPr lang="en-US" dirty="0" smtClean="0"/>
+              <a:t>	</a:t>
+            </a:r>
+          </a:p>
+          <a:p>
+            <a:pPr>
+              <a:buNone/>
+            </a:pPr>
+            <a:r>
+              <a:rPr lang="en-US" dirty="0" smtClean="0"/>
+              <a:t>	# make some fields required</a:t>
+            </a:r>
+          </a:p>
+          <a:p>
+            <a:pPr>
+              <a:buNone/>
+            </a:pPr>
+            <a:r>
+              <a:rPr lang="en-US" dirty="0" smtClean="0"/>
+              <a:t>	</a:t>
+            </a:r>
+            <a:r>
+              <a:rPr lang="en-US" dirty="0" err="1" smtClean="0"/>
+              <a:t>validates_presence_of</a:t>
+            </a:r>
+            <a:r>
+              <a:rPr lang="en-US" dirty="0" smtClean="0"/>
+              <a:t> :exposure, :declination, :</a:t>
+            </a:r>
+            <a:r>
+              <a:rPr lang="en-US" dirty="0" err="1" smtClean="0"/>
+              <a:t>right_ascension</a:t>
+            </a:r>
+            <a:endParaRPr lang="en-US" dirty="0" smtClean="0"/>
+          </a:p>
+          <a:p>
+            <a:pPr>
+              <a:buNone/>
+            </a:pPr>
+            <a:endParaRPr lang="en-US" dirty="0" smtClean="0"/>
+          </a:p>
+          <a:p>
+            <a:pPr>
+              <a:buNone/>
+            </a:pPr>
+            <a:r>
+              <a:rPr lang="en-US" dirty="0" smtClean="0"/>
+              <a:t>end</a:t>
+            </a:r>
             <a:endParaRPr lang="en-CA" dirty="0"/>
           </a:p>
         </p:txBody>
@@ -5997,7 +6182,7 @@
           <a:p>
             <a:r>
               <a:rPr lang="en-US" dirty="0" smtClean="0"/>
-              <a:t>Project Timeline</a:t>
+              <a:t>Testing</a:t>
             </a:r>
             <a:endParaRPr lang="en-CA" dirty="0"/>
           </a:p>
@@ -6024,53 +6209,41 @@
           </a:ln>
         </p:spPr>
         <p:txBody>
-          <a:bodyPr/>
-          <a:lstStyle/>
-          <a:p>
-            <a:r>
-              <a:rPr lang="en-US" dirty="0" smtClean="0"/>
-              <a:t>Iteration 1: Inception</a:t>
-            </a:r>
-          </a:p>
-          <a:p>
-            <a:r>
-              <a:rPr lang="en-US" dirty="0" smtClean="0"/>
-              <a:t>Iteration 2: SPIKE project</a:t>
-            </a:r>
-          </a:p>
-          <a:p>
-            <a:r>
-              <a:rPr lang="en-US" dirty="0" smtClean="0"/>
-              <a:t>Iteration 3: Release #1</a:t>
-            </a:r>
-          </a:p>
-          <a:p>
-            <a:r>
-              <a:rPr lang="en-US" dirty="0" smtClean="0"/>
-              <a:t>Iteration 4: Release #2</a:t>
-            </a:r>
-          </a:p>
-          <a:p>
-            <a:r>
-              <a:rPr lang="en-US" dirty="0" smtClean="0"/>
-              <a:t>Iteration 5: Final </a:t>
-            </a:r>
-            <a:r>
-              <a:rPr lang="en-US" dirty="0" err="1" smtClean="0"/>
-              <a:t>Refactored</a:t>
-            </a:r>
-            <a:r>
-              <a:rPr lang="en-US" dirty="0" smtClean="0"/>
-              <a:t> Release</a:t>
-            </a:r>
-          </a:p>
-          <a:p>
-            <a:endParaRPr lang="en-US" dirty="0" smtClean="0"/>
-          </a:p>
-          <a:p>
-            <a:r>
-              <a:rPr lang="en-US" dirty="0" smtClean="0"/>
-              <a:t>Each iteration = ~1 week</a:t>
+          <a:bodyPr>
+            <a:normAutofit/>
+          </a:bodyPr>
+          <a:lstStyle/>
+          <a:p>
+            <a:r>
+              <a:rPr lang="en-US" dirty="0" smtClean="0"/>
+              <a:t>Unit tests:</a:t>
+            </a:r>
+          </a:p>
+          <a:p>
+            <a:pPr lvl="1"/>
+            <a:r>
+              <a:rPr lang="en-US" dirty="0" smtClean="0"/>
+              <a:t>“Black box” tests to ensure functionality correctness. A test suite is used to run all unit tests whenever new code is added to the system</a:t>
+            </a:r>
+          </a:p>
+          <a:p>
+            <a:pPr lvl="1"/>
+            <a:r>
+              <a:rPr lang="en-US" dirty="0" smtClean="0"/>
+              <a:t>All tests must pass after the new code is added</a:t>
+            </a:r>
+          </a:p>
+          <a:p>
+            <a:r>
+              <a:rPr lang="en-US" dirty="0" smtClean="0"/>
+              <a:t>Acceptance tests:</a:t>
+            </a:r>
+          </a:p>
+          <a:p>
+            <a:pPr lvl="1"/>
+            <a:r>
+              <a:rPr lang="en-US" dirty="0" smtClean="0"/>
+              <a:t>“White box” tests used to ensure business “fit” of the system</a:t>
             </a:r>
             <a:endParaRPr lang="en-CA" dirty="0"/>
           </a:p>
@@ -6229,6 +6402,481 @@
 </file>
 
 <file path=ppt/slides/slide20.xml><?xml version="1.0" encoding="utf-8"?>
+<p:sld xmlns:a="http://schemas.openxmlformats.org/drawingml/2006/main" xmlns:r="http://schemas.openxmlformats.org/officeDocument/2006/relationships" xmlns:p="http://schemas.openxmlformats.org/presentationml/2006/main">
+  <p:cSld>
+    <p:spTree>
+      <p:nvGrpSpPr>
+        <p:cNvPr id="1" name=""/>
+        <p:cNvGrpSpPr/>
+        <p:nvPr/>
+      </p:nvGrpSpPr>
+      <p:grpSpPr>
+        <a:xfrm>
+          <a:off x="0" y="0"/>
+          <a:ext cx="0" cy="0"/>
+          <a:chOff x="0" y="0"/>
+          <a:chExt cx="0" cy="0"/>
+        </a:xfrm>
+      </p:grpSpPr>
+      <p:sp>
+        <p:nvSpPr>
+          <p:cNvPr id="2" name="Title 1"/>
+          <p:cNvSpPr>
+            <a:spLocks noGrp="1"/>
+          </p:cNvSpPr>
+          <p:nvPr>
+            <p:ph type="title"/>
+          </p:nvPr>
+        </p:nvSpPr>
+        <p:spPr>
+          <a:solidFill>
+            <a:srgbClr val="000000"/>
+          </a:solidFill>
+          <a:ln>
+            <a:solidFill>
+              <a:schemeClr val="accent1"/>
+            </a:solidFill>
+          </a:ln>
+        </p:spPr>
+        <p:txBody>
+          <a:bodyPr/>
+          <a:lstStyle/>
+          <a:p>
+            <a:r>
+              <a:rPr lang="en-US" dirty="0" smtClean="0"/>
+              <a:t>Example: Unit Test + Demo</a:t>
+            </a:r>
+            <a:endParaRPr lang="en-CA" dirty="0"/>
+          </a:p>
+        </p:txBody>
+      </p:sp>
+      <p:sp>
+        <p:nvSpPr>
+          <p:cNvPr id="3" name="Content Placeholder 2"/>
+          <p:cNvSpPr>
+            <a:spLocks noGrp="1"/>
+          </p:cNvSpPr>
+          <p:nvPr>
+            <p:ph idx="1"/>
+          </p:nvPr>
+        </p:nvSpPr>
+        <p:spPr>
+          <a:solidFill>
+            <a:srgbClr val="000000"/>
+          </a:solidFill>
+          <a:ln>
+            <a:solidFill>
+              <a:schemeClr val="accent1"/>
+            </a:solidFill>
+          </a:ln>
+        </p:spPr>
+        <p:txBody>
+          <a:bodyPr>
+            <a:normAutofit fontScale="47500" lnSpcReduction="20000"/>
+          </a:bodyPr>
+          <a:lstStyle/>
+          <a:p>
+            <a:pPr>
+              <a:buNone/>
+            </a:pPr>
+            <a:r>
+              <a:rPr lang="en-US" dirty="0" smtClean="0"/>
+              <a:t>require '</a:t>
+            </a:r>
+            <a:r>
+              <a:rPr lang="en-US" dirty="0" err="1" smtClean="0"/>
+              <a:t>test_helper</a:t>
+            </a:r>
+            <a:r>
+              <a:rPr lang="en-US" dirty="0" smtClean="0"/>
+              <a:t>'</a:t>
+            </a:r>
+          </a:p>
+          <a:p>
+            <a:pPr>
+              <a:buNone/>
+            </a:pPr>
+            <a:endParaRPr lang="en-US" dirty="0" smtClean="0"/>
+          </a:p>
+          <a:p>
+            <a:pPr>
+              <a:buNone/>
+            </a:pPr>
+            <a:r>
+              <a:rPr lang="en-US" dirty="0" smtClean="0"/>
+              <a:t>class </a:t>
+            </a:r>
+            <a:r>
+              <a:rPr lang="en-US" dirty="0" err="1" smtClean="0"/>
+              <a:t>UserTest</a:t>
+            </a:r>
+            <a:r>
+              <a:rPr lang="en-US" dirty="0" smtClean="0"/>
+              <a:t> &lt; </a:t>
+            </a:r>
+            <a:r>
+              <a:rPr lang="en-US" dirty="0" err="1" smtClean="0"/>
+              <a:t>ActiveSupport</a:t>
+            </a:r>
+            <a:r>
+              <a:rPr lang="en-US" dirty="0" smtClean="0"/>
+              <a:t>::</a:t>
+            </a:r>
+            <a:r>
+              <a:rPr lang="en-US" dirty="0" err="1" smtClean="0"/>
+              <a:t>TestCase</a:t>
+            </a:r>
+            <a:endParaRPr lang="en-US" dirty="0" smtClean="0"/>
+          </a:p>
+          <a:p>
+            <a:pPr>
+              <a:buNone/>
+            </a:pPr>
+            <a:r>
+              <a:rPr lang="en-US" dirty="0" smtClean="0"/>
+              <a:t>	</a:t>
+            </a:r>
+          </a:p>
+          <a:p>
+            <a:pPr>
+              <a:buNone/>
+            </a:pPr>
+            <a:r>
+              <a:rPr lang="en-US" dirty="0" smtClean="0"/>
+              <a:t>  # create a user with necessary, correct input values for the following tests</a:t>
+            </a:r>
+          </a:p>
+          <a:p>
+            <a:pPr>
+              <a:buNone/>
+            </a:pPr>
+            <a:r>
+              <a:rPr lang="en-US" dirty="0" smtClean="0"/>
+              <a:t>  def setup</a:t>
+            </a:r>
+          </a:p>
+          <a:p>
+            <a:pPr>
+              <a:buNone/>
+            </a:pPr>
+            <a:r>
+              <a:rPr lang="en-US" dirty="0" smtClean="0"/>
+              <a:t>  	@user = </a:t>
+            </a:r>
+            <a:r>
+              <a:rPr lang="en-US" dirty="0" err="1" smtClean="0"/>
+              <a:t>User.new</a:t>
+            </a:r>
+            <a:endParaRPr lang="en-US" dirty="0" smtClean="0"/>
+          </a:p>
+          <a:p>
+            <a:pPr>
+              <a:buNone/>
+            </a:pPr>
+            <a:r>
+              <a:rPr lang="en-US" dirty="0" smtClean="0"/>
+              <a:t>  	@</a:t>
+            </a:r>
+            <a:r>
+              <a:rPr lang="en-US" dirty="0" err="1" smtClean="0"/>
+              <a:t>user.username</a:t>
+            </a:r>
+            <a:r>
+              <a:rPr lang="en-US" dirty="0" smtClean="0"/>
+              <a:t> = "</a:t>
+            </a:r>
+            <a:r>
+              <a:rPr lang="en-US" dirty="0" err="1" smtClean="0"/>
+              <a:t>unit_test</a:t>
+            </a:r>
+            <a:r>
+              <a:rPr lang="en-US" dirty="0" smtClean="0"/>
+              <a:t>"</a:t>
+            </a:r>
+          </a:p>
+          <a:p>
+            <a:pPr>
+              <a:buNone/>
+            </a:pPr>
+            <a:r>
+              <a:rPr lang="en-US" dirty="0" smtClean="0"/>
+              <a:t>  	@</a:t>
+            </a:r>
+            <a:r>
+              <a:rPr lang="en-US" dirty="0" err="1" smtClean="0"/>
+              <a:t>user.email</a:t>
+            </a:r>
+            <a:r>
+              <a:rPr lang="en-US" dirty="0" smtClean="0"/>
+              <a:t> = "unit@test.com"</a:t>
+            </a:r>
+          </a:p>
+          <a:p>
+            <a:pPr>
+              <a:buNone/>
+            </a:pPr>
+            <a:r>
+              <a:rPr lang="en-US" dirty="0" smtClean="0"/>
+              <a:t>    	@</a:t>
+            </a:r>
+            <a:r>
+              <a:rPr lang="en-US" dirty="0" err="1" smtClean="0"/>
+              <a:t>user.password</a:t>
+            </a:r>
+            <a:r>
+              <a:rPr lang="en-US" dirty="0" smtClean="0"/>
+              <a:t> = "test"</a:t>
+            </a:r>
+          </a:p>
+          <a:p>
+            <a:pPr>
+              <a:buNone/>
+            </a:pPr>
+            <a:r>
+              <a:rPr lang="en-US" dirty="0" smtClean="0"/>
+              <a:t>    	@</a:t>
+            </a:r>
+            <a:r>
+              <a:rPr lang="en-US" dirty="0" err="1" smtClean="0"/>
+              <a:t>user.password_confirmation</a:t>
+            </a:r>
+            <a:r>
+              <a:rPr lang="en-US" dirty="0" smtClean="0"/>
+              <a:t> = "test"</a:t>
+            </a:r>
+          </a:p>
+          <a:p>
+            <a:pPr>
+              <a:buNone/>
+            </a:pPr>
+            <a:r>
+              <a:rPr lang="en-US" dirty="0" smtClean="0"/>
+              <a:t>  end</a:t>
+            </a:r>
+          </a:p>
+          <a:p>
+            <a:pPr>
+              <a:buNone/>
+            </a:pPr>
+            <a:r>
+              <a:rPr lang="en-US" dirty="0" smtClean="0"/>
+              <a:t>  </a:t>
+            </a:r>
+          </a:p>
+          <a:p>
+            <a:pPr>
+              <a:buNone/>
+            </a:pPr>
+            <a:r>
+              <a:rPr lang="en-US" dirty="0" smtClean="0"/>
+              <a:t>  def </a:t>
+            </a:r>
+            <a:r>
+              <a:rPr lang="en-US" dirty="0" err="1" smtClean="0"/>
+              <a:t>test_username_cannot_be_null</a:t>
+            </a:r>
+            <a:endParaRPr lang="en-US" dirty="0" smtClean="0"/>
+          </a:p>
+          <a:p>
+            <a:pPr>
+              <a:buNone/>
+            </a:pPr>
+            <a:r>
+              <a:rPr lang="en-US" dirty="0" smtClean="0"/>
+              <a:t>    	@</a:t>
+            </a:r>
+            <a:r>
+              <a:rPr lang="en-US" dirty="0" err="1" smtClean="0"/>
+              <a:t>user.username</a:t>
+            </a:r>
+            <a:r>
+              <a:rPr lang="en-US" dirty="0" smtClean="0"/>
+              <a:t> = ""</a:t>
+            </a:r>
+          </a:p>
+          <a:p>
+            <a:pPr>
+              <a:buNone/>
+            </a:pPr>
+            <a:r>
+              <a:rPr lang="en-US" dirty="0" smtClean="0"/>
+              <a:t>    	assert !@</a:t>
+            </a:r>
+            <a:r>
+              <a:rPr lang="en-US" dirty="0" err="1" smtClean="0"/>
+              <a:t>user.save</a:t>
+            </a:r>
+            <a:r>
+              <a:rPr lang="en-US" dirty="0" smtClean="0"/>
+              <a:t>  </a:t>
+            </a:r>
+          </a:p>
+          <a:p>
+            <a:pPr>
+              <a:buNone/>
+            </a:pPr>
+            <a:r>
+              <a:rPr lang="en-US" dirty="0" smtClean="0"/>
+              <a:t>  end</a:t>
+            </a:r>
+          </a:p>
+          <a:p>
+            <a:pPr>
+              <a:buNone/>
+            </a:pPr>
+            <a:endParaRPr lang="en-US" dirty="0" smtClean="0"/>
+          </a:p>
+          <a:p>
+            <a:pPr>
+              <a:buNone/>
+            </a:pPr>
+            <a:r>
+              <a:rPr lang="en-US" dirty="0" smtClean="0"/>
+              <a:t>end</a:t>
+            </a:r>
+            <a:endParaRPr lang="en-CA" dirty="0"/>
+          </a:p>
+        </p:txBody>
+      </p:sp>
+    </p:spTree>
+  </p:cSld>
+  <p:clrMapOvr>
+    <a:masterClrMapping/>
+  </p:clrMapOvr>
+</p:sld>
+</file>
+
+<file path=ppt/slides/slide21.xml><?xml version="1.0" encoding="utf-8"?>
+<p:sld xmlns:a="http://schemas.openxmlformats.org/drawingml/2006/main" xmlns:r="http://schemas.openxmlformats.org/officeDocument/2006/relationships" xmlns:p="http://schemas.openxmlformats.org/presentationml/2006/main">
+  <p:cSld>
+    <p:spTree>
+      <p:nvGrpSpPr>
+        <p:cNvPr id="1" name=""/>
+        <p:cNvGrpSpPr/>
+        <p:nvPr/>
+      </p:nvGrpSpPr>
+      <p:grpSpPr>
+        <a:xfrm>
+          <a:off x="0" y="0"/>
+          <a:ext cx="0" cy="0"/>
+          <a:chOff x="0" y="0"/>
+          <a:chExt cx="0" cy="0"/>
+        </a:xfrm>
+      </p:grpSpPr>
+      <p:sp>
+        <p:nvSpPr>
+          <p:cNvPr id="2" name="Title 1"/>
+          <p:cNvSpPr>
+            <a:spLocks noGrp="1"/>
+          </p:cNvSpPr>
+          <p:nvPr>
+            <p:ph type="title"/>
+          </p:nvPr>
+        </p:nvSpPr>
+        <p:spPr>
+          <a:solidFill>
+            <a:srgbClr val="000000"/>
+          </a:solidFill>
+          <a:ln>
+            <a:solidFill>
+              <a:schemeClr val="accent1"/>
+            </a:solidFill>
+          </a:ln>
+        </p:spPr>
+        <p:txBody>
+          <a:bodyPr/>
+          <a:lstStyle/>
+          <a:p>
+            <a:r>
+              <a:rPr lang="en-US" dirty="0" smtClean="0"/>
+              <a:t>Project Timeline</a:t>
+            </a:r>
+            <a:endParaRPr lang="en-CA" dirty="0"/>
+          </a:p>
+        </p:txBody>
+      </p:sp>
+      <p:sp>
+        <p:nvSpPr>
+          <p:cNvPr id="3" name="Content Placeholder 2"/>
+          <p:cNvSpPr>
+            <a:spLocks noGrp="1"/>
+          </p:cNvSpPr>
+          <p:nvPr>
+            <p:ph idx="1"/>
+          </p:nvPr>
+        </p:nvSpPr>
+        <p:spPr>
+          <a:solidFill>
+            <a:srgbClr val="000000"/>
+          </a:solidFill>
+          <a:ln>
+            <a:solidFill>
+              <a:schemeClr val="accent1"/>
+            </a:solidFill>
+          </a:ln>
+        </p:spPr>
+        <p:txBody>
+          <a:bodyPr/>
+          <a:lstStyle/>
+          <a:p>
+            <a:r>
+              <a:rPr lang="en-US" dirty="0" smtClean="0"/>
+              <a:t>Iteration 1: Inception</a:t>
+            </a:r>
+          </a:p>
+          <a:p>
+            <a:r>
+              <a:rPr lang="en-US" dirty="0" smtClean="0"/>
+              <a:t>Iteration 2: SPIKE project</a:t>
+            </a:r>
+          </a:p>
+          <a:p>
+            <a:r>
+              <a:rPr lang="en-US" dirty="0" smtClean="0"/>
+              <a:t>Iteration 3: Release #1</a:t>
+            </a:r>
+          </a:p>
+          <a:p>
+            <a:r>
+              <a:rPr lang="en-US" dirty="0" smtClean="0"/>
+              <a:t>Iteration 4: Release #2</a:t>
+            </a:r>
+          </a:p>
+          <a:p>
+            <a:r>
+              <a:rPr lang="en-US" dirty="0" smtClean="0"/>
+              <a:t>Iteration 5: Final </a:t>
+            </a:r>
+            <a:r>
+              <a:rPr lang="en-US" dirty="0" err="1" smtClean="0"/>
+              <a:t>Refactored</a:t>
+            </a:r>
+            <a:r>
+              <a:rPr lang="en-US" dirty="0" smtClean="0"/>
+              <a:t> Release</a:t>
+            </a:r>
+          </a:p>
+          <a:p>
+            <a:endParaRPr lang="en-US" dirty="0" smtClean="0"/>
+          </a:p>
+          <a:p>
+            <a:r>
+              <a:rPr lang="en-US" dirty="0" smtClean="0"/>
+              <a:t>Each iteration = ~1 week</a:t>
+            </a:r>
+            <a:endParaRPr lang="en-CA" dirty="0"/>
+          </a:p>
+        </p:txBody>
+      </p:sp>
+    </p:spTree>
+  </p:cSld>
+  <p:clrMapOvr>
+    <a:masterClrMapping/>
+  </p:clrMapOvr>
+</p:sld>
+</file>
+
+<file path=ppt/slides/slide22.xml><?xml version="1.0" encoding="utf-8"?>
 <p:sld xmlns:a="http://schemas.openxmlformats.org/drawingml/2006/main" xmlns:r="http://schemas.openxmlformats.org/officeDocument/2006/relationships" xmlns:p="http://schemas.openxmlformats.org/presentationml/2006/main">
   <p:cSld>
     <p:spTree>
@@ -7867,295 +8515,6 @@
 </p:sld>
 </file>
 
-<file path=ppt/slides/slide21.xml><?xml version="1.0" encoding="utf-8"?>
-<p:sld xmlns:a="http://schemas.openxmlformats.org/drawingml/2006/main" xmlns:r="http://schemas.openxmlformats.org/officeDocument/2006/relationships" xmlns:p="http://schemas.openxmlformats.org/presentationml/2006/main">
-  <p:cSld>
-    <p:spTree>
-      <p:nvGrpSpPr>
-        <p:cNvPr id="1" name=""/>
-        <p:cNvGrpSpPr/>
-        <p:nvPr/>
-      </p:nvGrpSpPr>
-      <p:grpSpPr>
-        <a:xfrm>
-          <a:off x="0" y="0"/>
-          <a:ext cx="0" cy="0"/>
-          <a:chOff x="0" y="0"/>
-          <a:chExt cx="0" cy="0"/>
-        </a:xfrm>
-      </p:grpSpPr>
-      <p:sp>
-        <p:nvSpPr>
-          <p:cNvPr id="2" name="Title 1"/>
-          <p:cNvSpPr>
-            <a:spLocks noGrp="1"/>
-          </p:cNvSpPr>
-          <p:nvPr>
-            <p:ph type="title"/>
-          </p:nvPr>
-        </p:nvSpPr>
-        <p:spPr>
-          <a:solidFill>
-            <a:srgbClr val="000000"/>
-          </a:solidFill>
-          <a:ln>
-            <a:solidFill>
-              <a:schemeClr val="accent1"/>
-            </a:solidFill>
-          </a:ln>
-        </p:spPr>
-        <p:txBody>
-          <a:bodyPr/>
-          <a:lstStyle/>
-          <a:p>
-            <a:r>
-              <a:rPr lang="en-US" dirty="0" smtClean="0"/>
-              <a:t>Project Evaluation and Metrics</a:t>
-            </a:r>
-            <a:endParaRPr lang="en-CA" dirty="0"/>
-          </a:p>
-        </p:txBody>
-      </p:sp>
-      <p:sp>
-        <p:nvSpPr>
-          <p:cNvPr id="3" name="Content Placeholder 2"/>
-          <p:cNvSpPr>
-            <a:spLocks noGrp="1"/>
-          </p:cNvSpPr>
-          <p:nvPr>
-            <p:ph idx="1"/>
-          </p:nvPr>
-        </p:nvSpPr>
-        <p:spPr>
-          <a:solidFill>
-            <a:srgbClr val="000000"/>
-          </a:solidFill>
-          <a:ln>
-            <a:solidFill>
-              <a:schemeClr val="accent1"/>
-            </a:solidFill>
-          </a:ln>
-        </p:spPr>
-        <p:txBody>
-          <a:bodyPr>
-            <a:normAutofit fontScale="85000" lnSpcReduction="20000"/>
-          </a:bodyPr>
-          <a:lstStyle/>
-          <a:p>
-            <a:r>
-              <a:rPr lang="en-US" dirty="0" smtClean="0"/>
-              <a:t>Time spent: (1 unit = 15 minutes)</a:t>
-            </a:r>
-          </a:p>
-          <a:p>
-            <a:r>
-              <a:rPr lang="en-US" dirty="0" smtClean="0"/>
-              <a:t>Total time: </a:t>
-            </a:r>
-          </a:p>
-          <a:p>
-            <a:endParaRPr lang="en-US" dirty="0"/>
-          </a:p>
-          <a:p>
-            <a:r>
-              <a:rPr lang="en-US" dirty="0" smtClean="0"/>
-              <a:t>Coding:</a:t>
-            </a:r>
-          </a:p>
-          <a:p>
-            <a:pPr lvl="1"/>
-            <a:r>
-              <a:rPr lang="en-US" dirty="0" smtClean="0"/>
-              <a:t>Models: 4</a:t>
-            </a:r>
-          </a:p>
-          <a:p>
-            <a:pPr lvl="1"/>
-            <a:r>
-              <a:rPr lang="en-US" dirty="0" smtClean="0"/>
-              <a:t>Views:  26</a:t>
-            </a:r>
-          </a:p>
-          <a:p>
-            <a:pPr lvl="1"/>
-            <a:r>
-              <a:rPr lang="en-US" dirty="0" smtClean="0"/>
-              <a:t>Controllers: 6</a:t>
-            </a:r>
-            <a:endParaRPr lang="en-US" dirty="0"/>
-          </a:p>
-          <a:p>
-            <a:r>
-              <a:rPr lang="en-US" dirty="0" smtClean="0"/>
-              <a:t>Tests:</a:t>
-            </a:r>
-          </a:p>
-          <a:p>
-            <a:pPr lvl="1"/>
-            <a:r>
-              <a:rPr lang="en-US" dirty="0" smtClean="0"/>
-              <a:t>Unit tests: 3</a:t>
-            </a:r>
-          </a:p>
-          <a:p>
-            <a:pPr lvl="1"/>
-            <a:r>
-              <a:rPr lang="en-US" dirty="0" smtClean="0"/>
-              <a:t>Test cases: 17</a:t>
-            </a:r>
-          </a:p>
-          <a:p>
-            <a:pPr lvl="1"/>
-            <a:r>
-              <a:rPr lang="en-US" dirty="0" smtClean="0"/>
-              <a:t>Assertions: 29</a:t>
-            </a:r>
-          </a:p>
-          <a:p>
-            <a:endParaRPr lang="en-US" dirty="0"/>
-          </a:p>
-          <a:p>
-            <a:endParaRPr lang="en-CA" dirty="0"/>
-          </a:p>
-        </p:txBody>
-      </p:sp>
-    </p:spTree>
-  </p:cSld>
-  <p:clrMapOvr>
-    <a:masterClrMapping/>
-  </p:clrMapOvr>
-</p:sld>
-</file>
-
-<file path=ppt/slides/slide22.xml><?xml version="1.0" encoding="utf-8"?>
-<p:sld xmlns:a="http://schemas.openxmlformats.org/drawingml/2006/main" xmlns:r="http://schemas.openxmlformats.org/officeDocument/2006/relationships" xmlns:p="http://schemas.openxmlformats.org/presentationml/2006/main">
-  <p:cSld>
-    <p:spTree>
-      <p:nvGrpSpPr>
-        <p:cNvPr id="1" name=""/>
-        <p:cNvGrpSpPr/>
-        <p:nvPr/>
-      </p:nvGrpSpPr>
-      <p:grpSpPr>
-        <a:xfrm>
-          <a:off x="0" y="0"/>
-          <a:ext cx="0" cy="0"/>
-          <a:chOff x="0" y="0"/>
-          <a:chExt cx="0" cy="0"/>
-        </a:xfrm>
-      </p:grpSpPr>
-      <p:sp>
-        <p:nvSpPr>
-          <p:cNvPr id="2" name="Title 1"/>
-          <p:cNvSpPr>
-            <a:spLocks noGrp="1"/>
-          </p:cNvSpPr>
-          <p:nvPr>
-            <p:ph type="title"/>
-          </p:nvPr>
-        </p:nvSpPr>
-        <p:spPr>
-          <a:solidFill>
-            <a:srgbClr val="000000"/>
-          </a:solidFill>
-          <a:ln>
-            <a:solidFill>
-              <a:schemeClr val="accent1"/>
-            </a:solidFill>
-          </a:ln>
-        </p:spPr>
-        <p:txBody>
-          <a:bodyPr/>
-          <a:lstStyle/>
-          <a:p>
-            <a:r>
-              <a:rPr lang="en-US" dirty="0" smtClean="0"/>
-              <a:t>What did we learn?</a:t>
-            </a:r>
-            <a:endParaRPr lang="en-CA" dirty="0"/>
-          </a:p>
-        </p:txBody>
-      </p:sp>
-      <p:sp>
-        <p:nvSpPr>
-          <p:cNvPr id="3" name="Content Placeholder 2"/>
-          <p:cNvSpPr>
-            <a:spLocks noGrp="1"/>
-          </p:cNvSpPr>
-          <p:nvPr>
-            <p:ph idx="1"/>
-          </p:nvPr>
-        </p:nvSpPr>
-        <p:spPr>
-          <a:solidFill>
-            <a:srgbClr val="000000"/>
-          </a:solidFill>
-          <a:ln>
-            <a:solidFill>
-              <a:schemeClr val="accent1"/>
-            </a:solidFill>
-          </a:ln>
-        </p:spPr>
-        <p:txBody>
-          <a:bodyPr/>
-          <a:lstStyle/>
-          <a:p>
-            <a:r>
-              <a:rPr lang="en-US" dirty="0" smtClean="0"/>
-              <a:t>New methodology: </a:t>
-            </a:r>
-            <a:r>
-              <a:rPr lang="en-US" dirty="0" err="1" smtClean="0"/>
-              <a:t>Xtreme</a:t>
-            </a:r>
-            <a:r>
-              <a:rPr lang="en-US" dirty="0" smtClean="0"/>
-              <a:t> Programming</a:t>
-            </a:r>
-          </a:p>
-          <a:p>
-            <a:pPr lvl="1"/>
-            <a:r>
-              <a:rPr lang="en-US" dirty="0" smtClean="0"/>
-              <a:t>Pair programming</a:t>
-            </a:r>
-          </a:p>
-          <a:p>
-            <a:r>
-              <a:rPr lang="en-US" dirty="0" smtClean="0"/>
-              <a:t>New framework: Ruby on Rails</a:t>
-            </a:r>
-          </a:p>
-          <a:p>
-            <a:r>
-              <a:rPr lang="en-US" dirty="0" smtClean="0"/>
-              <a:t>New language: Ruby</a:t>
-            </a:r>
-          </a:p>
-          <a:p>
-            <a:r>
-              <a:rPr lang="en-US" dirty="0" smtClean="0"/>
-              <a:t>New versioning tool: </a:t>
-            </a:r>
-            <a:r>
-              <a:rPr lang="en-US" dirty="0" err="1" smtClean="0"/>
-              <a:t>Git</a:t>
-            </a:r>
-            <a:endParaRPr lang="en-US" dirty="0" smtClean="0"/>
-          </a:p>
-          <a:p>
-            <a:endParaRPr lang="en-CA" dirty="0"/>
-          </a:p>
-        </p:txBody>
-      </p:sp>
-    </p:spTree>
-  </p:cSld>
-  <p:clrMapOvr>
-    <a:masterClrMapping/>
-  </p:clrMapOvr>
-</p:sld>
-</file>
-
 <file path=ppt/slides/slide23.xml><?xml version="1.0" encoding="utf-8"?>
 <p:sld xmlns:a="http://schemas.openxmlformats.org/drawingml/2006/main" xmlns:r="http://schemas.openxmlformats.org/officeDocument/2006/relationships" xmlns:p="http://schemas.openxmlformats.org/presentationml/2006/main">
   <p:cSld>
@@ -8199,7 +8558,7 @@
           <a:p>
             <a:r>
               <a:rPr lang="en-US" dirty="0" smtClean="0"/>
-              <a:t>Issues and Project Difficulties</a:t>
+              <a:t>Project Evaluation and Metrics</a:t>
             </a:r>
             <a:endParaRPr lang="en-CA" dirty="0"/>
           </a:p>
@@ -8226,26 +8585,84 @@
           </a:ln>
         </p:spPr>
         <p:txBody>
-          <a:bodyPr/>
-          <a:lstStyle/>
-          <a:p>
-            <a:r>
-              <a:rPr lang="en-US" dirty="0" smtClean="0"/>
-              <a:t>Needed additional time to learn new framework and language</a:t>
-            </a:r>
-          </a:p>
-          <a:p>
-            <a:r>
-              <a:rPr lang="en-US" dirty="0" smtClean="0"/>
-              <a:t>Difficulties contacting customers and getting user input</a:t>
-            </a:r>
+          <a:bodyPr>
+            <a:normAutofit fontScale="85000" lnSpcReduction="20000"/>
+          </a:bodyPr>
+          <a:lstStyle/>
+          <a:p>
+            <a:r>
+              <a:rPr lang="en-US" dirty="0" smtClean="0"/>
+              <a:t>Time spent: (1 unit = 15 minutes)</a:t>
+            </a:r>
+          </a:p>
+          <a:p>
+            <a:r>
+              <a:rPr lang="en-US" dirty="0" smtClean="0"/>
+              <a:t>Total time: </a:t>
+            </a:r>
+          </a:p>
+          <a:p>
             <a:endParaRPr lang="en-US" dirty="0"/>
           </a:p>
           <a:p>
             <a:r>
               <a:rPr lang="en-US" dirty="0" smtClean="0"/>
-              <a:t>Technological difficulties: trouble communicating with telescope through Java programs</a:t>
-            </a:r>
+              <a:t>Coding:</a:t>
+            </a:r>
+          </a:p>
+          <a:p>
+            <a:pPr lvl="1"/>
+            <a:r>
+              <a:rPr lang="en-US" dirty="0" smtClean="0"/>
+              <a:t>Models: 4</a:t>
+            </a:r>
+          </a:p>
+          <a:p>
+            <a:pPr lvl="1"/>
+            <a:r>
+              <a:rPr lang="en-US" dirty="0" smtClean="0"/>
+              <a:t>Views:  26</a:t>
+            </a:r>
+          </a:p>
+          <a:p>
+            <a:pPr lvl="1"/>
+            <a:r>
+              <a:rPr lang="en-US" dirty="0" smtClean="0"/>
+              <a:t>Controllers: 6</a:t>
+            </a:r>
+            <a:endParaRPr lang="en-US" dirty="0"/>
+          </a:p>
+          <a:p>
+            <a:r>
+              <a:rPr lang="en-US" dirty="0" smtClean="0"/>
+              <a:t>Tests:</a:t>
+            </a:r>
+          </a:p>
+          <a:p>
+            <a:pPr lvl="1"/>
+            <a:r>
+              <a:rPr lang="en-US" dirty="0" smtClean="0"/>
+              <a:t>Unit tests: 3</a:t>
+            </a:r>
+          </a:p>
+          <a:p>
+            <a:pPr lvl="1"/>
+            <a:r>
+              <a:rPr lang="en-US" dirty="0" smtClean="0"/>
+              <a:t>Test cases: 17</a:t>
+            </a:r>
+          </a:p>
+          <a:p>
+            <a:pPr lvl="1"/>
+            <a:r>
+              <a:rPr lang="en-US" dirty="0" smtClean="0"/>
+              <a:t>Assertions: 29</a:t>
+            </a:r>
+          </a:p>
+          <a:p>
+            <a:endParaRPr lang="en-US" dirty="0"/>
+          </a:p>
+          <a:p>
             <a:endParaRPr lang="en-CA" dirty="0"/>
           </a:p>
         </p:txBody>
@@ -8301,7 +8718,7 @@
           <a:p>
             <a:r>
               <a:rPr lang="en-US" dirty="0" smtClean="0"/>
-              <a:t>Demonstrations</a:t>
+              <a:t>What did we learn?</a:t>
             </a:r>
             <a:endParaRPr lang="en-CA" dirty="0"/>
           </a:p>
@@ -8318,25 +8735,61 @@
           </p:nvPr>
         </p:nvSpPr>
         <p:spPr>
-          <a:noFill/>
+          <a:solidFill>
+            <a:srgbClr val="000000"/>
+          </a:solidFill>
           <a:ln>
-            <a:noFill/>
+            <a:solidFill>
+              <a:schemeClr val="accent1"/>
+            </a:solidFill>
           </a:ln>
         </p:spPr>
         <p:txBody>
-          <a:bodyPr>
-            <a:normAutofit lnSpcReduction="10000"/>
-          </a:bodyPr>
-          <a:lstStyle/>
-          <a:p>
-            <a:pPr algn="ctr">
-              <a:buNone/>
-            </a:pPr>
-            <a:r>
-              <a:rPr lang="en-US" sz="32000" dirty="0" smtClean="0"/>
-              <a:t>!</a:t>
-            </a:r>
-            <a:endParaRPr lang="en-CA" sz="32000" dirty="0" smtClean="0"/>
+          <a:bodyPr/>
+          <a:lstStyle/>
+          <a:p>
+            <a:r>
+              <a:rPr lang="en-US" dirty="0" smtClean="0"/>
+              <a:t>New methodology: </a:t>
+            </a:r>
+            <a:r>
+              <a:rPr lang="en-US" dirty="0" err="1" smtClean="0"/>
+              <a:t>Xtreme</a:t>
+            </a:r>
+            <a:r>
+              <a:rPr lang="en-US" dirty="0" smtClean="0"/>
+              <a:t> Programming</a:t>
+            </a:r>
+          </a:p>
+          <a:p>
+            <a:pPr lvl="1"/>
+            <a:r>
+              <a:rPr lang="en-US" dirty="0" smtClean="0"/>
+              <a:t>Pair programming</a:t>
+            </a:r>
+          </a:p>
+          <a:p>
+            <a:r>
+              <a:rPr lang="en-US" dirty="0" smtClean="0"/>
+              <a:t>New framework: Ruby on Rails</a:t>
+            </a:r>
+          </a:p>
+          <a:p>
+            <a:r>
+              <a:rPr lang="en-US" dirty="0" smtClean="0"/>
+              <a:t>New language: Ruby</a:t>
+            </a:r>
+          </a:p>
+          <a:p>
+            <a:r>
+              <a:rPr lang="en-US" dirty="0" smtClean="0"/>
+              <a:t>New versioning tool: </a:t>
+            </a:r>
+            <a:r>
+              <a:rPr lang="en-US" dirty="0" err="1" smtClean="0"/>
+              <a:t>Git</a:t>
+            </a:r>
+            <a:endParaRPr lang="en-US" dirty="0" smtClean="0"/>
           </a:p>
           <a:p>
             <a:endParaRPr lang="en-CA" dirty="0"/>
@@ -8352,6 +8805,201 @@
 </file>
 
 <file path=ppt/slides/slide25.xml><?xml version="1.0" encoding="utf-8"?>
+<p:sld xmlns:a="http://schemas.openxmlformats.org/drawingml/2006/main" xmlns:r="http://schemas.openxmlformats.org/officeDocument/2006/relationships" xmlns:p="http://schemas.openxmlformats.org/presentationml/2006/main">
+  <p:cSld>
+    <p:spTree>
+      <p:nvGrpSpPr>
+        <p:cNvPr id="1" name=""/>
+        <p:cNvGrpSpPr/>
+        <p:nvPr/>
+      </p:nvGrpSpPr>
+      <p:grpSpPr>
+        <a:xfrm>
+          <a:off x="0" y="0"/>
+          <a:ext cx="0" cy="0"/>
+          <a:chOff x="0" y="0"/>
+          <a:chExt cx="0" cy="0"/>
+        </a:xfrm>
+      </p:grpSpPr>
+      <p:sp>
+        <p:nvSpPr>
+          <p:cNvPr id="2" name="Title 1"/>
+          <p:cNvSpPr>
+            <a:spLocks noGrp="1"/>
+          </p:cNvSpPr>
+          <p:nvPr>
+            <p:ph type="title"/>
+          </p:nvPr>
+        </p:nvSpPr>
+        <p:spPr>
+          <a:solidFill>
+            <a:srgbClr val="000000"/>
+          </a:solidFill>
+          <a:ln>
+            <a:solidFill>
+              <a:schemeClr val="accent1"/>
+            </a:solidFill>
+          </a:ln>
+        </p:spPr>
+        <p:txBody>
+          <a:bodyPr/>
+          <a:lstStyle/>
+          <a:p>
+            <a:r>
+              <a:rPr lang="en-US" dirty="0" smtClean="0"/>
+              <a:t>Issues and Project Difficulties</a:t>
+            </a:r>
+            <a:endParaRPr lang="en-CA" dirty="0"/>
+          </a:p>
+        </p:txBody>
+      </p:sp>
+      <p:sp>
+        <p:nvSpPr>
+          <p:cNvPr id="3" name="Content Placeholder 2"/>
+          <p:cNvSpPr>
+            <a:spLocks noGrp="1"/>
+          </p:cNvSpPr>
+          <p:nvPr>
+            <p:ph idx="1"/>
+          </p:nvPr>
+        </p:nvSpPr>
+        <p:spPr>
+          <a:solidFill>
+            <a:srgbClr val="000000"/>
+          </a:solidFill>
+          <a:ln>
+            <a:solidFill>
+              <a:schemeClr val="accent1"/>
+            </a:solidFill>
+          </a:ln>
+        </p:spPr>
+        <p:txBody>
+          <a:bodyPr/>
+          <a:lstStyle/>
+          <a:p>
+            <a:r>
+              <a:rPr lang="en-US" dirty="0" smtClean="0"/>
+              <a:t>Needed additional time to learn new framework and language</a:t>
+            </a:r>
+          </a:p>
+          <a:p>
+            <a:r>
+              <a:rPr lang="en-US" dirty="0" smtClean="0"/>
+              <a:t>Difficulties contacting customers and getting user input</a:t>
+            </a:r>
+            <a:endParaRPr lang="en-US" dirty="0"/>
+          </a:p>
+          <a:p>
+            <a:r>
+              <a:rPr lang="en-US" dirty="0" smtClean="0"/>
+              <a:t>Technological difficulties: trouble communicating with telescope through Java programs</a:t>
+            </a:r>
+            <a:endParaRPr lang="en-CA" dirty="0"/>
+          </a:p>
+        </p:txBody>
+      </p:sp>
+    </p:spTree>
+  </p:cSld>
+  <p:clrMapOvr>
+    <a:masterClrMapping/>
+  </p:clrMapOvr>
+</p:sld>
+</file>
+
+<file path=ppt/slides/slide26.xml><?xml version="1.0" encoding="utf-8"?>
+<p:sld xmlns:a="http://schemas.openxmlformats.org/drawingml/2006/main" xmlns:r="http://schemas.openxmlformats.org/officeDocument/2006/relationships" xmlns:p="http://schemas.openxmlformats.org/presentationml/2006/main">
+  <p:cSld>
+    <p:spTree>
+      <p:nvGrpSpPr>
+        <p:cNvPr id="1" name=""/>
+        <p:cNvGrpSpPr/>
+        <p:nvPr/>
+      </p:nvGrpSpPr>
+      <p:grpSpPr>
+        <a:xfrm>
+          <a:off x="0" y="0"/>
+          <a:ext cx="0" cy="0"/>
+          <a:chOff x="0" y="0"/>
+          <a:chExt cx="0" cy="0"/>
+        </a:xfrm>
+      </p:grpSpPr>
+      <p:sp>
+        <p:nvSpPr>
+          <p:cNvPr id="2" name="Title 1"/>
+          <p:cNvSpPr>
+            <a:spLocks noGrp="1"/>
+          </p:cNvSpPr>
+          <p:nvPr>
+            <p:ph type="title"/>
+          </p:nvPr>
+        </p:nvSpPr>
+        <p:spPr>
+          <a:solidFill>
+            <a:srgbClr val="000000"/>
+          </a:solidFill>
+          <a:ln>
+            <a:solidFill>
+              <a:schemeClr val="accent1"/>
+            </a:solidFill>
+          </a:ln>
+        </p:spPr>
+        <p:txBody>
+          <a:bodyPr/>
+          <a:lstStyle/>
+          <a:p>
+            <a:r>
+              <a:rPr lang="en-US" dirty="0" smtClean="0"/>
+              <a:t>Demonstrations</a:t>
+            </a:r>
+            <a:endParaRPr lang="en-CA" dirty="0"/>
+          </a:p>
+        </p:txBody>
+      </p:sp>
+      <p:sp>
+        <p:nvSpPr>
+          <p:cNvPr id="3" name="Content Placeholder 2"/>
+          <p:cNvSpPr>
+            <a:spLocks noGrp="1"/>
+          </p:cNvSpPr>
+          <p:nvPr>
+            <p:ph idx="1"/>
+          </p:nvPr>
+        </p:nvSpPr>
+        <p:spPr>
+          <a:noFill/>
+          <a:ln>
+            <a:noFill/>
+          </a:ln>
+        </p:spPr>
+        <p:txBody>
+          <a:bodyPr>
+            <a:normAutofit lnSpcReduction="10000"/>
+          </a:bodyPr>
+          <a:lstStyle/>
+          <a:p>
+            <a:pPr algn="ctr">
+              <a:buNone/>
+            </a:pPr>
+            <a:r>
+              <a:rPr lang="en-US" sz="32000" dirty="0" smtClean="0"/>
+              <a:t>!</a:t>
+            </a:r>
+            <a:endParaRPr lang="en-CA" sz="32000" dirty="0" smtClean="0"/>
+          </a:p>
+          <a:p>
+            <a:endParaRPr lang="en-CA" dirty="0"/>
+          </a:p>
+        </p:txBody>
+      </p:sp>
+    </p:spTree>
+  </p:cSld>
+  <p:clrMapOvr>
+    <a:masterClrMapping/>
+  </p:clrMapOvr>
+</p:sld>
+</file>
+
+<file path=ppt/slides/slide27.xml><?xml version="1.0" encoding="utf-8"?>
 <p:sld xmlns:a="http://schemas.openxmlformats.org/drawingml/2006/main" xmlns:r="http://schemas.openxmlformats.org/officeDocument/2006/relationships" xmlns:p="http://schemas.openxmlformats.org/presentationml/2006/main">
   <p:cSld>
     <p:spTree>
@@ -8735,7 +9383,7 @@
           <a:p>
             <a:r>
               <a:rPr lang="en-US" dirty="0" smtClean="0"/>
-              <a:t>Astronomy is a hobby of theirs, so they own and operate several telescopes.</a:t>
+              <a:t>Astronomy is a hobby of theirs, so they own and operate over 10 telescopes.</a:t>
             </a:r>
           </a:p>
           <a:p>
@@ -8801,26 +9449,14 @@
               <a:schemeClr val="accent1"/>
             </a:solidFill>
           </a:ln>
-          <a:effectLst>
-            <a:glow rad="63500">
-              <a:schemeClr val="accent1">
-                <a:satMod val="175000"/>
-                <a:alpha val="40000"/>
-              </a:schemeClr>
-            </a:glow>
-          </a:effectLst>
         </p:spPr>
         <p:txBody>
           <a:bodyPr/>
           <a:lstStyle/>
           <a:p>
             <a:r>
-              <a:rPr lang="en-US" dirty="0" err="1" smtClean="0"/>
-              <a:t>Xtreme</a:t>
-            </a:r>
-            <a:r>
-              <a:rPr lang="en-US" dirty="0" smtClean="0"/>
-              <a:t> Programming</a:t>
+              <a:rPr lang="en-US" dirty="0" smtClean="0"/>
+              <a:t>Hardware Used</a:t>
             </a:r>
             <a:endParaRPr lang="en-CA" dirty="0"/>
           </a:p>
@@ -8837,10 +9473,6 @@
           </p:nvPr>
         </p:nvSpPr>
         <p:spPr>
-          <a:xfrm>
-            <a:off x="457200" y="1600201"/>
-            <a:ext cx="8229600" cy="4472006"/>
-          </a:xfrm>
           <a:solidFill>
             <a:srgbClr val="000000"/>
           </a:solidFill>
@@ -8849,100 +9481,37 @@
               <a:schemeClr val="accent1"/>
             </a:solidFill>
           </a:ln>
-          <a:effectLst>
-            <a:glow rad="63500">
-              <a:schemeClr val="accent1">
-                <a:satMod val="175000"/>
-                <a:alpha val="40000"/>
-              </a:schemeClr>
-            </a:glow>
-            <a:outerShdw blurRad="107950" dist="12700" dir="5400000" algn="ctr">
-              <a:srgbClr val="000000"/>
-            </a:outerShdw>
-          </a:effectLst>
         </p:spPr>
         <p:txBody>
-          <a:bodyPr>
-            <a:normAutofit fontScale="70000" lnSpcReduction="20000"/>
-          </a:bodyPr>
-          <a:lstStyle/>
-          <a:p>
-            <a:r>
-              <a:rPr lang="en-US" dirty="0" smtClean="0"/>
-              <a:t>Pair programming</a:t>
-            </a:r>
-          </a:p>
-          <a:p>
-            <a:r>
-              <a:rPr lang="en-US" dirty="0" smtClean="0"/>
-              <a:t>Test-driven development</a:t>
-            </a:r>
-          </a:p>
-          <a:p>
-            <a:r>
-              <a:rPr lang="en-US" dirty="0" smtClean="0"/>
-              <a:t>Whole team</a:t>
-            </a:r>
-          </a:p>
-          <a:p>
-            <a:r>
-              <a:rPr lang="en-US" dirty="0" smtClean="0"/>
-              <a:t>Customer tests</a:t>
-            </a:r>
-          </a:p>
-          <a:p>
-            <a:r>
-              <a:rPr lang="en-US" dirty="0" smtClean="0"/>
-              <a:t>Collective code ownership</a:t>
-            </a:r>
-          </a:p>
-          <a:p>
-            <a:r>
-              <a:rPr lang="en-US" dirty="0" smtClean="0"/>
-              <a:t>Sustainable pace</a:t>
-            </a:r>
-          </a:p>
-          <a:p>
-            <a:r>
-              <a:rPr lang="en-US" dirty="0" smtClean="0"/>
-              <a:t>Metaphor</a:t>
-            </a:r>
-          </a:p>
-          <a:p>
-            <a:r>
-              <a:rPr lang="en-US" dirty="0" smtClean="0"/>
-              <a:t>Simple design</a:t>
-            </a:r>
-          </a:p>
-          <a:p>
-            <a:r>
-              <a:rPr lang="en-US" dirty="0" smtClean="0"/>
-              <a:t>Design improvement</a:t>
-            </a:r>
-          </a:p>
-          <a:p>
-            <a:r>
-              <a:rPr lang="en-US" dirty="0" smtClean="0"/>
-              <a:t>Planning game</a:t>
-            </a:r>
-          </a:p>
-          <a:p>
-            <a:r>
-              <a:rPr lang="en-US" dirty="0" smtClean="0"/>
-              <a:t>Small releases</a:t>
-            </a:r>
-          </a:p>
-          <a:p>
-            <a:r>
-              <a:rPr lang="en-US" dirty="0" smtClean="0"/>
-              <a:t>Coding Standards</a:t>
-            </a:r>
-          </a:p>
-          <a:p>
-            <a:r>
-              <a:rPr lang="en-US" dirty="0" smtClean="0"/>
-              <a:t>Continuous integration</a:t>
-            </a:r>
+          <a:bodyPr/>
+          <a:lstStyle/>
+          <a:p>
+            <a:r>
+              <a:rPr lang="en-US" dirty="0" smtClean="0"/>
+              <a:t>Telescope: Meade LX200</a:t>
+            </a:r>
+          </a:p>
+          <a:p>
+            <a:r>
+              <a:rPr lang="en-US" dirty="0" smtClean="0"/>
+              <a:t>Digital camera: Sony A900 DSLR</a:t>
+            </a:r>
+          </a:p>
+          <a:p>
+            <a:r>
+              <a:rPr lang="en-US" dirty="0" smtClean="0"/>
+              <a:t>Mobile device: Nokia phones, Apple </a:t>
+            </a:r>
+            <a:r>
+              <a:rPr lang="en-US" dirty="0" err="1" smtClean="0"/>
+              <a:t>iPhone</a:t>
+            </a:r>
+            <a:endParaRPr lang="en-US" dirty="0" smtClean="0"/>
+          </a:p>
+          <a:p>
+            <a:endParaRPr lang="en-US" dirty="0" smtClean="0"/>
+          </a:p>
+          <a:p>
             <a:endParaRPr lang="en-CA" dirty="0"/>
           </a:p>
         </p:txBody>
@@ -9005,7 +9574,7 @@
           <a:p>
             <a:r>
               <a:rPr lang="en-US" dirty="0" smtClean="0"/>
-              <a:t>Hardware Used</a:t>
+              <a:t>Software Used</a:t>
             </a:r>
             <a:endParaRPr lang="en-CA" dirty="0"/>
           </a:p>
@@ -9037,27 +9606,54 @@
           <a:p>
             <a:r>
               <a:rPr lang="en-US" dirty="0" smtClean="0"/>
-              <a:t>Telescope: Meade LX200</a:t>
-            </a:r>
-          </a:p>
-          <a:p>
-            <a:r>
-              <a:rPr lang="en-US" dirty="0" smtClean="0"/>
-              <a:t>Digital camera: Sony A900 DSLR</a:t>
-            </a:r>
-          </a:p>
-          <a:p>
-            <a:r>
-              <a:rPr lang="en-US" dirty="0" smtClean="0"/>
-              <a:t>Mobile device: Nokia phones, Apple </a:t>
+              <a:t>Documentation: Microsoft Word</a:t>
+            </a:r>
+          </a:p>
+          <a:p>
+            <a:r>
+              <a:rPr lang="en-US" dirty="0" smtClean="0"/>
+              <a:t>Modeling: </a:t>
             </a:r>
             <a:r>
               <a:rPr lang="en-US" dirty="0" err="1" smtClean="0"/>
-              <a:t>iPhone</a:t>
+              <a:t>NetBeans</a:t>
+            </a:r>
+            <a:r>
+              <a:rPr lang="en-US" dirty="0" smtClean="0"/>
+              <a:t>, Rational Rose, </a:t>
+            </a:r>
+            <a:r>
+              <a:rPr lang="en-US" dirty="0" err="1" smtClean="0"/>
+              <a:t>RailRoad</a:t>
             </a:r>
             <a:endParaRPr lang="en-US" dirty="0" smtClean="0"/>
           </a:p>
           <a:p>
+            <a:r>
+              <a:rPr lang="en-US" dirty="0" smtClean="0"/>
+              <a:t>Text editors: E, </a:t>
+            </a:r>
+            <a:r>
+              <a:rPr lang="en-US" dirty="0" err="1" smtClean="0"/>
+              <a:t>gedit</a:t>
+            </a:r>
+            <a:r>
+              <a:rPr lang="en-US" dirty="0" smtClean="0"/>
+              <a:t>, vim</a:t>
+            </a:r>
+          </a:p>
+          <a:p>
+            <a:r>
+              <a:rPr lang="en-US" dirty="0" smtClean="0"/>
+              <a:t>Web browsers: Google Chrome, Mozilla Firefox</a:t>
+            </a:r>
+            <a:endParaRPr lang="en-US" dirty="0"/>
+          </a:p>
+          <a:p>
+            <a:endParaRPr lang="en-US" dirty="0" smtClean="0"/>
+          </a:p>
+          <a:p>
+            <a:pPr lvl="1"/>
             <a:endParaRPr lang="en-US" dirty="0" smtClean="0"/>
           </a:p>
           <a:p>
@@ -9123,7 +9719,7 @@
           <a:p>
             <a:r>
               <a:rPr lang="en-US" dirty="0" smtClean="0"/>
-              <a:t>Software Used</a:t>
+              <a:t>Customer’s Programs</a:t>
             </a:r>
             <a:endParaRPr lang="en-CA" dirty="0"/>
           </a:p>
@@ -9140,70 +9736,25 @@
           </p:nvPr>
         </p:nvSpPr>
         <p:spPr>
-          <a:solidFill>
-            <a:srgbClr val="000000"/>
-          </a:solidFill>
+          <a:noFill/>
           <a:ln>
-            <a:solidFill>
-              <a:schemeClr val="accent1"/>
-            </a:solidFill>
+            <a:noFill/>
           </a:ln>
         </p:spPr>
         <p:txBody>
-          <a:bodyPr/>
-          <a:lstStyle/>
-          <a:p>
-            <a:r>
-              <a:rPr lang="en-US" dirty="0" smtClean="0"/>
-              <a:t>Documentation: Microsoft Word</a:t>
-            </a:r>
-          </a:p>
-          <a:p>
-            <a:r>
-              <a:rPr lang="en-US" dirty="0" smtClean="0"/>
-              <a:t>Modeling: </a:t>
-            </a:r>
-            <a:r>
-              <a:rPr lang="en-US" dirty="0" err="1" smtClean="0"/>
-              <a:t>NetBeans</a:t>
-            </a:r>
-            <a:r>
-              <a:rPr lang="en-US" dirty="0" smtClean="0"/>
-              <a:t>, Rational Rose, </a:t>
-            </a:r>
-            <a:r>
-              <a:rPr lang="en-US" dirty="0" err="1" smtClean="0"/>
-              <a:t>RailRoad</a:t>
-            </a:r>
-            <a:endParaRPr lang="en-US" dirty="0" smtClean="0"/>
-          </a:p>
-          <a:p>
-            <a:r>
-              <a:rPr lang="en-US" dirty="0" smtClean="0"/>
-              <a:t>Text editors: E, </a:t>
-            </a:r>
-            <a:r>
-              <a:rPr lang="en-US" dirty="0" err="1" smtClean="0"/>
-              <a:t>gedit</a:t>
-            </a:r>
-            <a:r>
-              <a:rPr lang="en-US" dirty="0" smtClean="0"/>
-              <a:t>, vim</a:t>
-            </a:r>
-          </a:p>
-          <a:p>
-            <a:r>
-              <a:rPr lang="en-US" dirty="0" smtClean="0"/>
-              <a:t>Web browsers: Google Chrome, Mozilla Firefox</a:t>
-            </a:r>
-            <a:endParaRPr lang="en-US" dirty="0"/>
-          </a:p>
-          <a:p>
-            <a:endParaRPr lang="en-US" dirty="0" smtClean="0"/>
-          </a:p>
-          <a:p>
-            <a:pPr lvl="1"/>
-            <a:endParaRPr lang="en-US" dirty="0" smtClean="0"/>
+          <a:bodyPr>
+            <a:normAutofit lnSpcReduction="10000"/>
+          </a:bodyPr>
+          <a:lstStyle/>
+          <a:p>
+            <a:pPr algn="ctr">
+              <a:buNone/>
+            </a:pPr>
+            <a:r>
+              <a:rPr lang="en-US" sz="32000" dirty="0" smtClean="0"/>
+              <a:t>!</a:t>
+            </a:r>
+            <a:endParaRPr lang="en-CA" sz="32000" dirty="0" smtClean="0"/>
           </a:p>
           <a:p>
             <a:endParaRPr lang="en-CA" dirty="0"/>
@@ -9215,13 +9766,6 @@
   <p:clrMapOvr>
     <a:masterClrMapping/>
   </p:clrMapOvr>
-  <p:timing>
-    <p:tnLst>
-      <p:par>
-        <p:cTn id="1" dur="indefinite" restart="never" nodeType="tmRoot"/>
-      </p:par>
-    </p:tnLst>
-  </p:timing>
 </p:sld>
 </file>
 
@@ -9261,14 +9805,26 @@
               <a:schemeClr val="accent1"/>
             </a:solidFill>
           </a:ln>
+          <a:effectLst>
+            <a:glow rad="63500">
+              <a:schemeClr val="accent1">
+                <a:satMod val="175000"/>
+                <a:alpha val="40000"/>
+              </a:schemeClr>
+            </a:glow>
+          </a:effectLst>
         </p:spPr>
         <p:txBody>
           <a:bodyPr/>
           <a:lstStyle/>
           <a:p>
             <a:r>
-              <a:rPr lang="en-US" dirty="0" smtClean="0"/>
-              <a:t>Web Application Components</a:t>
+              <a:rPr lang="en-US" dirty="0" err="1" smtClean="0"/>
+              <a:t>Xtreme</a:t>
+            </a:r>
+            <a:r>
+              <a:rPr lang="en-US" dirty="0" smtClean="0"/>
+              <a:t> Programming</a:t>
             </a:r>
             <a:endParaRPr lang="en-CA" dirty="0"/>
           </a:p>
@@ -9285,6 +9841,10 @@
           </p:nvPr>
         </p:nvSpPr>
         <p:spPr>
+          <a:xfrm>
+            <a:off x="457200" y="1600201"/>
+            <a:ext cx="8229600" cy="4472006"/>
+          </a:xfrm>
           <a:solidFill>
             <a:srgbClr val="000000"/>
           </a:solidFill>
@@ -9293,50 +9853,99 @@
               <a:schemeClr val="accent1"/>
             </a:solidFill>
           </a:ln>
+          <a:effectLst>
+            <a:glow rad="63500">
+              <a:schemeClr val="accent1">
+                <a:satMod val="175000"/>
+                <a:alpha val="40000"/>
+              </a:schemeClr>
+            </a:glow>
+            <a:outerShdw blurRad="107950" dist="12700" dir="5400000" algn="ctr">
+              <a:srgbClr val="000000"/>
+            </a:outerShdw>
+          </a:effectLst>
         </p:spPr>
         <p:txBody>
           <a:bodyPr>
-            <a:normAutofit/>
+            <a:normAutofit fontScale="70000" lnSpcReduction="20000"/>
           </a:bodyPr>
           <a:lstStyle/>
           <a:p>
             <a:r>
               <a:rPr lang="en-US" dirty="0" smtClean="0"/>
-              <a:t>Framework: Ruby on Rails</a:t>
-            </a:r>
-          </a:p>
-          <a:p>
-            <a:r>
-              <a:rPr lang="en-US" dirty="0" smtClean="0"/>
-              <a:t>Language: Ruby</a:t>
-            </a:r>
-          </a:p>
-          <a:p>
-            <a:r>
-              <a:rPr lang="en-US" dirty="0" smtClean="0"/>
-              <a:t>Presentation: CSS</a:t>
-            </a:r>
-          </a:p>
-          <a:p>
-            <a:r>
-              <a:rPr lang="en-US" dirty="0" smtClean="0"/>
-              <a:t>Operating System: Fedora 11</a:t>
-            </a:r>
-          </a:p>
-          <a:p>
-            <a:r>
-              <a:rPr lang="en-US" dirty="0" smtClean="0"/>
-              <a:t>Web Server: Apache2 (Mongrel for development)</a:t>
-            </a:r>
-          </a:p>
-          <a:p>
-            <a:r>
-              <a:rPr lang="en-US" dirty="0" smtClean="0"/>
-              <a:t>Database: </a:t>
-            </a:r>
-            <a:r>
-              <a:rPr lang="en-US" dirty="0" err="1" smtClean="0"/>
-              <a:t>SQLite</a:t>
+              <a:t>Pair programming</a:t>
+            </a:r>
+          </a:p>
+          <a:p>
+            <a:r>
+              <a:rPr lang="en-US" dirty="0" smtClean="0"/>
+              <a:t>Test-driven development</a:t>
+            </a:r>
+          </a:p>
+          <a:p>
+            <a:r>
+              <a:rPr lang="en-US" dirty="0" smtClean="0"/>
+              <a:t>Whole team</a:t>
+            </a:r>
+          </a:p>
+          <a:p>
+            <a:r>
+              <a:rPr lang="en-US" dirty="0" smtClean="0"/>
+              <a:t>Customer tests</a:t>
+            </a:r>
+          </a:p>
+          <a:p>
+            <a:r>
+              <a:rPr lang="en-US" dirty="0" smtClean="0"/>
+              <a:t>Collective code ownership</a:t>
+            </a:r>
+          </a:p>
+          <a:p>
+            <a:r>
+              <a:rPr lang="en-US" dirty="0" smtClean="0"/>
+              <a:t>Sustainable pace</a:t>
+            </a:r>
+          </a:p>
+          <a:p>
+            <a:r>
+              <a:rPr lang="en-US" dirty="0" smtClean="0"/>
+              <a:t>Metaphor</a:t>
+            </a:r>
+          </a:p>
+          <a:p>
+            <a:r>
+              <a:rPr lang="en-US" dirty="0" smtClean="0"/>
+              <a:t>Simple design</a:t>
+            </a:r>
+          </a:p>
+          <a:p>
+            <a:r>
+              <a:rPr lang="en-US" dirty="0" smtClean="0"/>
+              <a:t>Design improvement</a:t>
+            </a:r>
+          </a:p>
+          <a:p>
+            <a:r>
+              <a:rPr lang="en-US" dirty="0" smtClean="0"/>
+              <a:t>Planning game</a:t>
+            </a:r>
+          </a:p>
+          <a:p>
+            <a:r>
+              <a:rPr lang="en-US" dirty="0" smtClean="0"/>
+              <a:t>Small releases</a:t>
+            </a:r>
+          </a:p>
+          <a:p>
+            <a:r>
+              <a:rPr lang="en-US" dirty="0" smtClean="0"/>
+              <a:t>Coding Standards</a:t>
+            </a:r>
+          </a:p>
+          <a:p>
+            <a:r>
+              <a:rPr lang="en-US" dirty="0" smtClean="0"/>
+              <a:t>Continuous integration</a:t>
             </a:r>
             <a:endParaRPr lang="en-CA" dirty="0"/>
           </a:p>
@@ -9347,6 +9956,13 @@
   <p:clrMapOvr>
     <a:masterClrMapping/>
   </p:clrMapOvr>
+  <p:timing>
+    <p:tnLst>
+      <p:par>
+        <p:cTn id="1" dur="indefinite" restart="never" nodeType="tmRoot"/>
+      </p:par>
+    </p:tnLst>
+  </p:timing>
 </p:sld>
 </file>
 

--- a/Stargazer.pptx
+++ b/Stargazer.pptx
@@ -5016,11 +5016,7 @@
             </a:r>
             <a:r>
               <a:rPr lang="en-US" dirty="0" smtClean="0"/>
-              <a:t> </a:t>
-            </a:r>
-            <a:r>
-              <a:rPr lang="en-US" dirty="0" smtClean="0"/>
-              <a:t>Programming SPIKE + Demo</a:t>
+              <a:t> Programming SPIKE + Demo</a:t>
             </a:r>
             <a:endParaRPr lang="en-CA" dirty="0"/>
           </a:p>
@@ -5069,11 +5065,7 @@
           <a:p>
             <a:r>
               <a:rPr lang="en-US" dirty="0" smtClean="0"/>
-              <a:t>In order to learn the fundamentals of XP, we had a 6.5 week SPIKE project whos</a:t>
-            </a:r>
-            <a:r>
-              <a:rPr lang="en-US" dirty="0" smtClean="0"/>
-              <a:t>e goal is to emulate a board game called DVONN.</a:t>
+              <a:t>In order to learn the fundamentals of XP, we had a 6.5 week SPIKE project whose goal is to emulate a board game called DVONN.</a:t>
             </a:r>
           </a:p>
           <a:p>
@@ -5091,11 +5083,7 @@
           <a:p>
             <a:r>
               <a:rPr lang="en-US" dirty="0" smtClean="0"/>
-              <a:t>For more information on the game, see</a:t>
-            </a:r>
-            <a:r>
-              <a:rPr lang="en-US" dirty="0" smtClean="0"/>
-              <a:t>:  http://www.gipf.com/dvonn/index.html</a:t>
+              <a:t>For more information on the game, see:  http://www.gipf.com/dvonn/index.html</a:t>
             </a:r>
             <a:endParaRPr lang="en-CA" dirty="0"/>
           </a:p>
@@ -5687,7 +5675,7 @@
       </p:sp>
       <p:pic>
         <p:nvPicPr>
-          <p:cNvPr id="1026" name="Picture 2" descr="C:\Documents and Settings\Robert Grmek\rails\documentation\Stargazer_UseCase.gif"/>
+          <p:cNvPr id="1027" name="Picture 3" descr="C:\Documents and Settings\Robert Grmek\rails\documentation\Stargazer_UseCase.gif"/>
           <p:cNvPicPr>
             <a:picLocks noGrp="1" noChangeAspect="1" noChangeArrowheads="1"/>
           </p:cNvPicPr>
@@ -5704,8 +5692,8 @@
         </p:blipFill>
         <p:spPr bwMode="auto">
           <a:xfrm>
-            <a:off x="2143108" y="1603664"/>
-            <a:ext cx="4930422" cy="5035456"/>
+            <a:off x="1928794" y="1633152"/>
+            <a:ext cx="5166795" cy="5224848"/>
           </a:xfrm>
           <a:prstGeom prst="rect">
             <a:avLst/>

--- a/Stargazer.pptx
+++ b/Stargazer.pptx
@@ -5441,15 +5441,8 @@
             <a:pPr lvl="1"/>
             <a:r>
               <a:rPr lang="en-US" dirty="0" smtClean="0"/>
-              <a:t>See: </a:t>
-            </a:r>
-            <a:r>
-              <a:rPr lang="en-US" dirty="0" smtClean="0">
-                <a:hlinkClick r:id="rId2"/>
-              </a:rPr>
-              <a:t>http://whygitisbetterthanx.com/</a:t>
-            </a:r>
-            <a:endParaRPr lang="en-US" dirty="0" smtClean="0"/>
+              <a:t>See: http://whygitisbetterthanx.com/</a:t>
+            </a:r>
           </a:p>
           <a:p>
             <a:pPr lvl="2"/>
@@ -5502,23 +5495,14 @@
             <a:r>
               <a:rPr lang="en-US" dirty="0" smtClean="0">
                 <a:solidFill>
-                  <a:srgbClr val="FF0000"/>
+                  <a:schemeClr val="bg1"/>
                 </a:solidFill>
-                <a:hlinkClick r:id="rId3"/>
               </a:rPr>
               <a:t>http://github.com/RedTeamCOSC470/Stargazer</a:t>
             </a:r>
-            <a:r>
-              <a:rPr lang="en-US" dirty="0" smtClean="0">
-                <a:solidFill>
-                  <a:srgbClr val="FF0000"/>
-                </a:solidFill>
-              </a:rPr>
-              <a:t> </a:t>
-            </a:r>
             <a:endParaRPr lang="en-CA" dirty="0">
               <a:solidFill>
-                <a:srgbClr val="FF0000"/>
+                <a:schemeClr val="bg1"/>
               </a:solidFill>
             </a:endParaRPr>
           </a:p>
@@ -5850,25 +5834,34 @@
           </a:p>
         </p:txBody>
       </p:sp>
-      <p:sp>
-        <p:nvSpPr>
-          <p:cNvPr id="4" name="Content Placeholder 3"/>
-          <p:cNvSpPr>
-            <a:spLocks noGrp="1"/>
-          </p:cNvSpPr>
+      <p:pic>
+        <p:nvPicPr>
+          <p:cNvPr id="1026" name="Picture 2" descr="C:\Documents and Settings\Robert Grmek\rails\documentation\Stargazer_SequenceDiagram_NewSchedule.gif"/>
+          <p:cNvPicPr>
+            <a:picLocks noGrp="1" noChangeAspect="1" noChangeArrowheads="1"/>
+          </p:cNvPicPr>
           <p:nvPr>
             <p:ph idx="1"/>
           </p:nvPr>
-        </p:nvSpPr>
-        <p:spPr/>
-        <p:txBody>
-          <a:bodyPr/>
-          <a:lstStyle/>
-          <a:p>
-            <a:endParaRPr lang="en-US"/>
-          </a:p>
-        </p:txBody>
-      </p:sp>
+        </p:nvPicPr>
+        <p:blipFill>
+          <a:blip r:embed="rId3"/>
+          <a:srcRect/>
+          <a:stretch>
+            <a:fillRect/>
+          </a:stretch>
+        </p:blipFill>
+        <p:spPr bwMode="auto">
+          <a:xfrm>
+            <a:off x="1214414" y="1714488"/>
+            <a:ext cx="6502329" cy="4818878"/>
+          </a:xfrm>
+          <a:prstGeom prst="rect">
+            <a:avLst/>
+          </a:prstGeom>
+          <a:noFill/>
+        </p:spPr>
+      </p:pic>
     </p:spTree>
   </p:cSld>
   <p:clrMapOvr>
@@ -9366,7 +9359,9 @@
           </a:ln>
         </p:spPr>
         <p:txBody>
-          <a:bodyPr/>
+          <a:bodyPr>
+            <a:normAutofit fontScale="92500" lnSpcReduction="20000"/>
+          </a:bodyPr>
           <a:lstStyle/>
           <a:p>
             <a:r>
@@ -9382,6 +9377,17 @@
               <a:rPr lang="en-US" dirty="0" smtClean="0"/>
               <a:t>As of now, Sasha and Nan (our customers), use a manual process for achieving their goals of positioning the telescope and finding new celestial objects. </a:t>
             </a:r>
+          </a:p>
+          <a:p>
+            <a:endParaRPr lang="en-US" dirty="0" smtClean="0"/>
+          </a:p>
+          <a:p>
+            <a:r>
+              <a:rPr lang="en-US" dirty="0" smtClean="0"/>
+              <a:t>Video showing images they have captured: http://www.youtube.com/user/lyuks</a:t>
+            </a:r>
+          </a:p>
+          <a:p>
             <a:endParaRPr lang="en-CA" dirty="0"/>
           </a:p>
         </p:txBody>

--- a/Stargazer.pptx
+++ b/Stargazer.pptx
@@ -219,7 +219,7 @@
             <a:fld id="{2AAFEF68-1DE9-47A7-9FE3-8BA9D24E7EE3}" type="datetimeFigureOut">
               <a:rPr lang="en-US" smtClean="0"/>
               <a:pPr/>
-              <a:t>12/2/2009</a:t>
+              <a:t>12/3/2009</a:t>
             </a:fld>
             <a:endParaRPr lang="en-CA"/>
           </a:p>
@@ -589,7 +589,15 @@
             </a:r>
             <a:r>
               <a:rPr lang="en-US" baseline="0" dirty="0" smtClean="0"/>
-              <a:t> have no restrictions and can manage users (add, edit, update), and can make changes to any schedule. Regular users can only add new schedules as well as edit and update their own schedules. They are also able to view other schedules, but not many changes to them, and edit their own profile (change username, password, email).</a:t>
+              <a:t> have no restrictions and can manage users (add, edit, update), and can make changes to any schedule. Regular users can only add new schedules as well as edit and update their own schedules. They are also able to view other schedules, but not </a:t>
+            </a:r>
+            <a:r>
+              <a:rPr lang="en-US" baseline="0" dirty="0" smtClean="0"/>
+              <a:t>make any </a:t>
+            </a:r>
+            <a:r>
+              <a:rPr lang="en-US" baseline="0" dirty="0" smtClean="0"/>
+              <a:t>changes to them, and edit their own profile (change username, password, email).</a:t>
             </a:r>
           </a:p>
           <a:p>
@@ -715,11 +723,79 @@
           <a:p>
             <a:r>
               <a:rPr lang="en-US" dirty="0" smtClean="0"/>
-              <a:t>To </a:t>
-            </a:r>
-            <a:r>
-              <a:rPr lang="en-US" smtClean="0"/>
-              <a:t>be added</a:t>
+              <a:t>ROB:</a:t>
+            </a:r>
+          </a:p>
+          <a:p>
+            <a:endParaRPr lang="en-US" dirty="0" smtClean="0"/>
+          </a:p>
+          <a:p>
+            <a:r>
+              <a:rPr lang="en-US" dirty="0" smtClean="0"/>
+              <a:t>For our versioning control tool we used Git.</a:t>
+            </a:r>
+            <a:r>
+              <a:rPr lang="en-US" baseline="0" dirty="0" smtClean="0"/>
+              <a:t> A lot of people nowadays are using Git for the reasons mentioned at the link. What drove me to choose </a:t>
+            </a:r>
+            <a:r>
+              <a:rPr lang="en-US" baseline="0" dirty="0" err="1" smtClean="0"/>
+              <a:t>git</a:t>
+            </a:r>
+            <a:r>
+              <a:rPr lang="en-US" baseline="0" dirty="0" smtClean="0"/>
+              <a:t> as our versioning tool was a presentation </a:t>
+            </a:r>
+            <a:r>
+              <a:rPr lang="en-US" baseline="0" dirty="0" err="1" smtClean="0"/>
+              <a:t>Linus</a:t>
+            </a:r>
+            <a:r>
+              <a:rPr lang="en-US" baseline="0" dirty="0" smtClean="0"/>
+              <a:t> </a:t>
+            </a:r>
+            <a:r>
+              <a:rPr lang="en-US" baseline="0" dirty="0" err="1" smtClean="0"/>
+              <a:t>Torvalds</a:t>
+            </a:r>
+            <a:r>
+              <a:rPr lang="en-US" baseline="0" dirty="0" smtClean="0"/>
+              <a:t> gave at a Google conference listing all the reasons which explains his reasons for developing this tool.</a:t>
+            </a:r>
+          </a:p>
+          <a:p>
+            <a:endParaRPr lang="en-US" baseline="0" dirty="0" smtClean="0"/>
+          </a:p>
+          <a:p>
+            <a:r>
+              <a:rPr lang="en-US" baseline="0" dirty="0" smtClean="0"/>
+              <a:t>It’s small, fast, easy to learn and can be used in a distributed environment. The reason why it’s so fast is because everything is local except when pushing and pulling commits to and from remote destinations which is the most time consuming activity and allows for work to be done offline as well. Network access isn’t necessary for most actions.</a:t>
+            </a:r>
+          </a:p>
+          <a:p>
+            <a:endParaRPr lang="en-US" baseline="0" dirty="0" smtClean="0"/>
+          </a:p>
+          <a:p>
+            <a:r>
+              <a:rPr lang="en-US" baseline="0" dirty="0" smtClean="0"/>
+              <a:t>We use a </a:t>
+            </a:r>
+            <a:r>
+              <a:rPr lang="en-US" baseline="0" dirty="0" err="1" smtClean="0"/>
+              <a:t>GitHub</a:t>
+            </a:r>
+            <a:r>
+              <a:rPr lang="en-US" baseline="0" dirty="0" smtClean="0"/>
+              <a:t> account to host our source code and acts as our remote repository and it can be seen at the following link location.</a:t>
+            </a:r>
+          </a:p>
+          <a:p>
+            <a:endParaRPr lang="en-US" baseline="0" dirty="0" smtClean="0"/>
+          </a:p>
+          <a:p>
+            <a:r>
+              <a:rPr lang="en-US" dirty="0" smtClean="0"/>
+              <a:t>http://www.youtube.com/watch?v=4XpnKHJAok8</a:t>
             </a:r>
             <a:endParaRPr lang="en-US" dirty="0"/>
           </a:p>
@@ -743,7 +819,7 @@
             <a:fld id="{64EF572D-EF5B-479C-89C5-F647D7191839}" type="slidenum">
               <a:rPr lang="en-CA" smtClean="0"/>
               <a:pPr/>
-              <a:t>17</a:t>
+              <a:t>13</a:t>
             </a:fld>
             <a:endParaRPr lang="en-CA"/>
           </a:p>
@@ -803,8 +879,51 @@
           </a:bodyPr>
           <a:lstStyle/>
           <a:p>
-            <a:r>
-              <a:rPr lang="en-US" sz="1200" kern="1200" dirty="0" smtClean="0">
+            <a:pPr marL="0" marR="0" indent="0" algn="l" defTabSz="914400" rtl="0" eaLnBrk="1" fontAlgn="auto" latinLnBrk="0" hangingPunct="1">
+              <a:lnSpc>
+                <a:spcPct val="100000"/>
+              </a:lnSpc>
+              <a:spcBef>
+                <a:spcPts val="0"/>
+              </a:spcBef>
+              <a:spcAft>
+                <a:spcPts val="0"/>
+              </a:spcAft>
+              <a:buClrTx/>
+              <a:buSzTx/>
+              <a:buFontTx/>
+              <a:buNone/>
+              <a:tabLst/>
+              <a:defRPr/>
+            </a:pPr>
+            <a:r>
+              <a:rPr lang="en-US" dirty="0" smtClean="0"/>
+              <a:t>ROB:</a:t>
+            </a:r>
+          </a:p>
+          <a:p>
+            <a:endParaRPr lang="en-CA" dirty="0" smtClean="0"/>
+          </a:p>
+          <a:p>
+            <a:pPr marL="0" marR="0" lvl="1" indent="0" algn="l" defTabSz="914400" rtl="0" eaLnBrk="1" fontAlgn="auto" latinLnBrk="0" hangingPunct="1">
+              <a:lnSpc>
+                <a:spcPct val="100000"/>
+              </a:lnSpc>
+              <a:spcBef>
+                <a:spcPts val="0"/>
+              </a:spcBef>
+              <a:spcAft>
+                <a:spcPts val="0"/>
+              </a:spcAft>
+              <a:buClrTx/>
+              <a:buSzTx/>
+              <a:buFontTx/>
+              <a:buNone/>
+              <a:tabLst/>
+              <a:defRPr/>
+            </a:pPr>
+            <a:r>
+              <a:rPr lang="en-CA" sz="1200" kern="1200" dirty="0" smtClean="0">
                 <a:solidFill>
                   <a:schemeClr val="tx1"/>
                 </a:solidFill>
@@ -812,12 +931,10 @@
                 <a:ea typeface="+mn-ea"/>
                 <a:cs typeface="+mn-cs"/>
               </a:rPr>
-              <a:t>Probabilities can be: low, moderate, high.</a:t>
-            </a:r>
-          </a:p>
-          <a:p>
-            <a:r>
-              <a:rPr lang="en-US" sz="1200" kern="1200" smtClean="0">
+              <a:t>So here is how the</a:t>
+            </a:r>
+            <a:r>
+              <a:rPr lang="en-CA" sz="1200" kern="1200" baseline="0" dirty="0" smtClean="0">
                 <a:solidFill>
                   <a:schemeClr val="tx1"/>
                 </a:solidFill>
@@ -825,9 +942,213 @@
                 <a:ea typeface="+mn-ea"/>
                 <a:cs typeface="+mn-cs"/>
               </a:rPr>
-              <a:t>Effects can be: tolerable, serious and catastrophic</a:t>
-            </a:r>
-            <a:endParaRPr lang="en-US"/>
+              <a:t> architecture of our system will look like once all the components are completed. Right now, we still need to create the Java application which is a very large core of our system which will do the actual communication with the telescope and camera.</a:t>
+            </a:r>
+          </a:p>
+          <a:p>
+            <a:pPr marL="0" marR="0" lvl="1" indent="0" algn="l" defTabSz="914400" rtl="0" eaLnBrk="1" fontAlgn="auto" latinLnBrk="0" hangingPunct="1">
+              <a:lnSpc>
+                <a:spcPct val="100000"/>
+              </a:lnSpc>
+              <a:spcBef>
+                <a:spcPts val="0"/>
+              </a:spcBef>
+              <a:spcAft>
+                <a:spcPts val="0"/>
+              </a:spcAft>
+              <a:buClrTx/>
+              <a:buSzTx/>
+              <a:buFontTx/>
+              <a:buNone/>
+              <a:tabLst/>
+              <a:defRPr/>
+            </a:pPr>
+            <a:endParaRPr lang="en-CA" sz="1200" kern="1200" baseline="0" dirty="0" smtClean="0">
+              <a:solidFill>
+                <a:schemeClr val="tx1"/>
+              </a:solidFill>
+              <a:latin typeface="+mn-lt"/>
+              <a:ea typeface="+mn-ea"/>
+              <a:cs typeface="+mn-cs"/>
+            </a:endParaRPr>
+          </a:p>
+          <a:p>
+            <a:pPr marL="0" marR="0" lvl="1" indent="0" algn="l" defTabSz="914400" rtl="0" eaLnBrk="1" fontAlgn="auto" latinLnBrk="0" hangingPunct="1">
+              <a:lnSpc>
+                <a:spcPct val="100000"/>
+              </a:lnSpc>
+              <a:spcBef>
+                <a:spcPts val="0"/>
+              </a:spcBef>
+              <a:spcAft>
+                <a:spcPts val="0"/>
+              </a:spcAft>
+              <a:buClrTx/>
+              <a:buSzTx/>
+              <a:buFontTx/>
+              <a:buNone/>
+              <a:tabLst/>
+              <a:defRPr/>
+            </a:pPr>
+            <a:r>
+              <a:rPr lang="en-AU" sz="1200" kern="1200" dirty="0" smtClean="0">
+                <a:solidFill>
+                  <a:schemeClr val="tx1"/>
+                </a:solidFill>
+                <a:latin typeface="+mn-lt"/>
+                <a:ea typeface="+mn-ea"/>
+                <a:cs typeface="+mn-cs"/>
+              </a:rPr>
+              <a:t>Using a web browser, users will</a:t>
+            </a:r>
+            <a:r>
+              <a:rPr lang="en-AU" sz="1200" kern="1200" baseline="0" dirty="0" smtClean="0">
+                <a:solidFill>
+                  <a:schemeClr val="tx1"/>
+                </a:solidFill>
+                <a:latin typeface="+mn-lt"/>
+                <a:ea typeface="+mn-ea"/>
+                <a:cs typeface="+mn-cs"/>
+              </a:rPr>
+              <a:t> access the </a:t>
+            </a:r>
+            <a:r>
+              <a:rPr lang="en-AU" sz="1200" kern="1200" dirty="0" smtClean="0">
+                <a:solidFill>
+                  <a:schemeClr val="tx1"/>
+                </a:solidFill>
+                <a:latin typeface="+mn-lt"/>
+                <a:ea typeface="+mn-ea"/>
+                <a:cs typeface="+mn-cs"/>
+              </a:rPr>
+              <a:t>web application using</a:t>
+            </a:r>
+            <a:r>
+              <a:rPr lang="en-AU" sz="1200" kern="1200" baseline="0" dirty="0" smtClean="0">
+                <a:solidFill>
+                  <a:schemeClr val="tx1"/>
+                </a:solidFill>
+                <a:latin typeface="+mn-lt"/>
+                <a:ea typeface="+mn-ea"/>
+                <a:cs typeface="+mn-cs"/>
+              </a:rPr>
+              <a:t> either</a:t>
+            </a:r>
+            <a:r>
+              <a:rPr lang="en-AU" sz="1200" kern="1200" dirty="0" smtClean="0">
+                <a:solidFill>
+                  <a:schemeClr val="tx1"/>
+                </a:solidFill>
+                <a:latin typeface="+mn-lt"/>
+                <a:ea typeface="+mn-ea"/>
+                <a:cs typeface="+mn-cs"/>
+              </a:rPr>
+              <a:t> HTTP or HTTPS. Once they</a:t>
+            </a:r>
+            <a:r>
+              <a:rPr lang="en-AU" sz="1200" kern="1200" baseline="0" dirty="0" smtClean="0">
+                <a:solidFill>
+                  <a:schemeClr val="tx1"/>
+                </a:solidFill>
+                <a:latin typeface="+mn-lt"/>
+                <a:ea typeface="+mn-ea"/>
+                <a:cs typeface="+mn-cs"/>
+              </a:rPr>
+              <a:t> login they can create new schedules for positioning the telescope. Once a schedule is created, using a </a:t>
+            </a:r>
+            <a:r>
+              <a:rPr lang="en-AU" sz="1200" kern="1200" baseline="0" dirty="0" err="1" smtClean="0">
+                <a:solidFill>
+                  <a:schemeClr val="tx1"/>
+                </a:solidFill>
+                <a:latin typeface="+mn-lt"/>
+                <a:ea typeface="+mn-ea"/>
+                <a:cs typeface="+mn-cs"/>
+              </a:rPr>
+              <a:t>cronjob</a:t>
+            </a:r>
+            <a:r>
+              <a:rPr lang="en-AU" sz="1200" kern="1200" baseline="0" dirty="0" smtClean="0">
+                <a:solidFill>
+                  <a:schemeClr val="tx1"/>
+                </a:solidFill>
+                <a:latin typeface="+mn-lt"/>
+                <a:ea typeface="+mn-ea"/>
+                <a:cs typeface="+mn-cs"/>
+              </a:rPr>
+              <a:t> or some other scheduling tool, we will run a script at the specific time the telescope should position itself which will connect to the machine connected to the telescope using say SSH and then will be able to call the Java program with command line arguments to move at such and such a location for such and such a duration. The Java application will also compile the images and save it to that local disk.</a:t>
+            </a:r>
+            <a:endParaRPr lang="en-AU" sz="1200" kern="1200" dirty="0" smtClean="0">
+              <a:solidFill>
+                <a:schemeClr val="tx1"/>
+              </a:solidFill>
+              <a:latin typeface="+mn-lt"/>
+              <a:ea typeface="+mn-ea"/>
+              <a:cs typeface="+mn-cs"/>
+            </a:endParaRPr>
+          </a:p>
+          <a:p>
+            <a:pPr marL="0" marR="0" lvl="1" indent="0" algn="l" defTabSz="914400" rtl="0" eaLnBrk="1" fontAlgn="auto" latinLnBrk="0" hangingPunct="1">
+              <a:lnSpc>
+                <a:spcPct val="100000"/>
+              </a:lnSpc>
+              <a:spcBef>
+                <a:spcPts val="0"/>
+              </a:spcBef>
+              <a:spcAft>
+                <a:spcPts val="0"/>
+              </a:spcAft>
+              <a:buClrTx/>
+              <a:buSzTx/>
+              <a:buFontTx/>
+              <a:buNone/>
+              <a:tabLst/>
+              <a:defRPr/>
+            </a:pPr>
+            <a:endParaRPr lang="en-US" sz="1200" kern="1200" dirty="0" smtClean="0">
+              <a:solidFill>
+                <a:schemeClr val="tx1"/>
+              </a:solidFill>
+              <a:latin typeface="+mn-lt"/>
+              <a:ea typeface="+mn-ea"/>
+              <a:cs typeface="+mn-cs"/>
+            </a:endParaRPr>
+          </a:p>
+          <a:p>
+            <a:endParaRPr lang="en-US" dirty="0" smtClean="0"/>
+          </a:p>
+          <a:p>
+            <a:r>
+              <a:rPr lang="en-US" dirty="0" smtClean="0"/>
+              <a:t>Note: </a:t>
+            </a:r>
+          </a:p>
+          <a:p>
+            <a:pPr>
+              <a:buFontTx/>
+              <a:buChar char="-"/>
+            </a:pPr>
+            <a:r>
+              <a:rPr lang="en-US" dirty="0" smtClean="0"/>
+              <a:t> users may also</a:t>
+            </a:r>
+            <a:r>
+              <a:rPr lang="en-US" baseline="0" dirty="0" smtClean="0"/>
+              <a:t> connect to the web application via HTTPS</a:t>
+            </a:r>
+          </a:p>
+          <a:p>
+            <a:pPr>
+              <a:buFontTx/>
+              <a:buChar char="-"/>
+            </a:pPr>
+            <a:r>
+              <a:rPr lang="en-US" baseline="0" dirty="0" smtClean="0"/>
+              <a:t> application which controls the telescope and camera may be written in C#</a:t>
+            </a:r>
+          </a:p>
+          <a:p>
+            <a:endParaRPr lang="en-CA" dirty="0"/>
           </a:p>
         </p:txBody>
       </p:sp>
@@ -849,7 +1170,7 @@
             <a:fld id="{64EF572D-EF5B-479C-89C5-F647D7191839}" type="slidenum">
               <a:rPr lang="en-CA" smtClean="0"/>
               <a:pPr/>
-              <a:t>22</a:t>
+              <a:t>14</a:t>
             </a:fld>
             <a:endParaRPr lang="en-CA"/>
           </a:p>
@@ -911,6 +1232,986 @@
           <a:p>
             <a:r>
               <a:rPr lang="en-US" dirty="0" smtClean="0"/>
+              <a:t>Rob:</a:t>
+            </a:r>
+          </a:p>
+          <a:p>
+            <a:endParaRPr lang="en-US" dirty="0" smtClean="0"/>
+          </a:p>
+          <a:p>
+            <a:r>
+              <a:rPr lang="en-US" dirty="0" smtClean="0"/>
+              <a:t>Here</a:t>
+            </a:r>
+            <a:r>
+              <a:rPr lang="en-US" baseline="0" dirty="0" smtClean="0"/>
+              <a:t> we have a sample domain model which shows our models which represent tables in the database.</a:t>
+            </a:r>
+          </a:p>
+          <a:p>
+            <a:endParaRPr lang="en-US" baseline="0" dirty="0" smtClean="0"/>
+          </a:p>
+          <a:p>
+            <a:r>
+              <a:rPr lang="en-US" baseline="0" dirty="0" smtClean="0"/>
+              <a:t>A user can create many schedules and a schedule belongs to a user. We keep track of this association so we can display schedules that a certain user has created.</a:t>
+            </a:r>
+          </a:p>
+          <a:p>
+            <a:endParaRPr lang="en-US" baseline="0" dirty="0" smtClean="0"/>
+          </a:p>
+          <a:p>
+            <a:r>
+              <a:rPr lang="en-US" baseline="0" dirty="0" smtClean="0"/>
+              <a:t>Also, a schedule can have many images</a:t>
+            </a:r>
+            <a:r>
+              <a:rPr lang="en-US" baseline="0" smtClean="0"/>
+              <a:t>. </a:t>
+            </a:r>
+            <a:endParaRPr lang="en-US" dirty="0"/>
+          </a:p>
+        </p:txBody>
+      </p:sp>
+      <p:sp>
+        <p:nvSpPr>
+          <p:cNvPr id="4" name="Slide Number Placeholder 3"/>
+          <p:cNvSpPr>
+            <a:spLocks noGrp="1"/>
+          </p:cNvSpPr>
+          <p:nvPr>
+            <p:ph type="sldNum" sz="quarter" idx="10"/>
+          </p:nvPr>
+        </p:nvSpPr>
+        <p:spPr/>
+        <p:txBody>
+          <a:bodyPr/>
+          <a:lstStyle/>
+          <a:p>
+            <a:fld id="{64EF572D-EF5B-479C-89C5-F647D7191839}" type="slidenum">
+              <a:rPr lang="en-CA" smtClean="0"/>
+              <a:pPr/>
+              <a:t>16</a:t>
+            </a:fld>
+            <a:endParaRPr lang="en-CA"/>
+          </a:p>
+        </p:txBody>
+      </p:sp>
+    </p:spTree>
+  </p:cSld>
+  <p:clrMapOvr>
+    <a:masterClrMapping/>
+  </p:clrMapOvr>
+</p:notes>
+</file>
+
+<file path=ppt/notesSlides/notesSlide13.xml><?xml version="1.0" encoding="utf-8"?>
+<p:notes xmlns:a="http://schemas.openxmlformats.org/drawingml/2006/main" xmlns:r="http://schemas.openxmlformats.org/officeDocument/2006/relationships" xmlns:p="http://schemas.openxmlformats.org/presentationml/2006/main">
+  <p:cSld>
+    <p:spTree>
+      <p:nvGrpSpPr>
+        <p:cNvPr id="1" name=""/>
+        <p:cNvGrpSpPr/>
+        <p:nvPr/>
+      </p:nvGrpSpPr>
+      <p:grpSpPr>
+        <a:xfrm>
+          <a:off x="0" y="0"/>
+          <a:ext cx="0" cy="0"/>
+          <a:chOff x="0" y="0"/>
+          <a:chExt cx="0" cy="0"/>
+        </a:xfrm>
+      </p:grpSpPr>
+      <p:sp>
+        <p:nvSpPr>
+          <p:cNvPr id="2" name="Slide Image Placeholder 1"/>
+          <p:cNvSpPr>
+            <a:spLocks noGrp="1" noRot="1" noChangeAspect="1"/>
+          </p:cNvSpPr>
+          <p:nvPr>
+            <p:ph type="sldImg"/>
+          </p:nvPr>
+        </p:nvSpPr>
+        <p:spPr/>
+      </p:sp>
+      <p:sp>
+        <p:nvSpPr>
+          <p:cNvPr id="3" name="Notes Placeholder 2"/>
+          <p:cNvSpPr>
+            <a:spLocks noGrp="1"/>
+          </p:cNvSpPr>
+          <p:nvPr>
+            <p:ph type="body" idx="1"/>
+          </p:nvPr>
+        </p:nvSpPr>
+        <p:spPr/>
+        <p:txBody>
+          <a:bodyPr>
+            <a:normAutofit/>
+          </a:bodyPr>
+          <a:lstStyle/>
+          <a:p>
+            <a:r>
+              <a:rPr lang="en-US" dirty="0" smtClean="0"/>
+              <a:t>To </a:t>
+            </a:r>
+            <a:r>
+              <a:rPr lang="en-US" smtClean="0"/>
+              <a:t>be added</a:t>
+            </a:r>
+            <a:endParaRPr lang="en-US" dirty="0"/>
+          </a:p>
+        </p:txBody>
+      </p:sp>
+      <p:sp>
+        <p:nvSpPr>
+          <p:cNvPr id="4" name="Slide Number Placeholder 3"/>
+          <p:cNvSpPr>
+            <a:spLocks noGrp="1"/>
+          </p:cNvSpPr>
+          <p:nvPr>
+            <p:ph type="sldNum" sz="quarter" idx="10"/>
+          </p:nvPr>
+        </p:nvSpPr>
+        <p:spPr/>
+        <p:txBody>
+          <a:bodyPr/>
+          <a:lstStyle/>
+          <a:p>
+            <a:fld id="{64EF572D-EF5B-479C-89C5-F647D7191839}" type="slidenum">
+              <a:rPr lang="en-CA" smtClean="0"/>
+              <a:pPr/>
+              <a:t>17</a:t>
+            </a:fld>
+            <a:endParaRPr lang="en-CA"/>
+          </a:p>
+        </p:txBody>
+      </p:sp>
+    </p:spTree>
+  </p:cSld>
+  <p:clrMapOvr>
+    <a:masterClrMapping/>
+  </p:clrMapOvr>
+</p:notes>
+</file>
+
+<file path=ppt/notesSlides/notesSlide14.xml><?xml version="1.0" encoding="utf-8"?>
+<p:notes xmlns:a="http://schemas.openxmlformats.org/drawingml/2006/main" xmlns:r="http://schemas.openxmlformats.org/officeDocument/2006/relationships" xmlns:p="http://schemas.openxmlformats.org/presentationml/2006/main">
+  <p:cSld>
+    <p:spTree>
+      <p:nvGrpSpPr>
+        <p:cNvPr id="1" name=""/>
+        <p:cNvGrpSpPr/>
+        <p:nvPr/>
+      </p:nvGrpSpPr>
+      <p:grpSpPr>
+        <a:xfrm>
+          <a:off x="0" y="0"/>
+          <a:ext cx="0" cy="0"/>
+          <a:chOff x="0" y="0"/>
+          <a:chExt cx="0" cy="0"/>
+        </a:xfrm>
+      </p:grpSpPr>
+      <p:sp>
+        <p:nvSpPr>
+          <p:cNvPr id="2" name="Slide Image Placeholder 1"/>
+          <p:cNvSpPr>
+            <a:spLocks noGrp="1" noRot="1" noChangeAspect="1"/>
+          </p:cNvSpPr>
+          <p:nvPr>
+            <p:ph type="sldImg"/>
+          </p:nvPr>
+        </p:nvSpPr>
+        <p:spPr/>
+      </p:sp>
+      <p:sp>
+        <p:nvSpPr>
+          <p:cNvPr id="3" name="Notes Placeholder 2"/>
+          <p:cNvSpPr>
+            <a:spLocks noGrp="1"/>
+          </p:cNvSpPr>
+          <p:nvPr>
+            <p:ph type="body" idx="1"/>
+          </p:nvPr>
+        </p:nvSpPr>
+        <p:spPr/>
+        <p:txBody>
+          <a:bodyPr>
+            <a:normAutofit lnSpcReduction="10000"/>
+          </a:bodyPr>
+          <a:lstStyle/>
+          <a:p>
+            <a:pPr marL="0" marR="0" indent="0" algn="l" defTabSz="914400" rtl="0" eaLnBrk="1" fontAlgn="auto" latinLnBrk="0" hangingPunct="1">
+              <a:lnSpc>
+                <a:spcPct val="100000"/>
+              </a:lnSpc>
+              <a:spcBef>
+                <a:spcPts val="0"/>
+              </a:spcBef>
+              <a:spcAft>
+                <a:spcPts val="0"/>
+              </a:spcAft>
+              <a:buClrTx/>
+              <a:buSzTx/>
+              <a:buFontTx/>
+              <a:buNone/>
+              <a:tabLst/>
+              <a:defRPr/>
+            </a:pPr>
+            <a:r>
+              <a:rPr lang="en-US" dirty="0" smtClean="0"/>
+              <a:t>ROB:</a:t>
+            </a:r>
+          </a:p>
+          <a:p>
+            <a:endParaRPr lang="en-US" dirty="0" smtClean="0"/>
+          </a:p>
+          <a:p>
+            <a:r>
+              <a:rPr lang="en-US" dirty="0" smtClean="0"/>
+              <a:t>Here</a:t>
+            </a:r>
+            <a:r>
+              <a:rPr lang="en-US" baseline="0" dirty="0" smtClean="0"/>
+              <a:t> is an example of a Ruby class.</a:t>
+            </a:r>
+          </a:p>
+          <a:p>
+            <a:endParaRPr lang="en-US" baseline="0" dirty="0" smtClean="0"/>
+          </a:p>
+          <a:p>
+            <a:r>
+              <a:rPr lang="en-US" baseline="0" dirty="0" smtClean="0"/>
+              <a:t>This class is a snippet of code from the Schedule model and holds some validations and relationships with other objects.</a:t>
+            </a:r>
+          </a:p>
+          <a:p>
+            <a:endParaRPr lang="en-US" baseline="0" dirty="0" smtClean="0"/>
+          </a:p>
+          <a:p>
+            <a:r>
+              <a:rPr lang="en-US" baseline="0" dirty="0" smtClean="0"/>
+              <a:t>As you can see from the top, it inherits the base Active Record class which is a part of the Rails API and </a:t>
+            </a:r>
+            <a:r>
+              <a:rPr lang="en-US" dirty="0" smtClean="0"/>
+              <a:t>acts as base for the models in a Rails application. It provides database independence, basic CRUD functionality, advanced finding capabilities, and the ability to relate models to one another, among other services.</a:t>
+            </a:r>
+            <a:endParaRPr lang="en-US" baseline="0" dirty="0" smtClean="0"/>
+          </a:p>
+          <a:p>
+            <a:endParaRPr lang="en-US" baseline="0" dirty="0" smtClean="0"/>
+          </a:p>
+          <a:p>
+            <a:r>
+              <a:rPr lang="en-US" baseline="0" dirty="0" smtClean="0"/>
+              <a:t>The first thing we did here was create the relationships a schedule has with other models. Since a user creates a schedule, a schedule belongs to a user and a user may have many schedules. This allows us to keep track of which user created the schedule which makes our job of authorization as a user may only be able to edit or delete his own schedules if he is not an admin. </a:t>
+            </a:r>
+          </a:p>
+          <a:p>
+            <a:endParaRPr lang="en-US" baseline="0" dirty="0" smtClean="0"/>
+          </a:p>
+          <a:p>
+            <a:r>
+              <a:rPr lang="en-US" dirty="0" smtClean="0"/>
+              <a:t>Also, a schedule</a:t>
+            </a:r>
+            <a:r>
+              <a:rPr lang="en-US" baseline="0" dirty="0" smtClean="0"/>
+              <a:t> may have many images. A particular image will be associated with a particular schedule. This relationship allows us to easily list images belonging to a particular schedule.</a:t>
+            </a:r>
+          </a:p>
+          <a:p>
+            <a:endParaRPr lang="en-US" baseline="0" dirty="0" smtClean="0"/>
+          </a:p>
+          <a:p>
+            <a:r>
+              <a:rPr lang="en-US" baseline="0" dirty="0" smtClean="0"/>
+              <a:t>We also have two validation methods.</a:t>
+            </a:r>
+          </a:p>
+          <a:p>
+            <a:endParaRPr lang="en-US" baseline="0" dirty="0" smtClean="0"/>
+          </a:p>
+          <a:p>
+            <a:r>
+              <a:rPr lang="en-US" baseline="0" dirty="0" smtClean="0"/>
+              <a:t>Ruby is very lax when it comes to coding regulations. </a:t>
+            </a:r>
+            <a:r>
+              <a:rPr lang="en-US" baseline="0" dirty="0" err="1" smtClean="0"/>
+              <a:t>validates_datetime</a:t>
+            </a:r>
+            <a:r>
+              <a:rPr lang="en-US" baseline="0" dirty="0" smtClean="0"/>
+              <a:t> and </a:t>
+            </a:r>
+            <a:r>
+              <a:rPr lang="en-US" baseline="0" dirty="0" err="1" smtClean="0"/>
+              <a:t>validates_presence_of</a:t>
+            </a:r>
+            <a:r>
+              <a:rPr lang="en-US" baseline="0" dirty="0" smtClean="0"/>
+              <a:t> are methods but its optional to enclose the parameters such as :</a:t>
+            </a:r>
+            <a:r>
+              <a:rPr lang="en-US" baseline="0" dirty="0" err="1" smtClean="0"/>
+              <a:t>start_time</a:t>
+            </a:r>
+            <a:r>
+              <a:rPr lang="en-US" baseline="0" dirty="0" smtClean="0"/>
+              <a:t> , :</a:t>
+            </a:r>
+            <a:r>
+              <a:rPr lang="en-US" baseline="0" dirty="0" err="1" smtClean="0"/>
+              <a:t>after_message</a:t>
+            </a:r>
+            <a:r>
+              <a:rPr lang="en-US" baseline="0" dirty="0" smtClean="0"/>
+              <a:t>, etc in brackets. Most Ruby on Rails applications don’t use brackets so we stick with that standard when possible.</a:t>
+            </a:r>
+          </a:p>
+          <a:p>
+            <a:endParaRPr lang="en-US" baseline="0" dirty="0" smtClean="0"/>
+          </a:p>
+          <a:p>
+            <a:r>
+              <a:rPr lang="en-US" baseline="0" dirty="0" smtClean="0"/>
+              <a:t>Anyways, the first ensures no schedules can be created before the current date and time. We use a </a:t>
+            </a:r>
+            <a:r>
+              <a:rPr lang="en-US" baseline="0" dirty="0" err="1" smtClean="0"/>
+              <a:t>plugin</a:t>
+            </a:r>
+            <a:r>
+              <a:rPr lang="en-US" baseline="0" dirty="0" smtClean="0"/>
+              <a:t>, called </a:t>
+            </a:r>
+            <a:r>
+              <a:rPr lang="en-US" baseline="0" dirty="0" err="1" smtClean="0"/>
+              <a:t>validates_timeliness</a:t>
+            </a:r>
+            <a:r>
+              <a:rPr lang="en-US" baseline="0" dirty="0" smtClean="0"/>
+              <a:t> which was built exactly for these purposes. The great thing about ruby on rails is that there is a wide developer community and very extensible through using </a:t>
+            </a:r>
+            <a:r>
+              <a:rPr lang="en-US" baseline="0" dirty="0" err="1" smtClean="0"/>
+              <a:t>plugins</a:t>
+            </a:r>
+            <a:r>
+              <a:rPr lang="en-US" baseline="0" dirty="0" smtClean="0"/>
+              <a:t> for reusable code.</a:t>
+            </a:r>
+          </a:p>
+          <a:p>
+            <a:endParaRPr lang="en-US" baseline="0" dirty="0" smtClean="0"/>
+          </a:p>
+          <a:p>
+            <a:r>
+              <a:rPr lang="en-US" baseline="0" dirty="0" smtClean="0"/>
+              <a:t>We pass in the parameters :</a:t>
+            </a:r>
+            <a:r>
+              <a:rPr lang="en-US" baseline="0" dirty="0" err="1" smtClean="0"/>
+              <a:t>start_time</a:t>
+            </a:r>
+            <a:r>
+              <a:rPr lang="en-US" baseline="0" dirty="0" smtClean="0"/>
+              <a:t> which is a symbol that only holds a string of a “</a:t>
+            </a:r>
+            <a:r>
+              <a:rPr lang="en-US" baseline="0" dirty="0" err="1" smtClean="0"/>
+              <a:t>datetime</a:t>
+            </a:r>
+            <a:r>
+              <a:rPr lang="en-US" baseline="0" dirty="0" smtClean="0"/>
+              <a:t>” </a:t>
+            </a:r>
+            <a:r>
+              <a:rPr lang="en-US" baseline="0" dirty="0" err="1" smtClean="0"/>
+              <a:t>datatype</a:t>
+            </a:r>
+            <a:r>
+              <a:rPr lang="en-US" baseline="0" dirty="0" smtClean="0"/>
+              <a:t>. Symbols are objects which hold a string representation and a numeric representation. An example of the string representation for this </a:t>
+            </a:r>
+            <a:r>
+              <a:rPr lang="en-US" baseline="0" dirty="0" err="1" smtClean="0"/>
+              <a:t>start_time</a:t>
+            </a:r>
+            <a:r>
+              <a:rPr lang="en-US" baseline="0" dirty="0" smtClean="0"/>
+              <a:t> symbol could be “2009-11-27 19:39:38”.  Symbols are mostly used for performance reasons as its easier for a program to lookup an object reference based on an numeric representation than a string representation.</a:t>
+            </a:r>
+          </a:p>
+          <a:p>
+            <a:endParaRPr lang="en-US" baseline="0" dirty="0" smtClean="0"/>
+          </a:p>
+          <a:p>
+            <a:r>
+              <a:rPr lang="en-US" baseline="0" dirty="0" smtClean="0"/>
+              <a:t>We also pass in to the symbol :after =&gt; lambda { </a:t>
+            </a:r>
+            <a:r>
+              <a:rPr lang="en-US" baseline="0" dirty="0" err="1" smtClean="0"/>
+              <a:t>Time.now</a:t>
+            </a:r>
+            <a:r>
+              <a:rPr lang="en-US" baseline="0" dirty="0" smtClean="0"/>
+              <a:t> }. A lambda is the equivalence of saying </a:t>
+            </a:r>
+            <a:r>
+              <a:rPr lang="en-US" baseline="0" dirty="0" err="1" smtClean="0"/>
+              <a:t>Proc.new</a:t>
+            </a:r>
+            <a:r>
+              <a:rPr lang="en-US" baseline="0" dirty="0" smtClean="0"/>
+              <a:t> which creates a new Proc object which to hold a block of ruby code and then execute it. We use this here to ensure that the current time is calculated right before the schedule object is about to be saved to the database.  We also pass in an </a:t>
+            </a:r>
+            <a:r>
+              <a:rPr lang="en-US" baseline="0" dirty="0" err="1" smtClean="0"/>
+              <a:t>after_message</a:t>
+            </a:r>
+            <a:r>
+              <a:rPr lang="en-US" baseline="0" dirty="0" smtClean="0"/>
+              <a:t> which will be displayed to the user in the form if the inputted start date and time is invalid.</a:t>
+            </a:r>
+          </a:p>
+          <a:p>
+            <a:endParaRPr lang="en-US" baseline="0" dirty="0" smtClean="0"/>
+          </a:p>
+          <a:p>
+            <a:r>
+              <a:rPr lang="en-US" baseline="0" dirty="0" smtClean="0"/>
+              <a:t>The last method checks that the following fields, exposure, declination and right ascension have values in them. Its not allowed for these fields to be blank or null. These symbols are attributes of the schedule model.</a:t>
+            </a:r>
+          </a:p>
+        </p:txBody>
+      </p:sp>
+      <p:sp>
+        <p:nvSpPr>
+          <p:cNvPr id="4" name="Slide Number Placeholder 3"/>
+          <p:cNvSpPr>
+            <a:spLocks noGrp="1"/>
+          </p:cNvSpPr>
+          <p:nvPr>
+            <p:ph type="sldNum" sz="quarter" idx="10"/>
+          </p:nvPr>
+        </p:nvSpPr>
+        <p:spPr/>
+        <p:txBody>
+          <a:bodyPr/>
+          <a:lstStyle/>
+          <a:p>
+            <a:fld id="{64EF572D-EF5B-479C-89C5-F647D7191839}" type="slidenum">
+              <a:rPr lang="en-CA" smtClean="0"/>
+              <a:pPr/>
+              <a:t>18</a:t>
+            </a:fld>
+            <a:endParaRPr lang="en-CA"/>
+          </a:p>
+        </p:txBody>
+      </p:sp>
+    </p:spTree>
+  </p:cSld>
+  <p:clrMapOvr>
+    <a:masterClrMapping/>
+  </p:clrMapOvr>
+</p:notes>
+</file>
+
+<file path=ppt/notesSlides/notesSlide15.xml><?xml version="1.0" encoding="utf-8"?>
+<p:notes xmlns:a="http://schemas.openxmlformats.org/drawingml/2006/main" xmlns:r="http://schemas.openxmlformats.org/officeDocument/2006/relationships" xmlns:p="http://schemas.openxmlformats.org/presentationml/2006/main">
+  <p:cSld>
+    <p:spTree>
+      <p:nvGrpSpPr>
+        <p:cNvPr id="1" name=""/>
+        <p:cNvGrpSpPr/>
+        <p:nvPr/>
+      </p:nvGrpSpPr>
+      <p:grpSpPr>
+        <a:xfrm>
+          <a:off x="0" y="0"/>
+          <a:ext cx="0" cy="0"/>
+          <a:chOff x="0" y="0"/>
+          <a:chExt cx="0" cy="0"/>
+        </a:xfrm>
+      </p:grpSpPr>
+      <p:sp>
+        <p:nvSpPr>
+          <p:cNvPr id="2" name="Slide Image Placeholder 1"/>
+          <p:cNvSpPr>
+            <a:spLocks noGrp="1" noRot="1" noChangeAspect="1"/>
+          </p:cNvSpPr>
+          <p:nvPr>
+            <p:ph type="sldImg"/>
+          </p:nvPr>
+        </p:nvSpPr>
+        <p:spPr/>
+      </p:sp>
+      <p:sp>
+        <p:nvSpPr>
+          <p:cNvPr id="3" name="Notes Placeholder 2"/>
+          <p:cNvSpPr>
+            <a:spLocks noGrp="1"/>
+          </p:cNvSpPr>
+          <p:nvPr>
+            <p:ph type="body" idx="1"/>
+          </p:nvPr>
+        </p:nvSpPr>
+        <p:spPr/>
+        <p:txBody>
+          <a:bodyPr>
+            <a:normAutofit/>
+          </a:bodyPr>
+          <a:lstStyle/>
+          <a:p>
+            <a:pPr marL="0" marR="0" indent="0" algn="l" defTabSz="914400" rtl="0" eaLnBrk="1" fontAlgn="auto" latinLnBrk="0" hangingPunct="1">
+              <a:lnSpc>
+                <a:spcPct val="100000"/>
+              </a:lnSpc>
+              <a:spcBef>
+                <a:spcPts val="0"/>
+              </a:spcBef>
+              <a:spcAft>
+                <a:spcPts val="0"/>
+              </a:spcAft>
+              <a:buClrTx/>
+              <a:buSzTx/>
+              <a:buFontTx/>
+              <a:buNone/>
+              <a:tabLst/>
+              <a:defRPr/>
+            </a:pPr>
+            <a:r>
+              <a:rPr lang="en-US" dirty="0" smtClean="0"/>
+              <a:t>ROB:</a:t>
+            </a:r>
+          </a:p>
+          <a:p>
+            <a:endParaRPr lang="en-US" dirty="0" smtClean="0"/>
+          </a:p>
+          <a:p>
+            <a:r>
+              <a:rPr lang="en-US" dirty="0" smtClean="0"/>
+              <a:t>So because</a:t>
+            </a:r>
+            <a:r>
+              <a:rPr lang="en-US" baseline="0" dirty="0" smtClean="0"/>
+              <a:t> we use test-driven development, we need to have unit tests. </a:t>
+            </a:r>
+          </a:p>
+          <a:p>
+            <a:endParaRPr lang="en-US" baseline="0" dirty="0" smtClean="0"/>
+          </a:p>
+          <a:p>
+            <a:r>
+              <a:rPr lang="en-US" dirty="0" smtClean="0"/>
+              <a:t>Unit tests</a:t>
+            </a:r>
+            <a:r>
+              <a:rPr lang="en-US" baseline="0" dirty="0" smtClean="0"/>
+              <a:t> are </a:t>
+            </a:r>
+            <a:r>
+              <a:rPr lang="en-US" dirty="0" smtClean="0"/>
+              <a:t>“Black box” tests to ensure functionality correctness. A test suite is used to run all unit tests whenever new code is added to the system. Also, all tests must pass after the new code is added. </a:t>
+            </a:r>
+          </a:p>
+          <a:p>
+            <a:endParaRPr lang="en-US" dirty="0" smtClean="0"/>
+          </a:p>
+          <a:p>
+            <a:r>
+              <a:rPr lang="en-US" dirty="0" smtClean="0"/>
+              <a:t>For</a:t>
+            </a:r>
+            <a:r>
+              <a:rPr lang="en-US" baseline="0" dirty="0" smtClean="0"/>
+              <a:t> unit testing, we use the built-in ruby libraries which have functionality </a:t>
+            </a:r>
+            <a:r>
+              <a:rPr lang="en-US" baseline="0" dirty="0" err="1" smtClean="0"/>
+              <a:t>similiar</a:t>
+            </a:r>
+            <a:r>
+              <a:rPr lang="en-US" baseline="0" dirty="0" smtClean="0"/>
+              <a:t> to that of </a:t>
+            </a:r>
+            <a:r>
+              <a:rPr lang="en-US" baseline="0" dirty="0" err="1" smtClean="0"/>
+              <a:t>JUnit</a:t>
+            </a:r>
+            <a:r>
+              <a:rPr lang="en-US" baseline="0" dirty="0" smtClean="0"/>
+              <a:t> testing.</a:t>
+            </a:r>
+            <a:endParaRPr lang="en-US" dirty="0" smtClean="0"/>
+          </a:p>
+          <a:p>
+            <a:endParaRPr lang="en-US" dirty="0"/>
+          </a:p>
+        </p:txBody>
+      </p:sp>
+      <p:sp>
+        <p:nvSpPr>
+          <p:cNvPr id="4" name="Slide Number Placeholder 3"/>
+          <p:cNvSpPr>
+            <a:spLocks noGrp="1"/>
+          </p:cNvSpPr>
+          <p:nvPr>
+            <p:ph type="sldNum" sz="quarter" idx="10"/>
+          </p:nvPr>
+        </p:nvSpPr>
+        <p:spPr/>
+        <p:txBody>
+          <a:bodyPr/>
+          <a:lstStyle/>
+          <a:p>
+            <a:fld id="{64EF572D-EF5B-479C-89C5-F647D7191839}" type="slidenum">
+              <a:rPr lang="en-CA" smtClean="0"/>
+              <a:pPr/>
+              <a:t>19</a:t>
+            </a:fld>
+            <a:endParaRPr lang="en-CA"/>
+          </a:p>
+        </p:txBody>
+      </p:sp>
+    </p:spTree>
+  </p:cSld>
+  <p:clrMapOvr>
+    <a:masterClrMapping/>
+  </p:clrMapOvr>
+</p:notes>
+</file>
+
+<file path=ppt/notesSlides/notesSlide16.xml><?xml version="1.0" encoding="utf-8"?>
+<p:notes xmlns:a="http://schemas.openxmlformats.org/drawingml/2006/main" xmlns:r="http://schemas.openxmlformats.org/officeDocument/2006/relationships" xmlns:p="http://schemas.openxmlformats.org/presentationml/2006/main">
+  <p:cSld>
+    <p:spTree>
+      <p:nvGrpSpPr>
+        <p:cNvPr id="1" name=""/>
+        <p:cNvGrpSpPr/>
+        <p:nvPr/>
+      </p:nvGrpSpPr>
+      <p:grpSpPr>
+        <a:xfrm>
+          <a:off x="0" y="0"/>
+          <a:ext cx="0" cy="0"/>
+          <a:chOff x="0" y="0"/>
+          <a:chExt cx="0" cy="0"/>
+        </a:xfrm>
+      </p:grpSpPr>
+      <p:sp>
+        <p:nvSpPr>
+          <p:cNvPr id="2" name="Slide Image Placeholder 1"/>
+          <p:cNvSpPr>
+            <a:spLocks noGrp="1" noRot="1" noChangeAspect="1"/>
+          </p:cNvSpPr>
+          <p:nvPr>
+            <p:ph type="sldImg"/>
+          </p:nvPr>
+        </p:nvSpPr>
+        <p:spPr/>
+      </p:sp>
+      <p:sp>
+        <p:nvSpPr>
+          <p:cNvPr id="3" name="Notes Placeholder 2"/>
+          <p:cNvSpPr>
+            <a:spLocks noGrp="1"/>
+          </p:cNvSpPr>
+          <p:nvPr>
+            <p:ph type="body" idx="1"/>
+          </p:nvPr>
+        </p:nvSpPr>
+        <p:spPr/>
+        <p:txBody>
+          <a:bodyPr>
+            <a:normAutofit/>
+          </a:bodyPr>
+          <a:lstStyle/>
+          <a:p>
+            <a:pPr marL="0" marR="0" indent="0" algn="l" defTabSz="914400" rtl="0" eaLnBrk="1" fontAlgn="auto" latinLnBrk="0" hangingPunct="1">
+              <a:lnSpc>
+                <a:spcPct val="100000"/>
+              </a:lnSpc>
+              <a:spcBef>
+                <a:spcPts val="0"/>
+              </a:spcBef>
+              <a:spcAft>
+                <a:spcPts val="0"/>
+              </a:spcAft>
+              <a:buClrTx/>
+              <a:buSzTx/>
+              <a:buFontTx/>
+              <a:buNone/>
+              <a:tabLst/>
+              <a:defRPr/>
+            </a:pPr>
+            <a:r>
+              <a:rPr lang="en-US" dirty="0" smtClean="0"/>
+              <a:t>ROB:</a:t>
+            </a:r>
+          </a:p>
+          <a:p>
+            <a:endParaRPr lang="en-US" baseline="0" dirty="0" smtClean="0"/>
+          </a:p>
+          <a:p>
+            <a:r>
+              <a:rPr lang="en-US" baseline="0" dirty="0" smtClean="0"/>
+              <a:t>Here is an example of a ruby unit test.</a:t>
+            </a:r>
+          </a:p>
+          <a:p>
+            <a:endParaRPr lang="en-US" baseline="0" dirty="0" smtClean="0"/>
+          </a:p>
+          <a:p>
+            <a:r>
+              <a:rPr lang="en-US" baseline="0" dirty="0" smtClean="0"/>
+              <a:t>The first thing we do is load the </a:t>
+            </a:r>
+            <a:r>
+              <a:rPr lang="en-US" baseline="0" dirty="0" err="1" smtClean="0"/>
+              <a:t>test_helper</a:t>
+            </a:r>
+            <a:r>
+              <a:rPr lang="en-US" baseline="0" dirty="0" smtClean="0"/>
+              <a:t> file which sets the rails environment into “test” mode (Rails functions in three different modes: test, development and production). By doing this, it automatically loads a test database we can use to input sample data to test our functionality and validations.</a:t>
+            </a:r>
+          </a:p>
+          <a:p>
+            <a:endParaRPr lang="en-US" baseline="0" dirty="0" smtClean="0"/>
+          </a:p>
+          <a:p>
+            <a:r>
+              <a:rPr lang="en-US" baseline="0" dirty="0" smtClean="0"/>
+              <a:t>the class extends the test case class much like </a:t>
+            </a:r>
+            <a:r>
+              <a:rPr lang="en-US" baseline="0" dirty="0" err="1" smtClean="0"/>
+              <a:t>JUnit</a:t>
+            </a:r>
+            <a:r>
+              <a:rPr lang="en-US" baseline="0" dirty="0" smtClean="0"/>
+              <a:t> Tests which gives us access to some methods.</a:t>
+            </a:r>
+          </a:p>
+          <a:p>
+            <a:endParaRPr lang="en-US" baseline="0" dirty="0" smtClean="0"/>
+          </a:p>
+          <a:p>
+            <a:r>
+              <a:rPr lang="en-US" baseline="0" dirty="0" smtClean="0"/>
+              <a:t>The first thing we do is create a user with correct input values so later we can just override an attribute of that object with a value that shouldn’t work. For instance, we shouldn’t be able to create a new user when we haven’t supplied a username. Here we made it null and we make an assertion to test that our application should not allow us to save this object. If this assertion was false (not and true), a visible error message would occur when we run this test.</a:t>
+            </a:r>
+          </a:p>
+          <a:p>
+            <a:endParaRPr lang="en-US" baseline="0" dirty="0" smtClean="0"/>
+          </a:p>
+          <a:p>
+            <a:r>
+              <a:rPr lang="en-US" dirty="0" smtClean="0"/>
+              <a:t>Now to run the tests</a:t>
+            </a:r>
+            <a:r>
+              <a:rPr lang="en-US" baseline="0" dirty="0" smtClean="0"/>
+              <a:t> we go to the command line and simply type rake </a:t>
+            </a:r>
+            <a:r>
+              <a:rPr lang="en-US" baseline="0" dirty="0" err="1" smtClean="0"/>
+              <a:t>test:units</a:t>
+            </a:r>
+            <a:endParaRPr lang="en-US" dirty="0"/>
+          </a:p>
+        </p:txBody>
+      </p:sp>
+      <p:sp>
+        <p:nvSpPr>
+          <p:cNvPr id="4" name="Slide Number Placeholder 3"/>
+          <p:cNvSpPr>
+            <a:spLocks noGrp="1"/>
+          </p:cNvSpPr>
+          <p:nvPr>
+            <p:ph type="sldNum" sz="quarter" idx="10"/>
+          </p:nvPr>
+        </p:nvSpPr>
+        <p:spPr/>
+        <p:txBody>
+          <a:bodyPr/>
+          <a:lstStyle/>
+          <a:p>
+            <a:fld id="{64EF572D-EF5B-479C-89C5-F647D7191839}" type="slidenum">
+              <a:rPr lang="en-CA" smtClean="0"/>
+              <a:pPr/>
+              <a:t>20</a:t>
+            </a:fld>
+            <a:endParaRPr lang="en-CA"/>
+          </a:p>
+        </p:txBody>
+      </p:sp>
+    </p:spTree>
+  </p:cSld>
+  <p:clrMapOvr>
+    <a:masterClrMapping/>
+  </p:clrMapOvr>
+</p:notes>
+</file>
+
+<file path=ppt/notesSlides/notesSlide17.xml><?xml version="1.0" encoding="utf-8"?>
+<p:notes xmlns:a="http://schemas.openxmlformats.org/drawingml/2006/main" xmlns:r="http://schemas.openxmlformats.org/officeDocument/2006/relationships" xmlns:p="http://schemas.openxmlformats.org/presentationml/2006/main">
+  <p:cSld>
+    <p:spTree>
+      <p:nvGrpSpPr>
+        <p:cNvPr id="1" name=""/>
+        <p:cNvGrpSpPr/>
+        <p:nvPr/>
+      </p:nvGrpSpPr>
+      <p:grpSpPr>
+        <a:xfrm>
+          <a:off x="0" y="0"/>
+          <a:ext cx="0" cy="0"/>
+          <a:chOff x="0" y="0"/>
+          <a:chExt cx="0" cy="0"/>
+        </a:xfrm>
+      </p:grpSpPr>
+      <p:sp>
+        <p:nvSpPr>
+          <p:cNvPr id="2" name="Slide Image Placeholder 1"/>
+          <p:cNvSpPr>
+            <a:spLocks noGrp="1" noRot="1" noChangeAspect="1"/>
+          </p:cNvSpPr>
+          <p:nvPr>
+            <p:ph type="sldImg"/>
+          </p:nvPr>
+        </p:nvSpPr>
+        <p:spPr/>
+      </p:sp>
+      <p:sp>
+        <p:nvSpPr>
+          <p:cNvPr id="3" name="Notes Placeholder 2"/>
+          <p:cNvSpPr>
+            <a:spLocks noGrp="1"/>
+          </p:cNvSpPr>
+          <p:nvPr>
+            <p:ph type="body" idx="1"/>
+          </p:nvPr>
+        </p:nvSpPr>
+        <p:spPr/>
+        <p:txBody>
+          <a:bodyPr>
+            <a:normAutofit/>
+          </a:bodyPr>
+          <a:lstStyle/>
+          <a:p>
+            <a:r>
+              <a:rPr lang="en-US" sz="1200" kern="1200" dirty="0" smtClean="0">
+                <a:solidFill>
+                  <a:schemeClr val="tx1"/>
+                </a:solidFill>
+                <a:latin typeface="+mn-lt"/>
+                <a:ea typeface="+mn-ea"/>
+                <a:cs typeface="+mn-cs"/>
+              </a:rPr>
+              <a:t>Probabilities can be: low, moderate, high.</a:t>
+            </a:r>
+          </a:p>
+          <a:p>
+            <a:r>
+              <a:rPr lang="en-US" sz="1200" kern="1200" smtClean="0">
+                <a:solidFill>
+                  <a:schemeClr val="tx1"/>
+                </a:solidFill>
+                <a:latin typeface="+mn-lt"/>
+                <a:ea typeface="+mn-ea"/>
+                <a:cs typeface="+mn-cs"/>
+              </a:rPr>
+              <a:t>Effects can be: tolerable, serious and catastrophic</a:t>
+            </a:r>
+            <a:endParaRPr lang="en-US"/>
+          </a:p>
+        </p:txBody>
+      </p:sp>
+      <p:sp>
+        <p:nvSpPr>
+          <p:cNvPr id="4" name="Slide Number Placeholder 3"/>
+          <p:cNvSpPr>
+            <a:spLocks noGrp="1"/>
+          </p:cNvSpPr>
+          <p:nvPr>
+            <p:ph type="sldNum" sz="quarter" idx="10"/>
+          </p:nvPr>
+        </p:nvSpPr>
+        <p:spPr/>
+        <p:txBody>
+          <a:bodyPr/>
+          <a:lstStyle/>
+          <a:p>
+            <a:fld id="{64EF572D-EF5B-479C-89C5-F647D7191839}" type="slidenum">
+              <a:rPr lang="en-CA" smtClean="0"/>
+              <a:pPr/>
+              <a:t>22</a:t>
+            </a:fld>
+            <a:endParaRPr lang="en-CA"/>
+          </a:p>
+        </p:txBody>
+      </p:sp>
+    </p:spTree>
+  </p:cSld>
+  <p:clrMapOvr>
+    <a:masterClrMapping/>
+  </p:clrMapOvr>
+</p:notes>
+</file>
+
+<file path=ppt/notesSlides/notesSlide18.xml><?xml version="1.0" encoding="utf-8"?>
+<p:notes xmlns:a="http://schemas.openxmlformats.org/drawingml/2006/main" xmlns:r="http://schemas.openxmlformats.org/officeDocument/2006/relationships" xmlns:p="http://schemas.openxmlformats.org/presentationml/2006/main">
+  <p:cSld>
+    <p:spTree>
+      <p:nvGrpSpPr>
+        <p:cNvPr id="1" name=""/>
+        <p:cNvGrpSpPr/>
+        <p:nvPr/>
+      </p:nvGrpSpPr>
+      <p:grpSpPr>
+        <a:xfrm>
+          <a:off x="0" y="0"/>
+          <a:ext cx="0" cy="0"/>
+          <a:chOff x="0" y="0"/>
+          <a:chExt cx="0" cy="0"/>
+        </a:xfrm>
+      </p:grpSpPr>
+      <p:sp>
+        <p:nvSpPr>
+          <p:cNvPr id="2" name="Slide Image Placeholder 1"/>
+          <p:cNvSpPr>
+            <a:spLocks noGrp="1" noRot="1" noChangeAspect="1"/>
+          </p:cNvSpPr>
+          <p:nvPr>
+            <p:ph type="sldImg"/>
+          </p:nvPr>
+        </p:nvSpPr>
+        <p:spPr/>
+      </p:sp>
+      <p:sp>
+        <p:nvSpPr>
+          <p:cNvPr id="3" name="Notes Placeholder 2"/>
+          <p:cNvSpPr>
+            <a:spLocks noGrp="1"/>
+          </p:cNvSpPr>
+          <p:nvPr>
+            <p:ph type="body" idx="1"/>
+          </p:nvPr>
+        </p:nvSpPr>
+        <p:spPr/>
+        <p:txBody>
+          <a:bodyPr>
+            <a:normAutofit/>
+          </a:bodyPr>
+          <a:lstStyle/>
+          <a:p>
+            <a:r>
+              <a:rPr lang="en-US" dirty="0" smtClean="0"/>
               <a:t>Web App:</a:t>
             </a:r>
           </a:p>
@@ -1242,28 +2543,20 @@
           <a:lstStyle/>
           <a:p>
             <a:r>
-              <a:rPr lang="en-US" dirty="0" smtClean="0"/>
-              <a:t>Show </a:t>
-            </a:r>
-            <a:r>
               <a:rPr lang="en-US" dirty="0" err="1" smtClean="0"/>
-              <a:t>meade</a:t>
-            </a:r>
-            <a:r>
-              <a:rPr lang="en-US" dirty="0" smtClean="0"/>
-              <a:t> </a:t>
-            </a:r>
-            <a:r>
-              <a:rPr lang="en-US" dirty="0" err="1" smtClean="0"/>
-              <a:t>autostars</a:t>
-            </a:r>
-            <a:r>
-              <a:rPr lang="en-US" dirty="0" smtClean="0"/>
-              <a:t> program and winstar2</a:t>
+              <a:t>RailRoad</a:t>
             </a:r>
             <a:r>
               <a:rPr lang="en-US" baseline="0" dirty="0" smtClean="0"/>
-              <a:t> program</a:t>
+              <a:t> = Ruby </a:t>
+            </a:r>
+            <a:r>
+              <a:rPr lang="en-US" baseline="0" dirty="0" err="1" smtClean="0"/>
+              <a:t>plugin</a:t>
+            </a:r>
+            <a:r>
+              <a:rPr lang="en-US" baseline="0" dirty="0" smtClean="0"/>
+              <a:t> for automatically generating domain models</a:t>
             </a:r>
             <a:endParaRPr lang="en-US" dirty="0"/>
           </a:p>
@@ -1287,7 +2580,7 @@
             <a:fld id="{64EF572D-EF5B-479C-89C5-F647D7191839}" type="slidenum">
               <a:rPr lang="en-CA" smtClean="0"/>
               <a:pPr/>
-              <a:t>8</a:t>
+              <a:t>7</a:t>
             </a:fld>
             <a:endParaRPr lang="en-CA"/>
           </a:p>
@@ -1347,7 +2640,31 @@
           </a:bodyPr>
           <a:lstStyle/>
           <a:p>
-            <a:endParaRPr lang="en-CA" dirty="0"/>
+            <a:r>
+              <a:rPr lang="en-US" dirty="0" smtClean="0"/>
+              <a:t>Show </a:t>
+            </a:r>
+            <a:r>
+              <a:rPr lang="en-US" dirty="0" err="1" smtClean="0"/>
+              <a:t>meade</a:t>
+            </a:r>
+            <a:r>
+              <a:rPr lang="en-US" dirty="0" smtClean="0"/>
+              <a:t> </a:t>
+            </a:r>
+            <a:r>
+              <a:rPr lang="en-US" dirty="0" err="1" smtClean="0"/>
+              <a:t>autostars</a:t>
+            </a:r>
+            <a:r>
+              <a:rPr lang="en-US" dirty="0" smtClean="0"/>
+              <a:t> program and winstar2</a:t>
+            </a:r>
+            <a:r>
+              <a:rPr lang="en-US" baseline="0" dirty="0" smtClean="0"/>
+              <a:t> program</a:t>
+            </a:r>
+            <a:endParaRPr lang="en-US" dirty="0"/>
           </a:p>
         </p:txBody>
       </p:sp>
@@ -1369,7 +2686,7 @@
             <a:fld id="{64EF572D-EF5B-479C-89C5-F647D7191839}" type="slidenum">
               <a:rPr lang="en-CA" smtClean="0"/>
               <a:pPr/>
-              <a:t>9</a:t>
+              <a:t>8</a:t>
             </a:fld>
             <a:endParaRPr lang="en-CA"/>
           </a:p>
@@ -1451,7 +2768,7 @@
             <a:fld id="{64EF572D-EF5B-479C-89C5-F647D7191839}" type="slidenum">
               <a:rPr lang="en-CA" smtClean="0"/>
               <a:pPr/>
-              <a:t>10</a:t>
+              <a:t>9</a:t>
             </a:fld>
             <a:endParaRPr lang="en-CA"/>
           </a:p>
@@ -1507,110 +2824,11 @@
         <p:spPr/>
         <p:txBody>
           <a:bodyPr>
-            <a:normAutofit fontScale="92500" lnSpcReduction="20000"/>
+            <a:normAutofit/>
           </a:bodyPr>
           <a:lstStyle/>
           <a:p>
-            <a:r>
-              <a:rPr lang="en-US" dirty="0" smtClean="0"/>
-              <a:t>http://guides.rubyonrails.org/getting_started.html</a:t>
-            </a:r>
-          </a:p>
-          <a:p>
-            <a:endParaRPr lang="en-US" dirty="0" smtClean="0"/>
-          </a:p>
-          <a:p>
-            <a:r>
-              <a:rPr lang="en-US" dirty="0" smtClean="0"/>
-              <a:t>The Rails philosophy includes several guiding principles:</a:t>
-            </a:r>
-          </a:p>
-          <a:p>
-            <a:r>
-              <a:rPr lang="en-US" dirty="0" smtClean="0"/>
-              <a:t>DRY – “Don’t Repeat Yourself” – suggests that writing the same code over and over again is a bad thing.</a:t>
-            </a:r>
-          </a:p>
-          <a:p>
-            <a:r>
-              <a:rPr lang="en-US" dirty="0" smtClean="0"/>
-              <a:t>Convention Over Configuration – means that Rails makes assumptions about what you want to do and how you’re going to do it, rather than letting you tweak every little thing through endless configuration files.</a:t>
-            </a:r>
-          </a:p>
-          <a:p>
-            <a:r>
-              <a:rPr lang="en-US" dirty="0" smtClean="0"/>
-              <a:t>REST is the best pattern for web applications – organizing your application around resources and standard HTTP verbs is the fastest way to go.</a:t>
-            </a:r>
-          </a:p>
-          <a:p>
-            <a:endParaRPr lang="en-US" dirty="0" smtClean="0"/>
-          </a:p>
-          <a:p>
-            <a:r>
-              <a:rPr lang="en-US" dirty="0" smtClean="0"/>
-              <a:t>Rails is organized around the Model, View, Controller architecture, usually just called MVC. MVC benefits include:</a:t>
-            </a:r>
-          </a:p>
-          <a:p>
-            <a:r>
-              <a:rPr lang="en-US" dirty="0" smtClean="0"/>
-              <a:t>Isolation of business logic from the user interface</a:t>
-            </a:r>
-          </a:p>
-          <a:p>
-            <a:r>
-              <a:rPr lang="en-US" dirty="0" smtClean="0"/>
-              <a:t>Ease of keeping code DRY</a:t>
-            </a:r>
-          </a:p>
-          <a:p>
-            <a:r>
-              <a:rPr lang="en-US" dirty="0" smtClean="0"/>
-              <a:t>Making it clear where different types of code belong for easier maintenance</a:t>
-            </a:r>
-          </a:p>
-          <a:p>
-            <a:endParaRPr lang="en-US" dirty="0" smtClean="0"/>
-          </a:p>
-          <a:p>
-            <a:r>
-              <a:rPr lang="en-US" b="1" dirty="0" smtClean="0"/>
-              <a:t>2.1.1 Models</a:t>
-            </a:r>
-          </a:p>
-          <a:p>
-            <a:r>
-              <a:rPr lang="en-US" dirty="0" smtClean="0"/>
-              <a:t>A model represents the information (data) of the application and the rules to manipulate that data. In the case of Rails, models are primarily used for managing the rules of interaction with a corresponding database table. In most cases, one table in your database will correspond to one model in your application. The bulk of your application’s business logic will be concentrated in the models.</a:t>
-            </a:r>
-          </a:p>
-          <a:p>
-            <a:r>
-              <a:rPr lang="en-US" b="1" dirty="0" smtClean="0"/>
-              <a:t>2.1.2 Views</a:t>
-            </a:r>
-          </a:p>
-          <a:p>
-            <a:r>
-              <a:rPr lang="en-US" dirty="0" smtClean="0"/>
-              <a:t>Views represent the user interface of your application. In Rails, views are often HTML files with embedded Ruby code that performs tasks related solely to the presentation of the data. Views handle the job of providing data to the web browser or other tool that is used to make requests from your application.</a:t>
-            </a:r>
-          </a:p>
-          <a:p>
-            <a:r>
-              <a:rPr lang="en-US" b="1" dirty="0" smtClean="0"/>
-              <a:t>2.1.3 Controllers</a:t>
-            </a:r>
-          </a:p>
-          <a:p>
-            <a:r>
-              <a:rPr lang="en-US" dirty="0" smtClean="0"/>
-              <a:t>Controllers provide the “glue” between models and views. In Rails, controllers are responsible for processing the incoming requests from the web browser, interrogating the models for data, and passing that data on to the views for presentation.</a:t>
-            </a:r>
-          </a:p>
-          <a:p>
-            <a:endParaRPr lang="en-US" dirty="0"/>
+            <a:endParaRPr lang="en-CA" dirty="0"/>
           </a:p>
         </p:txBody>
       </p:sp>
@@ -1632,7 +2850,7 @@
             <a:fld id="{64EF572D-EF5B-479C-89C5-F647D7191839}" type="slidenum">
               <a:rPr lang="en-CA" smtClean="0"/>
               <a:pPr/>
-              <a:t>12</a:t>
+              <a:t>10</a:t>
             </a:fld>
             <a:endParaRPr lang="en-CA"/>
           </a:p>
@@ -1688,41 +2906,120 @@
         <p:spPr/>
         <p:txBody>
           <a:bodyPr>
-            <a:normAutofit/>
+            <a:normAutofit lnSpcReduction="10000"/>
           </a:bodyPr>
           <a:lstStyle/>
           <a:p>
-            <a:r>
-              <a:rPr lang="en-US" dirty="0" smtClean="0"/>
-              <a:t>Note: </a:t>
-            </a:r>
-          </a:p>
-          <a:p>
-            <a:pPr>
+            <a:pPr marL="0" marR="0" indent="0" algn="l" defTabSz="914400" rtl="0" eaLnBrk="1" fontAlgn="auto" latinLnBrk="0" hangingPunct="1">
+              <a:lnSpc>
+                <a:spcPct val="100000"/>
+              </a:lnSpc>
+              <a:spcBef>
+                <a:spcPts val="0"/>
+              </a:spcBef>
+              <a:spcAft>
+                <a:spcPts val="0"/>
+              </a:spcAft>
+              <a:buClrTx/>
+              <a:buSzTx/>
               <a:buFontTx/>
-              <a:buChar char="-"/>
+              <a:buNone/>
+              <a:tabLst/>
+              <a:defRPr/>
             </a:pPr>
             <a:r>
               <a:rPr lang="en-US" dirty="0" smtClean="0"/>
-              <a:t> users may also</a:t>
+              <a:t>ROB:</a:t>
+            </a:r>
+          </a:p>
+          <a:p>
+            <a:endParaRPr lang="en-US" dirty="0" smtClean="0"/>
+          </a:p>
+          <a:p>
+            <a:r>
+              <a:rPr lang="en-US" dirty="0" smtClean="0"/>
+              <a:t>Ruby on Rails is a framework for developing web applications</a:t>
             </a:r>
             <a:r>
               <a:rPr lang="en-US" baseline="0" dirty="0" smtClean="0"/>
-              <a:t> connect to the web application via HTTPS</a:t>
-            </a:r>
-          </a:p>
-          <a:p>
-            <a:pPr>
-              <a:buFontTx/>
-              <a:buChar char="-"/>
-            </a:pPr>
+              <a:t> using the Ruby language. Rails will be discussed more on the next slide.</a:t>
+            </a:r>
+          </a:p>
+          <a:p>
+            <a:endParaRPr lang="en-US" baseline="0" dirty="0" smtClean="0"/>
+          </a:p>
+          <a:p>
             <a:r>
               <a:rPr lang="en-US" baseline="0" dirty="0" smtClean="0"/>
-              <a:t> application which controls the telescope and camera may be written in C#</a:t>
-            </a:r>
-          </a:p>
-          <a:p>
-            <a:endParaRPr lang="en-CA" dirty="0"/>
+              <a:t>We use CSS for presentation. We have different </a:t>
+            </a:r>
+            <a:r>
+              <a:rPr lang="en-US" baseline="0" dirty="0" err="1" smtClean="0"/>
+              <a:t>stylesheets</a:t>
+            </a:r>
+            <a:r>
+              <a:rPr lang="en-US" baseline="0" dirty="0" smtClean="0"/>
+              <a:t> depending on which media the user is connecting from: either from PC or from a handheld device.</a:t>
+            </a:r>
+          </a:p>
+          <a:p>
+            <a:endParaRPr lang="en-US" baseline="0" dirty="0" smtClean="0"/>
+          </a:p>
+          <a:p>
+            <a:r>
+              <a:rPr lang="en-US" baseline="0" dirty="0" smtClean="0"/>
+              <a:t>We use a Linux operating system to host our web application. In this case, we chose Fedora 11 which is a Red Hat based distribution.</a:t>
+            </a:r>
+          </a:p>
+          <a:p>
+            <a:endParaRPr lang="en-US" baseline="0" dirty="0" smtClean="0"/>
+          </a:p>
+          <a:p>
+            <a:r>
+              <a:rPr lang="en-US" baseline="0" dirty="0" smtClean="0"/>
+              <a:t>We use apache2 as our web server for our production environment, but most development is done on local computers like my laptop using Mongrel which I believe is written in Ruby and works well since its small and fast but doesn’t offer much in terms of configuration or stability which is why Apache2 is needed for a production environment. </a:t>
+            </a:r>
+          </a:p>
+          <a:p>
+            <a:endParaRPr lang="en-US" baseline="0" dirty="0" smtClean="0"/>
+          </a:p>
+          <a:p>
+            <a:r>
+              <a:rPr lang="en-US" baseline="0" dirty="0" smtClean="0"/>
+              <a:t>Also, for a database right now we use </a:t>
+            </a:r>
+            <a:r>
+              <a:rPr lang="en-US" baseline="0" dirty="0" err="1" smtClean="0"/>
+              <a:t>SQLite</a:t>
+            </a:r>
+            <a:r>
+              <a:rPr lang="en-US" baseline="0" dirty="0" smtClean="0"/>
+              <a:t> which is small, </a:t>
+            </a:r>
+            <a:r>
+              <a:rPr lang="en-US" baseline="0" dirty="0" err="1" smtClean="0"/>
+              <a:t>serverless</a:t>
+            </a:r>
+            <a:r>
+              <a:rPr lang="en-US" baseline="0" dirty="0" smtClean="0"/>
+              <a:t>, transactional database which requires zero configuration. It is very simple and doesn’t have many features so we may need to change this later to a database which can handle a larger data set for a production environment such as </a:t>
+            </a:r>
+            <a:r>
+              <a:rPr lang="en-US" baseline="0" dirty="0" err="1" smtClean="0"/>
+              <a:t>PostgreSQL</a:t>
+            </a:r>
+            <a:r>
+              <a:rPr lang="en-US" baseline="0" dirty="0" smtClean="0"/>
+              <a:t> which is the most powerful open source database out there at the moment. Other databases can be used such as </a:t>
+            </a:r>
+            <a:r>
+              <a:rPr lang="en-US" baseline="0" dirty="0" err="1" smtClean="0"/>
+              <a:t>MySQL</a:t>
+            </a:r>
+            <a:r>
+              <a:rPr lang="en-US" baseline="0" dirty="0" smtClean="0"/>
+              <a:t> or Oracle but I’d like to keep everything open source as much as possible as it would prevent any additional costs to the user.</a:t>
+            </a:r>
           </a:p>
         </p:txBody>
       </p:sp>
@@ -1744,7 +3041,7 @@
             <a:fld id="{64EF572D-EF5B-479C-89C5-F647D7191839}" type="slidenum">
               <a:rPr lang="en-CA" smtClean="0"/>
               <a:pPr/>
-              <a:t>14</a:t>
+              <a:t>11</a:t>
             </a:fld>
             <a:endParaRPr lang="en-CA"/>
           </a:p>
@@ -1800,9 +3097,211 @@
         <p:spPr/>
         <p:txBody>
           <a:bodyPr>
-            <a:normAutofit/>
+            <a:normAutofit fontScale="92500" lnSpcReduction="20000"/>
           </a:bodyPr>
           <a:lstStyle/>
+          <a:p>
+            <a:r>
+              <a:rPr lang="en-US" dirty="0" smtClean="0"/>
+              <a:t>ROB:</a:t>
+            </a:r>
+          </a:p>
+          <a:p>
+            <a:endParaRPr lang="en-US" dirty="0" smtClean="0"/>
+          </a:p>
+          <a:p>
+            <a:r>
+              <a:rPr lang="en-US" dirty="0" smtClean="0"/>
+              <a:t>Ruby on Rails is a framework for generating web applications quickly.</a:t>
+            </a:r>
+            <a:r>
+              <a:rPr lang="en-US" baseline="0" dirty="0" smtClean="0"/>
+              <a:t> It’s said that it can be up 10x more productive and efficient to use Rails over some other frameworks </a:t>
+            </a:r>
+            <a:r>
+              <a:rPr lang="en-US" baseline="0" dirty="0" err="1" smtClean="0"/>
+              <a:t>espicially</a:t>
+            </a:r>
+            <a:r>
+              <a:rPr lang="en-US" baseline="0" dirty="0" smtClean="0"/>
+              <a:t> those using Java as they usually require a lot of configuration and redundancy.</a:t>
+            </a:r>
+          </a:p>
+          <a:p>
+            <a:endParaRPr lang="en-US" baseline="0" dirty="0" smtClean="0"/>
+          </a:p>
+          <a:p>
+            <a:r>
+              <a:rPr lang="en-US" baseline="0" dirty="0" smtClean="0"/>
+              <a:t>It’s comparatively easy to learn. Some other frameworks take a long time to master such as the Java Spring framework, but there really isn’t anything magically that goes on behind the scenes as far as I can tell with Ruby on Rails. The most difficult part is learning the Ruby language which can take some time.</a:t>
+            </a:r>
+            <a:endParaRPr lang="en-US" dirty="0" smtClean="0"/>
+          </a:p>
+          <a:p>
+            <a:endParaRPr lang="en-US" dirty="0" smtClean="0"/>
+          </a:p>
+          <a:p>
+            <a:r>
+              <a:rPr lang="en-US" dirty="0" smtClean="0"/>
+              <a:t>Rails also enforces</a:t>
+            </a:r>
+            <a:r>
+              <a:rPr lang="en-US" baseline="0" dirty="0" smtClean="0"/>
+              <a:t> some patterns such as Model-View-Controller, which is usually just called MVC.</a:t>
+            </a:r>
+            <a:r>
+              <a:rPr lang="en-US" dirty="0" smtClean="0"/>
+              <a:t> </a:t>
+            </a:r>
+          </a:p>
+          <a:p>
+            <a:endParaRPr lang="en-US" dirty="0" smtClean="0"/>
+          </a:p>
+          <a:p>
+            <a:r>
+              <a:rPr lang="en-US" dirty="0" smtClean="0"/>
+              <a:t>In the case of Rails, models are primarily used for managing the rules of interaction with a corresponding database table. In most cases, one table in your database will correspond to one model in your application.</a:t>
+            </a:r>
+          </a:p>
+          <a:p>
+            <a:endParaRPr lang="en-US" dirty="0" smtClean="0"/>
+          </a:p>
+          <a:p>
+            <a:r>
+              <a:rPr lang="en-US" dirty="0" smtClean="0"/>
+              <a:t>In Rails, views are often HTML files with embedded Ruby code that performs tasks related solely to the presentation of the data. </a:t>
+            </a:r>
+          </a:p>
+          <a:p>
+            <a:endParaRPr lang="en-US" dirty="0" smtClean="0"/>
+          </a:p>
+          <a:p>
+            <a:r>
+              <a:rPr lang="en-US" dirty="0" smtClean="0"/>
+              <a:t>In Rails, controllers are responsible for processing the incoming requests from the web browser, interrogating the models for data, and passing that data on to the views for presentation.</a:t>
+            </a:r>
+          </a:p>
+          <a:p>
+            <a:endParaRPr lang="en-US" dirty="0" smtClean="0"/>
+          </a:p>
+          <a:p>
+            <a:r>
+              <a:rPr lang="en-US" dirty="0" smtClean="0"/>
+              <a:t>So</a:t>
+            </a:r>
+            <a:r>
+              <a:rPr lang="en-US" baseline="0" dirty="0" smtClean="0"/>
+              <a:t> basically w</a:t>
+            </a:r>
+            <a:r>
+              <a:rPr lang="en-US" dirty="0" smtClean="0"/>
+              <a:t>hat it does is:</a:t>
+            </a:r>
+          </a:p>
+          <a:p>
+            <a:r>
+              <a:rPr lang="en-US" dirty="0" smtClean="0"/>
+              <a:t>	- isolate the</a:t>
+            </a:r>
+            <a:r>
+              <a:rPr lang="en-US" baseline="0" dirty="0" smtClean="0"/>
+              <a:t> </a:t>
+            </a:r>
+            <a:r>
+              <a:rPr lang="en-US" dirty="0" smtClean="0"/>
+              <a:t>business logic from the user interface</a:t>
+            </a:r>
+          </a:p>
+          <a:p>
+            <a:r>
+              <a:rPr lang="en-US" dirty="0" smtClean="0"/>
+              <a:t>	- help</a:t>
+            </a:r>
+            <a:r>
+              <a:rPr lang="en-US" baseline="0" dirty="0" smtClean="0"/>
+              <a:t> keep code </a:t>
+            </a:r>
+            <a:r>
+              <a:rPr lang="en-US" dirty="0" smtClean="0"/>
+              <a:t>DRY. DRY means Don’t Repeat Yourself</a:t>
+            </a:r>
+            <a:r>
+              <a:rPr lang="en-US" baseline="0" dirty="0" smtClean="0"/>
+              <a:t> which basically means its a bad idea to duplicate code as it becomes harder to maintain and harder to understand.</a:t>
+            </a:r>
+            <a:endParaRPr lang="en-US" dirty="0" smtClean="0"/>
+          </a:p>
+          <a:p>
+            <a:r>
+              <a:rPr lang="en-US" dirty="0" smtClean="0"/>
+              <a:t>	-</a:t>
+            </a:r>
+            <a:r>
+              <a:rPr lang="en-US" baseline="0" dirty="0" smtClean="0"/>
+              <a:t> it also makes the applications easier to maintain as i</a:t>
+            </a:r>
+            <a:r>
+              <a:rPr lang="en-US" dirty="0" smtClean="0"/>
+              <a:t>t is clear where different types of code belong</a:t>
+            </a:r>
+          </a:p>
+          <a:p>
+            <a:endParaRPr lang="en-US" dirty="0" smtClean="0"/>
+          </a:p>
+          <a:p>
+            <a:r>
+              <a:rPr lang="en-US" dirty="0" smtClean="0"/>
+              <a:t>The Rails philosophy </a:t>
+            </a:r>
+            <a:r>
+              <a:rPr lang="en-US" dirty="0" smtClean="0"/>
+              <a:t>also includes </a:t>
+            </a:r>
+            <a:r>
+              <a:rPr lang="en-US" dirty="0" smtClean="0"/>
+              <a:t>several guiding </a:t>
+            </a:r>
+            <a:r>
+              <a:rPr lang="en-US" dirty="0" smtClean="0"/>
+              <a:t>principles such as:</a:t>
+            </a:r>
+          </a:p>
+          <a:p>
+            <a:r>
+              <a:rPr lang="en-US" dirty="0" smtClean="0"/>
+              <a:t>REST (which</a:t>
+            </a:r>
+            <a:r>
+              <a:rPr lang="en-US" baseline="0" dirty="0" smtClean="0"/>
+              <a:t> stands for Representational State Transfer) </a:t>
+            </a:r>
+            <a:r>
+              <a:rPr lang="en-US" dirty="0" smtClean="0"/>
+              <a:t>is the best pattern for web applications – organizing your application around resources and standard HTTP verbs is the fastest way to go. What this means is we use URLs</a:t>
+            </a:r>
+            <a:r>
+              <a:rPr lang="en-US" baseline="0" dirty="0" smtClean="0"/>
+              <a:t> to represent resources and then use HTTP actions to determine what kind of response the controller should have. </a:t>
+            </a:r>
+          </a:p>
+          <a:p>
+            <a:endParaRPr lang="en-US" dirty="0" smtClean="0"/>
+          </a:p>
+          <a:p>
+            <a:r>
+              <a:rPr lang="en-US" dirty="0" smtClean="0"/>
+              <a:t>Convention </a:t>
+            </a:r>
+            <a:r>
+              <a:rPr lang="en-US" dirty="0" smtClean="0"/>
+              <a:t>Over Configuration – means that Rails makes assumptions about what you want to do and how you’re going to do it, rather than letting you tweak every little thing through endless configuration </a:t>
+            </a:r>
+            <a:r>
+              <a:rPr lang="en-US" dirty="0" smtClean="0"/>
+              <a:t>files which eliminates a lot of redundancy and allows for greater productivity.</a:t>
+            </a:r>
+            <a:endParaRPr lang="en-US" dirty="0" smtClean="0"/>
+          </a:p>
           <a:p>
             <a:endParaRPr lang="en-US" dirty="0"/>
           </a:p>
@@ -1826,7 +3325,7 @@
             <a:fld id="{64EF572D-EF5B-479C-89C5-F647D7191839}" type="slidenum">
               <a:rPr lang="en-CA" smtClean="0"/>
               <a:pPr/>
-              <a:t>16</a:t>
+              <a:t>12</a:t>
             </a:fld>
             <a:endParaRPr lang="en-CA"/>
           </a:p>
@@ -2022,7 +3521,7 @@
             <a:fld id="{471E1C79-A119-44DE-84CD-391F73B5F415}" type="datetimeFigureOut">
               <a:rPr lang="en-US" smtClean="0"/>
               <a:pPr/>
-              <a:t>12/2/2009</a:t>
+              <a:t>12/3/2009</a:t>
             </a:fld>
             <a:endParaRPr lang="en-CA"/>
           </a:p>
@@ -2189,7 +3688,7 @@
             <a:fld id="{471E1C79-A119-44DE-84CD-391F73B5F415}" type="datetimeFigureOut">
               <a:rPr lang="en-US" smtClean="0"/>
               <a:pPr/>
-              <a:t>12/2/2009</a:t>
+              <a:t>12/3/2009</a:t>
             </a:fld>
             <a:endParaRPr lang="en-CA"/>
           </a:p>
@@ -2366,7 +3865,7 @@
             <a:fld id="{471E1C79-A119-44DE-84CD-391F73B5F415}" type="datetimeFigureOut">
               <a:rPr lang="en-US" smtClean="0"/>
               <a:pPr/>
-              <a:t>12/2/2009</a:t>
+              <a:t>12/3/2009</a:t>
             </a:fld>
             <a:endParaRPr lang="en-CA"/>
           </a:p>
@@ -2533,7 +4032,7 @@
             <a:fld id="{471E1C79-A119-44DE-84CD-391F73B5F415}" type="datetimeFigureOut">
               <a:rPr lang="en-US" smtClean="0"/>
               <a:pPr/>
-              <a:t>12/2/2009</a:t>
+              <a:t>12/3/2009</a:t>
             </a:fld>
             <a:endParaRPr lang="en-CA"/>
           </a:p>
@@ -2776,7 +4275,7 @@
             <a:fld id="{471E1C79-A119-44DE-84CD-391F73B5F415}" type="datetimeFigureOut">
               <a:rPr lang="en-US" smtClean="0"/>
               <a:pPr/>
-              <a:t>12/2/2009</a:t>
+              <a:t>12/3/2009</a:t>
             </a:fld>
             <a:endParaRPr lang="en-CA"/>
           </a:p>
@@ -3061,7 +4560,7 @@
             <a:fld id="{471E1C79-A119-44DE-84CD-391F73B5F415}" type="datetimeFigureOut">
               <a:rPr lang="en-US" smtClean="0"/>
               <a:pPr/>
-              <a:t>12/2/2009</a:t>
+              <a:t>12/3/2009</a:t>
             </a:fld>
             <a:endParaRPr lang="en-CA"/>
           </a:p>
@@ -3480,7 +4979,7 @@
             <a:fld id="{471E1C79-A119-44DE-84CD-391F73B5F415}" type="datetimeFigureOut">
               <a:rPr lang="en-US" smtClean="0"/>
               <a:pPr/>
-              <a:t>12/2/2009</a:t>
+              <a:t>12/3/2009</a:t>
             </a:fld>
             <a:endParaRPr lang="en-CA"/>
           </a:p>
@@ -3595,7 +5094,7 @@
             <a:fld id="{471E1C79-A119-44DE-84CD-391F73B5F415}" type="datetimeFigureOut">
               <a:rPr lang="en-US" smtClean="0"/>
               <a:pPr/>
-              <a:t>12/2/2009</a:t>
+              <a:t>12/3/2009</a:t>
             </a:fld>
             <a:endParaRPr lang="en-CA"/>
           </a:p>
@@ -3687,7 +5186,7 @@
             <a:fld id="{471E1C79-A119-44DE-84CD-391F73B5F415}" type="datetimeFigureOut">
               <a:rPr lang="en-US" smtClean="0"/>
               <a:pPr/>
-              <a:t>12/2/2009</a:t>
+              <a:t>12/3/2009</a:t>
             </a:fld>
             <a:endParaRPr lang="en-CA"/>
           </a:p>
@@ -3961,7 +5460,7 @@
             <a:fld id="{471E1C79-A119-44DE-84CD-391F73B5F415}" type="datetimeFigureOut">
               <a:rPr lang="en-US" smtClean="0"/>
               <a:pPr/>
-              <a:t>12/2/2009</a:t>
+              <a:t>12/3/2009</a:t>
             </a:fld>
             <a:endParaRPr lang="en-CA"/>
           </a:p>
@@ -4211,7 +5710,7 @@
             <a:fld id="{471E1C79-A119-44DE-84CD-391F73B5F415}" type="datetimeFigureOut">
               <a:rPr lang="en-US" smtClean="0"/>
               <a:pPr/>
-              <a:t>12/2/2009</a:t>
+              <a:t>12/3/2009</a:t>
             </a:fld>
             <a:endParaRPr lang="en-CA"/>
           </a:p>
@@ -4430,7 +5929,7 @@
             <a:fld id="{471E1C79-A119-44DE-84CD-391F73B5F415}" type="datetimeFigureOut">
               <a:rPr lang="en-US" smtClean="0"/>
               <a:pPr/>
-              <a:t>12/2/2009</a:t>
+              <a:t>12/3/2009</a:t>
             </a:fld>
             <a:endParaRPr lang="en-CA"/>
           </a:p>
@@ -5306,7 +6805,11 @@
           <a:p>
             <a:r>
               <a:rPr lang="en-US" dirty="0" smtClean="0"/>
-              <a:t>Framework for fast generation of web applications.</a:t>
+              <a:t>Framework </a:t>
+            </a:r>
+            <a:r>
+              <a:rPr lang="en-US" dirty="0" smtClean="0"/>
+              <a:t>for generating web applications quickly.</a:t>
             </a:r>
             <a:endParaRPr lang="en-US" dirty="0"/>
           </a:p>
@@ -5322,7 +6825,17 @@
               <a:rPr lang="en-US" dirty="0" smtClean="0"/>
               <a:t>Enforces software patterns such as Model-View-Controller.</a:t>
             </a:r>
-            <a:endParaRPr lang="en-US" dirty="0"/>
+          </a:p>
+          <a:p>
+            <a:r>
+              <a:rPr lang="en-US" dirty="0" smtClean="0"/>
+              <a:t>“DRY” code</a:t>
+            </a:r>
+            <a:r>
+              <a:rPr lang="en-US" dirty="0" smtClean="0"/>
+              <a:t>.</a:t>
+            </a:r>
+            <a:endParaRPr lang="en-US" dirty="0" smtClean="0"/>
           </a:p>
           <a:p>
             <a:r>
@@ -5331,13 +6844,15 @@
             </a:r>
             <a:r>
               <a:rPr lang="en-US" dirty="0" smtClean="0"/>
-              <a:t> architecture.</a:t>
-            </a:r>
-          </a:p>
-          <a:p>
-            <a:r>
-              <a:rPr lang="en-US" dirty="0" smtClean="0"/>
-              <a:t>“DRY” code.</a:t>
+              <a:t> </a:t>
+            </a:r>
+            <a:r>
+              <a:rPr lang="en-US" dirty="0" smtClean="0"/>
+              <a:t>architecture</a:t>
+            </a:r>
+            <a:r>
+              <a:rPr lang="en-US" dirty="0" smtClean="0"/>
+              <a:t>.</a:t>
             </a:r>
           </a:p>
           <a:p>
@@ -5428,7 +6943,7 @@
         </p:spPr>
         <p:txBody>
           <a:bodyPr>
-            <a:normAutofit fontScale="92500" lnSpcReduction="10000"/>
+            <a:normAutofit fontScale="92500"/>
           </a:bodyPr>
           <a:lstStyle/>
           <a:p>
@@ -5457,13 +6972,7 @@
               <a:rPr lang="en-US" dirty="0" smtClean="0"/>
               <a:t>Small</a:t>
             </a:r>
-          </a:p>
-          <a:p>
-            <a:pPr lvl="2"/>
-            <a:r>
-              <a:rPr lang="en-US" dirty="0" smtClean="0"/>
-              <a:t>Local</a:t>
-            </a:r>
+            <a:endParaRPr lang="en-US" dirty="0" smtClean="0"/>
           </a:p>
           <a:p>
             <a:pPr lvl="2"/>
@@ -6213,20 +7722,6 @@
               <a:rPr lang="en-US" dirty="0" smtClean="0"/>
               <a:t>All tests must pass after the new code is added</a:t>
             </a:r>
-          </a:p>
-          <a:p>
-            <a:r>
-              <a:rPr lang="en-US" dirty="0" smtClean="0"/>
-              <a:t>Acceptance tests:</a:t>
-            </a:r>
-          </a:p>
-          <a:p>
-            <a:pPr lvl="1"/>
-            <a:r>
-              <a:rPr lang="en-US" dirty="0" smtClean="0"/>
-              <a:t>“White box” tests used to ensure business “fit” of the system</a:t>
-            </a:r>
-            <a:endParaRPr lang="en-CA" dirty="0"/>
           </a:p>
         </p:txBody>
       </p:sp>
@@ -8581,6 +10076,11 @@
               <a:rPr lang="en-US" dirty="0" smtClean="0"/>
               <a:t>Total time: </a:t>
             </a:r>
+            <a:r>
+              <a:rPr lang="en-US" dirty="0" smtClean="0"/>
+              <a:t> 438 units</a:t>
+            </a:r>
+            <a:endParaRPr lang="en-US" dirty="0" smtClean="0"/>
           </a:p>
           <a:p>
             <a:endParaRPr lang="en-US" dirty="0"/>
@@ -9268,8 +10768,17 @@
           <a:p>
             <a:r>
               <a:rPr lang="en-US" dirty="0" smtClean="0"/>
-              <a:t>Online help</a:t>
-            </a:r>
+              <a:t>Online </a:t>
+            </a:r>
+            <a:r>
+              <a:rPr lang="en-US" dirty="0" smtClean="0"/>
+              <a:t>help</a:t>
+            </a:r>
+          </a:p>
+          <a:p>
+            <a:pPr>
+              <a:buNone/>
+            </a:pPr>
             <a:endParaRPr lang="en-CA" dirty="0"/>
           </a:p>
         </p:txBody>

--- a/Stargazer.pptx
+++ b/Stargazer.pptx
@@ -219,7 +219,7 @@
             <a:fld id="{2AAFEF68-1DE9-47A7-9FE3-8BA9D24E7EE3}" type="datetimeFigureOut">
               <a:rPr lang="en-US" smtClean="0"/>
               <a:pPr/>
-              <a:t>12/3/2009</a:t>
+              <a:t>12/4/2009</a:t>
             </a:fld>
             <a:endParaRPr lang="en-CA"/>
           </a:p>
@@ -589,15 +589,7 @@
             </a:r>
             <a:r>
               <a:rPr lang="en-US" baseline="0" dirty="0" smtClean="0"/>
-              <a:t> have no restrictions and can manage users (add, edit, update), and can make changes to any schedule. Regular users can only add new schedules as well as edit and update their own schedules. They are also able to view other schedules, but not </a:t>
-            </a:r>
-            <a:r>
-              <a:rPr lang="en-US" baseline="0" dirty="0" smtClean="0"/>
-              <a:t>make any </a:t>
-            </a:r>
-            <a:r>
-              <a:rPr lang="en-US" baseline="0" dirty="0" smtClean="0"/>
-              <a:t>changes to them, and edit their own profile (change username, password, email).</a:t>
+              <a:t> have no restrictions and can manage users (add, edit, update), and can make changes to any schedule. Regular users can only add new schedules as well as edit and update their own schedules. They are also able to view other schedules, but not make any changes to them, and edit their own profile (change username, password, email).</a:t>
             </a:r>
           </a:p>
           <a:p>
@@ -2828,6 +2820,18 @@
           </a:bodyPr>
           <a:lstStyle/>
           <a:p>
+            <a:r>
+              <a:rPr lang="en-CA" dirty="0" smtClean="0"/>
+              <a:t>Demo the</a:t>
+            </a:r>
+            <a:r>
+              <a:rPr lang="en-CA" baseline="0" dirty="0" smtClean="0"/>
+              <a:t> </a:t>
+            </a:r>
+            <a:r>
+              <a:rPr lang="en-CA" baseline="0" smtClean="0"/>
+              <a:t>DVONN game.</a:t>
+            </a:r>
             <a:endParaRPr lang="en-CA" dirty="0"/>
           </a:p>
         </p:txBody>
@@ -3251,19 +3255,7 @@
           <a:p>
             <a:r>
               <a:rPr lang="en-US" dirty="0" smtClean="0"/>
-              <a:t>The Rails philosophy </a:t>
-            </a:r>
-            <a:r>
-              <a:rPr lang="en-US" dirty="0" smtClean="0"/>
-              <a:t>also includes </a:t>
-            </a:r>
-            <a:r>
-              <a:rPr lang="en-US" dirty="0" smtClean="0"/>
-              <a:t>several guiding </a:t>
-            </a:r>
-            <a:r>
-              <a:rPr lang="en-US" dirty="0" smtClean="0"/>
-              <a:t>principles such as:</a:t>
+              <a:t>The Rails philosophy also includes several guiding principles such as:</a:t>
             </a:r>
           </a:p>
           <a:p>
@@ -3290,17 +3282,8 @@
           <a:p>
             <a:r>
               <a:rPr lang="en-US" dirty="0" smtClean="0"/>
-              <a:t>Convention </a:t>
-            </a:r>
-            <a:r>
-              <a:rPr lang="en-US" dirty="0" smtClean="0"/>
-              <a:t>Over Configuration – means that Rails makes assumptions about what you want to do and how you’re going to do it, rather than letting you tweak every little thing through endless configuration </a:t>
-            </a:r>
-            <a:r>
-              <a:rPr lang="en-US" dirty="0" smtClean="0"/>
-              <a:t>files which eliminates a lot of redundancy and allows for greater productivity.</a:t>
-            </a:r>
-            <a:endParaRPr lang="en-US" dirty="0" smtClean="0"/>
+              <a:t>Convention Over Configuration – means that Rails makes assumptions about what you want to do and how you’re going to do it, rather than letting you tweak every little thing through endless configuration files which eliminates a lot of redundancy and allows for greater productivity.</a:t>
+            </a:r>
           </a:p>
           <a:p>
             <a:endParaRPr lang="en-US" dirty="0"/>
@@ -3521,7 +3504,7 @@
             <a:fld id="{471E1C79-A119-44DE-84CD-391F73B5F415}" type="datetimeFigureOut">
               <a:rPr lang="en-US" smtClean="0"/>
               <a:pPr/>
-              <a:t>12/3/2009</a:t>
+              <a:t>12/4/2009</a:t>
             </a:fld>
             <a:endParaRPr lang="en-CA"/>
           </a:p>
@@ -3688,7 +3671,7 @@
             <a:fld id="{471E1C79-A119-44DE-84CD-391F73B5F415}" type="datetimeFigureOut">
               <a:rPr lang="en-US" smtClean="0"/>
               <a:pPr/>
-              <a:t>12/3/2009</a:t>
+              <a:t>12/4/2009</a:t>
             </a:fld>
             <a:endParaRPr lang="en-CA"/>
           </a:p>
@@ -3865,7 +3848,7 @@
             <a:fld id="{471E1C79-A119-44DE-84CD-391F73B5F415}" type="datetimeFigureOut">
               <a:rPr lang="en-US" smtClean="0"/>
               <a:pPr/>
-              <a:t>12/3/2009</a:t>
+              <a:t>12/4/2009</a:t>
             </a:fld>
             <a:endParaRPr lang="en-CA"/>
           </a:p>
@@ -4032,7 +4015,7 @@
             <a:fld id="{471E1C79-A119-44DE-84CD-391F73B5F415}" type="datetimeFigureOut">
               <a:rPr lang="en-US" smtClean="0"/>
               <a:pPr/>
-              <a:t>12/3/2009</a:t>
+              <a:t>12/4/2009</a:t>
             </a:fld>
             <a:endParaRPr lang="en-CA"/>
           </a:p>
@@ -4275,7 +4258,7 @@
             <a:fld id="{471E1C79-A119-44DE-84CD-391F73B5F415}" type="datetimeFigureOut">
               <a:rPr lang="en-US" smtClean="0"/>
               <a:pPr/>
-              <a:t>12/3/2009</a:t>
+              <a:t>12/4/2009</a:t>
             </a:fld>
             <a:endParaRPr lang="en-CA"/>
           </a:p>
@@ -4560,7 +4543,7 @@
             <a:fld id="{471E1C79-A119-44DE-84CD-391F73B5F415}" type="datetimeFigureOut">
               <a:rPr lang="en-US" smtClean="0"/>
               <a:pPr/>
-              <a:t>12/3/2009</a:t>
+              <a:t>12/4/2009</a:t>
             </a:fld>
             <a:endParaRPr lang="en-CA"/>
           </a:p>
@@ -4979,7 +4962,7 @@
             <a:fld id="{471E1C79-A119-44DE-84CD-391F73B5F415}" type="datetimeFigureOut">
               <a:rPr lang="en-US" smtClean="0"/>
               <a:pPr/>
-              <a:t>12/3/2009</a:t>
+              <a:t>12/4/2009</a:t>
             </a:fld>
             <a:endParaRPr lang="en-CA"/>
           </a:p>
@@ -5094,7 +5077,7 @@
             <a:fld id="{471E1C79-A119-44DE-84CD-391F73B5F415}" type="datetimeFigureOut">
               <a:rPr lang="en-US" smtClean="0"/>
               <a:pPr/>
-              <a:t>12/3/2009</a:t>
+              <a:t>12/4/2009</a:t>
             </a:fld>
             <a:endParaRPr lang="en-CA"/>
           </a:p>
@@ -5186,7 +5169,7 @@
             <a:fld id="{471E1C79-A119-44DE-84CD-391F73B5F415}" type="datetimeFigureOut">
               <a:rPr lang="en-US" smtClean="0"/>
               <a:pPr/>
-              <a:t>12/3/2009</a:t>
+              <a:t>12/4/2009</a:t>
             </a:fld>
             <a:endParaRPr lang="en-CA"/>
           </a:p>
@@ -5460,7 +5443,7 @@
             <a:fld id="{471E1C79-A119-44DE-84CD-391F73B5F415}" type="datetimeFigureOut">
               <a:rPr lang="en-US" smtClean="0"/>
               <a:pPr/>
-              <a:t>12/3/2009</a:t>
+              <a:t>12/4/2009</a:t>
             </a:fld>
             <a:endParaRPr lang="en-CA"/>
           </a:p>
@@ -5710,7 +5693,7 @@
             <a:fld id="{471E1C79-A119-44DE-84CD-391F73B5F415}" type="datetimeFigureOut">
               <a:rPr lang="en-US" smtClean="0"/>
               <a:pPr/>
-              <a:t>12/3/2009</a:t>
+              <a:t>12/4/2009</a:t>
             </a:fld>
             <a:endParaRPr lang="en-CA"/>
           </a:p>
@@ -5929,7 +5912,7 @@
             <a:fld id="{471E1C79-A119-44DE-84CD-391F73B5F415}" type="datetimeFigureOut">
               <a:rPr lang="en-US" smtClean="0"/>
               <a:pPr/>
-              <a:t>12/3/2009</a:t>
+              <a:t>12/4/2009</a:t>
             </a:fld>
             <a:endParaRPr lang="en-CA"/>
           </a:p>
@@ -6564,7 +6547,15 @@
           <a:p>
             <a:r>
               <a:rPr lang="en-US" dirty="0" smtClean="0"/>
-              <a:t>In order to learn the fundamentals of XP, we had a 6.5 week SPIKE project whose goal is to emulate a board game called DVONN.</a:t>
+              <a:t>In order to learn the fundamentals of XP, we had a </a:t>
+            </a:r>
+            <a:r>
+              <a:rPr lang="en-US" dirty="0" smtClean="0"/>
+              <a:t>6 </a:t>
+            </a:r>
+            <a:r>
+              <a:rPr lang="en-US" dirty="0" smtClean="0"/>
+              <a:t>week SPIKE project whose goal is to emulate a board game called DVONN.</a:t>
             </a:r>
           </a:p>
           <a:p>
@@ -6805,11 +6796,7 @@
           <a:p>
             <a:r>
               <a:rPr lang="en-US" dirty="0" smtClean="0"/>
-              <a:t>Framework </a:t>
-            </a:r>
-            <a:r>
-              <a:rPr lang="en-US" dirty="0" smtClean="0"/>
-              <a:t>for generating web applications quickly.</a:t>
+              <a:t>Framework for generating web applications quickly.</a:t>
             </a:r>
             <a:endParaRPr lang="en-US" dirty="0"/>
           </a:p>
@@ -6829,13 +6816,8 @@
           <a:p>
             <a:r>
               <a:rPr lang="en-US" dirty="0" smtClean="0"/>
-              <a:t>“DRY” code</a:t>
-            </a:r>
-            <a:r>
-              <a:rPr lang="en-US" dirty="0" smtClean="0"/>
-              <a:t>.</a:t>
-            </a:r>
-            <a:endParaRPr lang="en-US" dirty="0" smtClean="0"/>
+              <a:t>“DRY” code.</a:t>
+            </a:r>
           </a:p>
           <a:p>
             <a:r>
@@ -6844,15 +6826,7 @@
             </a:r>
             <a:r>
               <a:rPr lang="en-US" dirty="0" smtClean="0"/>
-              <a:t> </a:t>
-            </a:r>
-            <a:r>
-              <a:rPr lang="en-US" dirty="0" smtClean="0"/>
-              <a:t>architecture</a:t>
-            </a:r>
-            <a:r>
-              <a:rPr lang="en-US" dirty="0" smtClean="0"/>
-              <a:t>.</a:t>
+              <a:t> architecture.</a:t>
             </a:r>
           </a:p>
           <a:p>
@@ -6972,7 +6946,6 @@
               <a:rPr lang="en-US" dirty="0" smtClean="0"/>
               <a:t>Small</a:t>
             </a:r>
-            <a:endParaRPr lang="en-US" dirty="0" smtClean="0"/>
           </a:p>
           <a:p>
             <a:pPr lvl="2"/>
@@ -10074,13 +10047,8 @@
           <a:p>
             <a:r>
               <a:rPr lang="en-US" dirty="0" smtClean="0"/>
-              <a:t>Total time: </a:t>
-            </a:r>
-            <a:r>
-              <a:rPr lang="en-US" dirty="0" smtClean="0"/>
-              <a:t> 438 units</a:t>
-            </a:r>
-            <a:endParaRPr lang="en-US" dirty="0" smtClean="0"/>
+              <a:t>Total time:  438 units</a:t>
+            </a:r>
           </a:p>
           <a:p>
             <a:endParaRPr lang="en-US" dirty="0"/>
@@ -10768,11 +10736,7 @@
           <a:p>
             <a:r>
               <a:rPr lang="en-US" dirty="0" smtClean="0"/>
-              <a:t>Online </a:t>
-            </a:r>
-            <a:r>
-              <a:rPr lang="en-US" dirty="0" smtClean="0"/>
-              <a:t>help</a:t>
+              <a:t>Online help</a:t>
             </a:r>
           </a:p>
           <a:p>

--- a/Stargazer.pptx
+++ b/Stargazer.pptx
@@ -219,7 +219,7 @@
             <a:fld id="{2AAFEF68-1DE9-47A7-9FE3-8BA9D24E7EE3}" type="datetimeFigureOut">
               <a:rPr lang="en-US" smtClean="0"/>
               <a:pPr/>
-              <a:t>12/4/2009</a:t>
+              <a:t>12/5/2009</a:t>
             </a:fld>
             <a:endParaRPr lang="en-CA"/>
           </a:p>
@@ -3504,7 +3504,7 @@
             <a:fld id="{471E1C79-A119-44DE-84CD-391F73B5F415}" type="datetimeFigureOut">
               <a:rPr lang="en-US" smtClean="0"/>
               <a:pPr/>
-              <a:t>12/4/2009</a:t>
+              <a:t>12/5/2009</a:t>
             </a:fld>
             <a:endParaRPr lang="en-CA"/>
           </a:p>
@@ -3671,7 +3671,7 @@
             <a:fld id="{471E1C79-A119-44DE-84CD-391F73B5F415}" type="datetimeFigureOut">
               <a:rPr lang="en-US" smtClean="0"/>
               <a:pPr/>
-              <a:t>12/4/2009</a:t>
+              <a:t>12/5/2009</a:t>
             </a:fld>
             <a:endParaRPr lang="en-CA"/>
           </a:p>
@@ -3848,7 +3848,7 @@
             <a:fld id="{471E1C79-A119-44DE-84CD-391F73B5F415}" type="datetimeFigureOut">
               <a:rPr lang="en-US" smtClean="0"/>
               <a:pPr/>
-              <a:t>12/4/2009</a:t>
+              <a:t>12/5/2009</a:t>
             </a:fld>
             <a:endParaRPr lang="en-CA"/>
           </a:p>
@@ -4015,7 +4015,7 @@
             <a:fld id="{471E1C79-A119-44DE-84CD-391F73B5F415}" type="datetimeFigureOut">
               <a:rPr lang="en-US" smtClean="0"/>
               <a:pPr/>
-              <a:t>12/4/2009</a:t>
+              <a:t>12/5/2009</a:t>
             </a:fld>
             <a:endParaRPr lang="en-CA"/>
           </a:p>
@@ -4258,7 +4258,7 @@
             <a:fld id="{471E1C79-A119-44DE-84CD-391F73B5F415}" type="datetimeFigureOut">
               <a:rPr lang="en-US" smtClean="0"/>
               <a:pPr/>
-              <a:t>12/4/2009</a:t>
+              <a:t>12/5/2009</a:t>
             </a:fld>
             <a:endParaRPr lang="en-CA"/>
           </a:p>
@@ -4543,7 +4543,7 @@
             <a:fld id="{471E1C79-A119-44DE-84CD-391F73B5F415}" type="datetimeFigureOut">
               <a:rPr lang="en-US" smtClean="0"/>
               <a:pPr/>
-              <a:t>12/4/2009</a:t>
+              <a:t>12/5/2009</a:t>
             </a:fld>
             <a:endParaRPr lang="en-CA"/>
           </a:p>
@@ -4962,7 +4962,7 @@
             <a:fld id="{471E1C79-A119-44DE-84CD-391F73B5F415}" type="datetimeFigureOut">
               <a:rPr lang="en-US" smtClean="0"/>
               <a:pPr/>
-              <a:t>12/4/2009</a:t>
+              <a:t>12/5/2009</a:t>
             </a:fld>
             <a:endParaRPr lang="en-CA"/>
           </a:p>
@@ -5077,7 +5077,7 @@
             <a:fld id="{471E1C79-A119-44DE-84CD-391F73B5F415}" type="datetimeFigureOut">
               <a:rPr lang="en-US" smtClean="0"/>
               <a:pPr/>
-              <a:t>12/4/2009</a:t>
+              <a:t>12/5/2009</a:t>
             </a:fld>
             <a:endParaRPr lang="en-CA"/>
           </a:p>
@@ -5169,7 +5169,7 @@
             <a:fld id="{471E1C79-A119-44DE-84CD-391F73B5F415}" type="datetimeFigureOut">
               <a:rPr lang="en-US" smtClean="0"/>
               <a:pPr/>
-              <a:t>12/4/2009</a:t>
+              <a:t>12/5/2009</a:t>
             </a:fld>
             <a:endParaRPr lang="en-CA"/>
           </a:p>
@@ -5443,7 +5443,7 @@
             <a:fld id="{471E1C79-A119-44DE-84CD-391F73B5F415}" type="datetimeFigureOut">
               <a:rPr lang="en-US" smtClean="0"/>
               <a:pPr/>
-              <a:t>12/4/2009</a:t>
+              <a:t>12/5/2009</a:t>
             </a:fld>
             <a:endParaRPr lang="en-CA"/>
           </a:p>
@@ -5693,7 +5693,7 @@
             <a:fld id="{471E1C79-A119-44DE-84CD-391F73B5F415}" type="datetimeFigureOut">
               <a:rPr lang="en-US" smtClean="0"/>
               <a:pPr/>
-              <a:t>12/4/2009</a:t>
+              <a:t>12/5/2009</a:t>
             </a:fld>
             <a:endParaRPr lang="en-CA"/>
           </a:p>
@@ -5912,7 +5912,7 @@
             <a:fld id="{471E1C79-A119-44DE-84CD-391F73B5F415}" type="datetimeFigureOut">
               <a:rPr lang="en-US" smtClean="0"/>
               <a:pPr/>
-              <a:t>12/4/2009</a:t>
+              <a:t>12/5/2009</a:t>
             </a:fld>
             <a:endParaRPr lang="en-CA"/>
           </a:p>
@@ -6547,15 +6547,7 @@
           <a:p>
             <a:r>
               <a:rPr lang="en-US" dirty="0" smtClean="0"/>
-              <a:t>In order to learn the fundamentals of XP, we had a </a:t>
-            </a:r>
-            <a:r>
-              <a:rPr lang="en-US" dirty="0" smtClean="0"/>
-              <a:t>6 </a:t>
-            </a:r>
-            <a:r>
-              <a:rPr lang="en-US" dirty="0" smtClean="0"/>
-              <a:t>week SPIKE project whose goal is to emulate a board game called DVONN.</a:t>
+              <a:t>In order to learn the fundamentals of XP, we had a 6 week SPIKE project whose goal is to emulate a board game called DVONN.</a:t>
             </a:r>
           </a:p>
           <a:p>
@@ -7685,8 +7677,12 @@
           <a:p>
             <a:pPr lvl="1"/>
             <a:r>
-              <a:rPr lang="en-US" dirty="0" smtClean="0"/>
-              <a:t>“Black box” tests to ensure functionality correctness. A test suite is used to run all unit tests whenever new code is added to the system</a:t>
+              <a:rPr lang="en-US" smtClean="0"/>
+              <a:t>“White box</a:t>
+            </a:r>
+            <a:r>
+              <a:rPr lang="en-US" dirty="0" smtClean="0"/>
+              <a:t>” tests to ensure functionality correctness. A test suite is used to run all unit tests whenever new code is added to the system</a:t>
             </a:r>
           </a:p>
           <a:p>
